--- a/lecture_12/crossvalidation/12_Model_Fitting_Dealing_With_Uncertainty.pptx
+++ b/lecture_12/crossvalidation/12_Model_Fitting_Dealing_With_Uncertainty.pptx
@@ -5,14 +5,14 @@
     <p:sldMasterId id="2147483648" r:id="rId1"/>
   </p:sldMasterIdLst>
   <p:notesMasterIdLst>
-    <p:notesMasterId r:id="rId20"/>
+    <p:notesMasterId r:id="rId12"/>
   </p:notesMasterIdLst>
   <p:handoutMasterIdLst>
-    <p:handoutMasterId r:id="rId21"/>
+    <p:handoutMasterId r:id="rId13"/>
   </p:handoutMasterIdLst>
   <p:sldIdLst>
     <p:sldId id="347" r:id="rId2"/>
-    <p:sldId id="265" r:id="rId3"/>
+    <p:sldId id="383" r:id="rId3"/>
     <p:sldId id="258" r:id="rId4"/>
     <p:sldId id="370" r:id="rId5"/>
     <p:sldId id="372" r:id="rId6"/>
@@ -20,15 +20,7 @@
     <p:sldId id="377" r:id="rId8"/>
     <p:sldId id="352" r:id="rId9"/>
     <p:sldId id="378" r:id="rId10"/>
-    <p:sldId id="350" r:id="rId11"/>
-    <p:sldId id="379" r:id="rId12"/>
-    <p:sldId id="376" r:id="rId13"/>
-    <p:sldId id="381" r:id="rId14"/>
-    <p:sldId id="364" r:id="rId15"/>
-    <p:sldId id="365" r:id="rId16"/>
-    <p:sldId id="367" r:id="rId17"/>
-    <p:sldId id="366" r:id="rId18"/>
-    <p:sldId id="382" r:id="rId19"/>
+    <p:sldId id="384" r:id="rId11"/>
   </p:sldIdLst>
   <p:sldSz cx="9144000" cy="6858000" type="screen4x3"/>
   <p:notesSz cx="6858000" cy="9144000"/>
@@ -163,7 +155,7 @@
         <p14:section name="Default Section" id="{757542DE-3A9F-ED4D-B4EC-693CDE303B5B}">
           <p14:sldIdLst>
             <p14:sldId id="347"/>
-            <p14:sldId id="265"/>
+            <p14:sldId id="383"/>
             <p14:sldId id="258"/>
             <p14:sldId id="370"/>
           </p14:sldIdLst>
@@ -175,15 +167,7 @@
             <p14:sldId id="377"/>
             <p14:sldId id="352"/>
             <p14:sldId id="378"/>
-            <p14:sldId id="350"/>
-            <p14:sldId id="379"/>
-            <p14:sldId id="376"/>
-            <p14:sldId id="381"/>
-            <p14:sldId id="364"/>
-            <p14:sldId id="365"/>
-            <p14:sldId id="367"/>
-            <p14:sldId id="366"/>
-            <p14:sldId id="382"/>
+            <p14:sldId id="384"/>
           </p14:sldIdLst>
         </p14:section>
       </p14:sectionLst>
@@ -321,7 +305,7 @@
               <a:pPr>
                 <a:defRPr/>
               </a:pPr>
-              <a:t>1/14/21</a:t>
+              <a:t>1/18/21</a:t>
             </a:fld>
             <a:endParaRPr lang="en-US" altLang="x-none"/>
           </a:p>
@@ -530,7 +514,7 @@
               <a:pPr>
                 <a:defRPr/>
               </a:pPr>
-              <a:t>1/14/21</a:t>
+              <a:t>1/18/21</a:t>
             </a:fld>
             <a:endParaRPr lang="en-US" altLang="x-none"/>
           </a:p>
@@ -5223,7 +5207,7 @@
           <p:cNvPr id="2" name="Title 1">
             <a:extLst>
               <a:ext uri="{FF2B5EF4-FFF2-40B4-BE49-F238E27FC236}">
-                <a16:creationId xmlns:a16="http://schemas.microsoft.com/office/drawing/2014/main" id="{34F63FE1-0219-A344-BD0A-D047CF371BF1}"/>
+                <a16:creationId xmlns:a16="http://schemas.microsoft.com/office/drawing/2014/main" id="{361CB192-A0B1-7945-8377-FD345888AF86}"/>
               </a:ext>
             </a:extLst>
           </p:cNvPr>
@@ -5241,621 +5225,7 @@
           <a:p>
             <a:r>
               <a:rPr lang="en-US" dirty="0"/>
-              <a:t>Generating Alternating Folds</a:t>
-            </a:r>
-          </a:p>
-        </p:txBody>
-      </p:sp>
-      <p:sp>
-        <p:nvSpPr>
-          <p:cNvPr id="4" name="Slide Number Placeholder 3">
-            <a:extLst>
-              <a:ext uri="{FF2B5EF4-FFF2-40B4-BE49-F238E27FC236}">
-                <a16:creationId xmlns:a16="http://schemas.microsoft.com/office/drawing/2014/main" id="{84ECBEE2-6666-7341-B916-EFB957592D70}"/>
-              </a:ext>
-            </a:extLst>
-          </p:cNvPr>
-          <p:cNvSpPr>
-            <a:spLocks noGrp="1"/>
-          </p:cNvSpPr>
-          <p:nvPr>
-            <p:ph type="sldNum" sz="quarter" idx="11"/>
-          </p:nvPr>
-        </p:nvSpPr>
-        <p:spPr/>
-        <p:txBody>
-          <a:bodyPr/>
-          <a:lstStyle/>
-          <a:p>
-            <a:pPr>
-              <a:defRPr/>
-            </a:pPr>
-            <a:fld id="{3EF4E9CC-9D91-476E-91FD-5BEEC1642931}" type="slidenum">
-              <a:rPr lang="en-US" altLang="x-none" smtClean="0"/>
-              <a:pPr>
-                <a:defRPr/>
-              </a:pPr>
-              <a:t>10</a:t>
-            </a:fld>
-            <a:endParaRPr lang="en-US" altLang="x-none"/>
-          </a:p>
-        </p:txBody>
-      </p:sp>
-      <p:pic>
-        <p:nvPicPr>
-          <p:cNvPr id="8" name="Picture 7">
-            <a:extLst>
-              <a:ext uri="{FF2B5EF4-FFF2-40B4-BE49-F238E27FC236}">
-                <a16:creationId xmlns:a16="http://schemas.microsoft.com/office/drawing/2014/main" id="{045F46E0-175E-424A-BE27-489258399509}"/>
-              </a:ext>
-            </a:extLst>
-          </p:cNvPr>
-          <p:cNvPicPr>
-            <a:picLocks noChangeAspect="1"/>
-          </p:cNvPicPr>
-          <p:nvPr/>
-        </p:nvPicPr>
-        <p:blipFill>
-          <a:blip r:embed="rId2"/>
-          <a:stretch>
-            <a:fillRect/>
-          </a:stretch>
-        </p:blipFill>
-        <p:spPr>
-          <a:xfrm>
-            <a:off x="1600200" y="1098630"/>
-            <a:ext cx="5943600" cy="4787900"/>
-          </a:xfrm>
-          <a:prstGeom prst="rect">
-            <a:avLst/>
-          </a:prstGeom>
-        </p:spPr>
-      </p:pic>
-    </p:spTree>
-    <p:extLst>
-      <p:ext uri="{BB962C8B-B14F-4D97-AF65-F5344CB8AC3E}">
-        <p14:creationId xmlns:p14="http://schemas.microsoft.com/office/powerpoint/2010/main" val="2723281036"/>
-      </p:ext>
-    </p:extLst>
-  </p:cSld>
-  <p:clrMapOvr>
-    <a:masterClrMapping/>
-  </p:clrMapOvr>
-</p:sld>
-</file>
-
-<file path=ppt/slides/slide11.xml><?xml version="1.0" encoding="utf-8"?>
-<p:sld xmlns:a="http://schemas.openxmlformats.org/drawingml/2006/main" xmlns:r="http://schemas.openxmlformats.org/officeDocument/2006/relationships" xmlns:p="http://schemas.openxmlformats.org/presentationml/2006/main">
-  <p:cSld>
-    <p:spTree>
-      <p:nvGrpSpPr>
-        <p:cNvPr id="1" name=""/>
-        <p:cNvGrpSpPr/>
-        <p:nvPr/>
-      </p:nvGrpSpPr>
-      <p:grpSpPr>
-        <a:xfrm>
-          <a:off x="0" y="0"/>
-          <a:ext cx="0" cy="0"/>
-          <a:chOff x="0" y="0"/>
-          <a:chExt cx="0" cy="0"/>
-        </a:xfrm>
-      </p:grpSpPr>
-      <p:sp>
-        <p:nvSpPr>
-          <p:cNvPr id="2" name="Title 1">
-            <a:extLst>
-              <a:ext uri="{FF2B5EF4-FFF2-40B4-BE49-F238E27FC236}">
-                <a16:creationId xmlns:a16="http://schemas.microsoft.com/office/drawing/2014/main" id="{604AFECC-A249-1749-9A57-817D0F64BA39}"/>
-              </a:ext>
-            </a:extLst>
-          </p:cNvPr>
-          <p:cNvSpPr>
-            <a:spLocks noGrp="1"/>
-          </p:cNvSpPr>
-          <p:nvPr>
-            <p:ph type="title"/>
-          </p:nvPr>
-        </p:nvSpPr>
-        <p:spPr/>
-        <p:txBody>
-          <a:bodyPr/>
-          <a:lstStyle/>
-          <a:p>
-            <a:r>
-              <a:rPr lang="en-US" dirty="0"/>
-              <a:t>Exercise</a:t>
-            </a:r>
-          </a:p>
-        </p:txBody>
-      </p:sp>
-      <mc:AlternateContent xmlns:mc="http://schemas.openxmlformats.org/markup-compatibility/2006" xmlns:a14="http://schemas.microsoft.com/office/drawing/2010/main">
-        <mc:Choice Requires="a14">
-          <p:sp>
-            <p:nvSpPr>
-              <p:cNvPr id="3" name="Content Placeholder 2">
-                <a:extLst>
-                  <a:ext uri="{FF2B5EF4-FFF2-40B4-BE49-F238E27FC236}">
-                    <a16:creationId xmlns:a16="http://schemas.microsoft.com/office/drawing/2014/main" id="{077B1579-2855-B04C-87B3-59F1AFEF1139}"/>
-                  </a:ext>
-                </a:extLst>
-              </p:cNvPr>
-              <p:cNvSpPr>
-                <a:spLocks noGrp="1"/>
-              </p:cNvSpPr>
-              <p:nvPr>
-                <p:ph idx="1"/>
-              </p:nvPr>
-            </p:nvSpPr>
-            <p:spPr>
-              <a:xfrm>
-                <a:off x="457200" y="1371599"/>
-                <a:ext cx="8229600" cy="2514601"/>
-              </a:xfrm>
-            </p:spPr>
-            <p:txBody>
-              <a:bodyPr/>
-              <a:lstStyle/>
-              <a:p>
-                <a:r>
-                  <a:rPr lang="en-US" dirty="0"/>
-                  <a:t>Create synthetic observations as before for A-&gt;B-&gt;C</a:t>
-                </a:r>
-              </a:p>
-              <a:p>
-                <a:pPr lvl="1"/>
-                <a:r>
-                  <a:rPr lang="en-US" dirty="0"/>
-                  <a:t>Use </a:t>
-                </a:r>
-                <a14:m>
-                  <m:oMath xmlns:m="http://schemas.openxmlformats.org/officeDocument/2006/math">
-                    <m:sSup>
-                      <m:sSupPr>
-                        <m:ctrlPr>
-                          <a:rPr lang="en-US" b="0" i="1" smtClean="0">
-                            <a:latin typeface="Cambria Math" panose="02040503050406030204" pitchFamily="18" charset="0"/>
-                          </a:rPr>
-                        </m:ctrlPr>
-                      </m:sSupPr>
-                      <m:e>
-                        <m:r>
-                          <a:rPr lang="en-US" b="0" i="1" smtClean="0">
-                            <a:latin typeface="Cambria Math" panose="02040503050406030204" pitchFamily="18" charset="0"/>
-                          </a:rPr>
-                          <m:t>𝜎</m:t>
-                        </m:r>
-                      </m:e>
-                      <m:sup>
-                        <m:r>
-                          <a:rPr lang="en-US" b="0" i="1" smtClean="0">
-                            <a:latin typeface="Cambria Math" panose="02040503050406030204" pitchFamily="18" charset="0"/>
-                          </a:rPr>
-                          <m:t>2</m:t>
-                        </m:r>
-                      </m:sup>
-                    </m:sSup>
-                    <m:r>
-                      <a:rPr lang="en-US" b="0" i="1" smtClean="0">
-                        <a:latin typeface="Cambria Math" panose="02040503050406030204" pitchFamily="18" charset="0"/>
-                      </a:rPr>
-                      <m:t>=0.5</m:t>
-                    </m:r>
-                  </m:oMath>
-                </a14:m>
-                <a:endParaRPr lang="en-US" dirty="0"/>
-              </a:p>
-              <a:p>
-                <a:r>
-                  <a:rPr lang="en-US" dirty="0"/>
-                  <a:t>Do a fit (differential evolution) for the entire data. Calculate </a:t>
-                </a:r>
-                <a:r>
-                  <a:rPr lang="en-US" i="1" dirty="0"/>
-                  <a:t>R</a:t>
-                </a:r>
-                <a:r>
-                  <a:rPr lang="en-US" baseline="30000" dirty="0"/>
-                  <a:t>2 </a:t>
-                </a:r>
-                <a:r>
-                  <a:rPr lang="en-US" dirty="0"/>
-                  <a:t> and parameter estimates.</a:t>
-                </a:r>
-              </a:p>
-              <a:p>
-                <a:r>
-                  <a:rPr lang="en-US" dirty="0"/>
-                  <a:t>Construct 3 alternating folds</a:t>
-                </a:r>
-              </a:p>
-              <a:p>
-                <a:r>
-                  <a:rPr lang="en-US" dirty="0"/>
-                  <a:t>For each fold: Estimate parameters, Calculate </a:t>
-                </a:r>
-                <a:r>
-                  <a:rPr lang="en-US" i="1" dirty="0"/>
-                  <a:t>R</a:t>
-                </a:r>
-                <a:r>
-                  <a:rPr lang="en-US" baseline="30000" dirty="0"/>
-                  <a:t>2</a:t>
-                </a:r>
-              </a:p>
-              <a:p>
-                <a:r>
-                  <a:rPr lang="en-US" dirty="0"/>
-                  <a:t>Fill out this table</a:t>
-                </a:r>
-              </a:p>
-              <a:p>
-                <a:pPr lvl="1"/>
-                <a:endParaRPr lang="en-US" dirty="0"/>
-              </a:p>
-            </p:txBody>
-          </p:sp>
-        </mc:Choice>
-        <mc:Fallback xmlns="">
-          <p:sp>
-            <p:nvSpPr>
-              <p:cNvPr id="3" name="Content Placeholder 2">
-                <a:extLst>
-                  <a:ext uri="{FF2B5EF4-FFF2-40B4-BE49-F238E27FC236}">
-                    <a16:creationId xmlns:a16="http://schemas.microsoft.com/office/drawing/2014/main" id="{077B1579-2855-B04C-87B3-59F1AFEF1139}"/>
-                  </a:ext>
-                </a:extLst>
-              </p:cNvPr>
-              <p:cNvSpPr>
-                <a:spLocks noGrp="1" noRot="1" noChangeAspect="1" noMove="1" noResize="1" noEditPoints="1" noAdjustHandles="1" noChangeArrowheads="1" noChangeShapeType="1" noTextEdit="1"/>
-              </p:cNvSpPr>
-              <p:nvPr>
-                <p:ph idx="1"/>
-              </p:nvPr>
-            </p:nvSpPr>
-            <p:spPr>
-              <a:xfrm>
-                <a:off x="457200" y="1371599"/>
-                <a:ext cx="8229600" cy="2514601"/>
-              </a:xfrm>
-              <a:blipFill>
-                <a:blip r:embed="rId2"/>
-                <a:stretch>
-                  <a:fillRect l="-1389" t="-3030" b="-42929"/>
-                </a:stretch>
-              </a:blipFill>
-            </p:spPr>
-            <p:txBody>
-              <a:bodyPr/>
-              <a:lstStyle/>
-              <a:p>
-                <a:r>
-                  <a:rPr lang="en-US">
-                    <a:noFill/>
-                  </a:rPr>
-                  <a:t> </a:t>
-                </a:r>
-              </a:p>
-            </p:txBody>
-          </p:sp>
-        </mc:Fallback>
-      </mc:AlternateContent>
-      <p:sp>
-        <p:nvSpPr>
-          <p:cNvPr id="4" name="Slide Number Placeholder 3">
-            <a:extLst>
-              <a:ext uri="{FF2B5EF4-FFF2-40B4-BE49-F238E27FC236}">
-                <a16:creationId xmlns:a16="http://schemas.microsoft.com/office/drawing/2014/main" id="{4F89DBEA-C908-B14A-B575-B275B40276D2}"/>
-              </a:ext>
-            </a:extLst>
-          </p:cNvPr>
-          <p:cNvSpPr>
-            <a:spLocks noGrp="1"/>
-          </p:cNvSpPr>
-          <p:nvPr>
-            <p:ph type="sldNum" sz="quarter" idx="11"/>
-          </p:nvPr>
-        </p:nvSpPr>
-        <p:spPr/>
-        <p:txBody>
-          <a:bodyPr/>
-          <a:lstStyle/>
-          <a:p>
-            <a:pPr>
-              <a:defRPr/>
-            </a:pPr>
-            <a:fld id="{3EF4E9CC-9D91-476E-91FD-5BEEC1642931}" type="slidenum">
-              <a:rPr lang="en-US" altLang="x-none" smtClean="0"/>
-              <a:pPr>
-                <a:defRPr/>
-              </a:pPr>
-              <a:t>11</a:t>
-            </a:fld>
-            <a:endParaRPr lang="en-US" altLang="x-none"/>
-          </a:p>
-        </p:txBody>
-      </p:sp>
-      <p:graphicFrame>
-        <p:nvGraphicFramePr>
-          <p:cNvPr id="5" name="Table 4">
-            <a:extLst>
-              <a:ext uri="{FF2B5EF4-FFF2-40B4-BE49-F238E27FC236}">
-                <a16:creationId xmlns:a16="http://schemas.microsoft.com/office/drawing/2014/main" id="{BE273316-1229-0E4D-A679-365DB4E408E7}"/>
-              </a:ext>
-            </a:extLst>
-          </p:cNvPr>
-          <p:cNvGraphicFramePr>
-            <a:graphicFrameLocks noGrp="1"/>
-          </p:cNvGraphicFramePr>
-          <p:nvPr/>
-        </p:nvGraphicFramePr>
-        <p:xfrm>
-          <a:off x="1066800" y="4917440"/>
-          <a:ext cx="6477000" cy="1483360"/>
-        </p:xfrm>
-        <a:graphic>
-          <a:graphicData uri="http://schemas.openxmlformats.org/drawingml/2006/table">
-            <a:tbl>
-              <a:tblPr firstRow="1" bandRow="1">
-                <a:tableStyleId>{5C22544A-7EE6-4342-B048-85BDC9FD1C3A}</a:tableStyleId>
-              </a:tblPr>
-              <a:tblGrid>
-                <a:gridCol w="2159000">
-                  <a:extLst>
-                    <a:ext uri="{9D8B030D-6E8A-4147-A177-3AD203B41FA5}">
-                      <a16:colId xmlns:a16="http://schemas.microsoft.com/office/drawing/2014/main" val="126456566"/>
-                    </a:ext>
-                  </a:extLst>
-                </a:gridCol>
-                <a:gridCol w="2159000">
-                  <a:extLst>
-                    <a:ext uri="{9D8B030D-6E8A-4147-A177-3AD203B41FA5}">
-                      <a16:colId xmlns:a16="http://schemas.microsoft.com/office/drawing/2014/main" val="220183235"/>
-                    </a:ext>
-                  </a:extLst>
-                </a:gridCol>
-                <a:gridCol w="2159000">
-                  <a:extLst>
-                    <a:ext uri="{9D8B030D-6E8A-4147-A177-3AD203B41FA5}">
-                      <a16:colId xmlns:a16="http://schemas.microsoft.com/office/drawing/2014/main" val="3417250551"/>
-                    </a:ext>
-                  </a:extLst>
-                </a:gridCol>
-              </a:tblGrid>
-              <a:tr h="370840">
-                <a:tc>
-                  <a:txBody>
-                    <a:bodyPr/>
-                    <a:lstStyle/>
-                    <a:p>
-                      <a:r>
-                        <a:rPr lang="en-US" dirty="0"/>
-                        <a:t>Fold</a:t>
-                      </a:r>
-                    </a:p>
-                  </a:txBody>
-                  <a:tcPr/>
-                </a:tc>
-                <a:tc>
-                  <a:txBody>
-                    <a:bodyPr/>
-                    <a:lstStyle/>
-                    <a:p>
-                      <a:r>
-                        <a:rPr lang="en-US" i="1" dirty="0"/>
-                        <a:t>R</a:t>
-                      </a:r>
-                      <a:r>
-                        <a:rPr lang="en-US" baseline="30000" dirty="0"/>
-                        <a:t>2</a:t>
-                      </a:r>
-                      <a:endParaRPr lang="en-US" dirty="0"/>
-                    </a:p>
-                  </a:txBody>
-                  <a:tcPr/>
-                </a:tc>
-                <a:tc>
-                  <a:txBody>
-                    <a:bodyPr/>
-                    <a:lstStyle/>
-                    <a:p>
-                      <a:r>
-                        <a:rPr lang="en-US" dirty="0"/>
-                        <a:t>Parameter</a:t>
-                      </a:r>
-                    </a:p>
-                  </a:txBody>
-                  <a:tcPr/>
-                </a:tc>
-                <a:extLst>
-                  <a:ext uri="{0D108BD9-81ED-4DB2-BD59-A6C34878D82A}">
-                    <a16:rowId xmlns:a16="http://schemas.microsoft.com/office/drawing/2014/main" val="1633879426"/>
-                  </a:ext>
-                </a:extLst>
-              </a:tr>
-              <a:tr h="370840">
-                <a:tc>
-                  <a:txBody>
-                    <a:bodyPr/>
-                    <a:lstStyle/>
-                    <a:p>
-                      <a:r>
-                        <a:rPr lang="en-US" dirty="0"/>
-                        <a:t>1</a:t>
-                      </a:r>
-                    </a:p>
-                  </a:txBody>
-                  <a:tcPr/>
-                </a:tc>
-                <a:tc>
-                  <a:txBody>
-                    <a:bodyPr/>
-                    <a:lstStyle/>
-                    <a:p>
-                      <a:endParaRPr lang="en-US"/>
-                    </a:p>
-                  </a:txBody>
-                  <a:tcPr/>
-                </a:tc>
-                <a:tc>
-                  <a:txBody>
-                    <a:bodyPr/>
-                    <a:lstStyle/>
-                    <a:p>
-                      <a:endParaRPr lang="en-US"/>
-                    </a:p>
-                  </a:txBody>
-                  <a:tcPr/>
-                </a:tc>
-                <a:extLst>
-                  <a:ext uri="{0D108BD9-81ED-4DB2-BD59-A6C34878D82A}">
-                    <a16:rowId xmlns:a16="http://schemas.microsoft.com/office/drawing/2014/main" val="2886587139"/>
-                  </a:ext>
-                </a:extLst>
-              </a:tr>
-              <a:tr h="370840">
-                <a:tc>
-                  <a:txBody>
-                    <a:bodyPr/>
-                    <a:lstStyle/>
-                    <a:p>
-                      <a:r>
-                        <a:rPr lang="en-US" dirty="0"/>
-                        <a:t>2</a:t>
-                      </a:r>
-                    </a:p>
-                  </a:txBody>
-                  <a:tcPr/>
-                </a:tc>
-                <a:tc>
-                  <a:txBody>
-                    <a:bodyPr/>
-                    <a:lstStyle/>
-                    <a:p>
-                      <a:endParaRPr lang="en-US"/>
-                    </a:p>
-                  </a:txBody>
-                  <a:tcPr/>
-                </a:tc>
-                <a:tc>
-                  <a:txBody>
-                    <a:bodyPr/>
-                    <a:lstStyle/>
-                    <a:p>
-                      <a:endParaRPr lang="en-US"/>
-                    </a:p>
-                  </a:txBody>
-                  <a:tcPr/>
-                </a:tc>
-                <a:extLst>
-                  <a:ext uri="{0D108BD9-81ED-4DB2-BD59-A6C34878D82A}">
-                    <a16:rowId xmlns:a16="http://schemas.microsoft.com/office/drawing/2014/main" val="501630587"/>
-                  </a:ext>
-                </a:extLst>
-              </a:tr>
-              <a:tr h="370840">
-                <a:tc>
-                  <a:txBody>
-                    <a:bodyPr/>
-                    <a:lstStyle/>
-                    <a:p>
-                      <a:r>
-                        <a:rPr lang="en-US" dirty="0"/>
-                        <a:t>3</a:t>
-                      </a:r>
-                    </a:p>
-                  </a:txBody>
-                  <a:tcPr/>
-                </a:tc>
-                <a:tc>
-                  <a:txBody>
-                    <a:bodyPr/>
-                    <a:lstStyle/>
-                    <a:p>
-                      <a:endParaRPr lang="en-US"/>
-                    </a:p>
-                  </a:txBody>
-                  <a:tcPr/>
-                </a:tc>
-                <a:tc>
-                  <a:txBody>
-                    <a:bodyPr/>
-                    <a:lstStyle/>
-                    <a:p>
-                      <a:endParaRPr lang="en-US" dirty="0"/>
-                    </a:p>
-                  </a:txBody>
-                  <a:tcPr/>
-                </a:tc>
-                <a:extLst>
-                  <a:ext uri="{0D108BD9-81ED-4DB2-BD59-A6C34878D82A}">
-                    <a16:rowId xmlns:a16="http://schemas.microsoft.com/office/drawing/2014/main" val="3338784137"/>
-                  </a:ext>
-                </a:extLst>
-              </a:tr>
-            </a:tbl>
-          </a:graphicData>
-        </a:graphic>
-      </p:graphicFrame>
-    </p:spTree>
-    <p:extLst>
-      <p:ext uri="{BB962C8B-B14F-4D97-AF65-F5344CB8AC3E}">
-        <p14:creationId xmlns:p14="http://schemas.microsoft.com/office/powerpoint/2010/main" val="1603358986"/>
-      </p:ext>
-    </p:extLst>
-  </p:cSld>
-  <p:clrMapOvr>
-    <a:masterClrMapping/>
-  </p:clrMapOvr>
-</p:sld>
-</file>
-
-<file path=ppt/slides/slide12.xml><?xml version="1.0" encoding="utf-8"?>
-<p:sld xmlns:a="http://schemas.openxmlformats.org/drawingml/2006/main" xmlns:r="http://schemas.openxmlformats.org/officeDocument/2006/relationships" xmlns:p="http://schemas.openxmlformats.org/presentationml/2006/main">
-  <p:cSld>
-    <p:spTree>
-      <p:nvGrpSpPr>
-        <p:cNvPr id="1" name=""/>
-        <p:cNvGrpSpPr/>
-        <p:nvPr/>
-      </p:nvGrpSpPr>
-      <p:grpSpPr>
-        <a:xfrm>
-          <a:off x="0" y="0"/>
-          <a:ext cx="0" cy="0"/>
-          <a:chOff x="0" y="0"/>
-          <a:chExt cx="0" cy="0"/>
-        </a:xfrm>
-      </p:grpSpPr>
-      <p:sp>
-        <p:nvSpPr>
-          <p:cNvPr id="2" name="Title 1">
-            <a:extLst>
-              <a:ext uri="{FF2B5EF4-FFF2-40B4-BE49-F238E27FC236}">
-                <a16:creationId xmlns:a16="http://schemas.microsoft.com/office/drawing/2014/main" id="{FF6157BF-9647-DC42-8F5B-2BF0B6990329}"/>
-              </a:ext>
-            </a:extLst>
-          </p:cNvPr>
-          <p:cNvSpPr>
-            <a:spLocks noGrp="1"/>
-          </p:cNvSpPr>
-          <p:nvPr>
-            <p:ph type="title"/>
-          </p:nvPr>
-        </p:nvSpPr>
-        <p:spPr>
-          <a:xfrm>
-            <a:off x="609600" y="2362200"/>
-            <a:ext cx="8229600" cy="838200"/>
-          </a:xfrm>
-        </p:spPr>
-        <p:txBody>
-          <a:bodyPr/>
-          <a:lstStyle/>
-          <a:p>
-            <a:r>
-              <a:rPr lang="en-US" sz="5400" dirty="0"/>
-              <a:t>Parameter Confidence Intervals</a:t>
+              <a:t>Python Support for Cross Validation</a:t>
             </a:r>
           </a:p>
         </p:txBody>
@@ -5865,7 +5235,7 @@
           <p:cNvPr id="3" name="Slide Number Placeholder 2">
             <a:extLst>
               <a:ext uri="{FF2B5EF4-FFF2-40B4-BE49-F238E27FC236}">
-                <a16:creationId xmlns:a16="http://schemas.microsoft.com/office/drawing/2014/main" id="{E4470D10-213F-354F-80E4-AD5B9C47E5B1}"/>
+                <a16:creationId xmlns:a16="http://schemas.microsoft.com/office/drawing/2014/main" id="{7E295E48-CA99-2948-9FE6-975EBFA7861F}"/>
               </a:ext>
             </a:extLst>
           </p:cNvPr>
@@ -5889,614 +5259,598 @@
               <a:pPr>
                 <a:defRPr/>
               </a:pPr>
-              <a:t>12</a:t>
+              <a:t>10</a:t>
             </a:fld>
             <a:endParaRPr lang="en-US" altLang="x-none"/>
           </a:p>
         </p:txBody>
       </p:sp>
-    </p:spTree>
-    <p:extLst>
-      <p:ext uri="{BB962C8B-B14F-4D97-AF65-F5344CB8AC3E}">
-        <p14:creationId xmlns:p14="http://schemas.microsoft.com/office/powerpoint/2010/main" val="3533340497"/>
-      </p:ext>
-    </p:extLst>
-  </p:cSld>
-  <p:clrMapOvr>
-    <a:masterClrMapping/>
-  </p:clrMapOvr>
-</p:sld>
-</file>
-
-<file path=ppt/slides/slide13.xml><?xml version="1.0" encoding="utf-8"?>
-<p:sld xmlns:a="http://schemas.openxmlformats.org/drawingml/2006/main" xmlns:r="http://schemas.openxmlformats.org/officeDocument/2006/relationships" xmlns:p="http://schemas.openxmlformats.org/presentationml/2006/main">
-  <p:cSld>
-    <p:spTree>
-      <p:nvGrpSpPr>
-        <p:cNvPr id="1" name=""/>
-        <p:cNvGrpSpPr/>
-        <p:nvPr/>
-      </p:nvGrpSpPr>
-      <p:grpSpPr>
-        <a:xfrm>
-          <a:off x="0" y="0"/>
-          <a:ext cx="0" cy="0"/>
-          <a:chOff x="0" y="0"/>
-          <a:chExt cx="0" cy="0"/>
-        </a:xfrm>
-      </p:grpSpPr>
       <p:sp>
         <p:nvSpPr>
-          <p:cNvPr id="2" name="Title 1">
+          <p:cNvPr id="6" name="Rectangle 5">
             <a:extLst>
               <a:ext uri="{FF2B5EF4-FFF2-40B4-BE49-F238E27FC236}">
-                <a16:creationId xmlns:a16="http://schemas.microsoft.com/office/drawing/2014/main" id="{2B20157F-649D-F94B-BDC2-81CD49910798}"/>
+                <a16:creationId xmlns:a16="http://schemas.microsoft.com/office/drawing/2014/main" id="{01BB5BC9-E8A9-F047-9A58-EC25060C4CE3}"/>
               </a:ext>
             </a:extLst>
           </p:cNvPr>
-          <p:cNvSpPr>
-            <a:spLocks noGrp="1"/>
-          </p:cNvSpPr>
-          <p:nvPr>
-            <p:ph type="title"/>
-          </p:nvPr>
+          <p:cNvSpPr/>
+          <p:nvPr/>
         </p:nvSpPr>
         <p:spPr>
           <a:xfrm>
-            <a:off x="228600" y="228600"/>
-            <a:ext cx="8915400" cy="838200"/>
+            <a:off x="228600" y="1295400"/>
+            <a:ext cx="8915400" cy="2246769"/>
           </a:xfrm>
+          <a:prstGeom prst="rect">
+            <a:avLst/>
+          </a:prstGeom>
         </p:spPr>
         <p:txBody>
-          <a:bodyPr/>
+          <a:bodyPr wrap="square">
+            <a:spAutoFit/>
+          </a:bodyPr>
           <a:lstStyle/>
           <a:p>
             <a:r>
-              <a:rPr lang="en-US" dirty="0"/>
-              <a:t>Estimating Parameters Using Cross Validation</a:t>
+              <a:rPr lang="en-US" sz="2000" b="1" dirty="0">
+                <a:solidFill>
+                  <a:srgbClr val="007020"/>
+                </a:solidFill>
+                <a:latin typeface="Courier New" panose="02070309020205020404" pitchFamily="49" charset="0"/>
+                <a:cs typeface="Courier New" panose="02070309020205020404" pitchFamily="49" charset="0"/>
+              </a:rPr>
+              <a:t>import</a:t>
+            </a:r>
+            <a:r>
+              <a:rPr lang="en-US" sz="2000" dirty="0">
+                <a:solidFill>
+                  <a:srgbClr val="212529"/>
+                </a:solidFill>
+                <a:latin typeface="Courier New" panose="02070309020205020404" pitchFamily="49" charset="0"/>
+                <a:cs typeface="Courier New" panose="02070309020205020404" pitchFamily="49" charset="0"/>
+              </a:rPr>
+              <a:t> </a:t>
+            </a:r>
+            <a:r>
+              <a:rPr lang="en-US" sz="2000" b="1" dirty="0" err="1">
+                <a:solidFill>
+                  <a:srgbClr val="0E84B5"/>
+                </a:solidFill>
+                <a:latin typeface="Courier New" panose="02070309020205020404" pitchFamily="49" charset="0"/>
+                <a:cs typeface="Courier New" panose="02070309020205020404" pitchFamily="49" charset="0"/>
+              </a:rPr>
+              <a:t>numpy</a:t>
+            </a:r>
+            <a:r>
+              <a:rPr lang="en-US" sz="2000" dirty="0">
+                <a:solidFill>
+                  <a:srgbClr val="212529"/>
+                </a:solidFill>
+                <a:latin typeface="Courier New" panose="02070309020205020404" pitchFamily="49" charset="0"/>
+                <a:cs typeface="Courier New" panose="02070309020205020404" pitchFamily="49" charset="0"/>
+              </a:rPr>
+              <a:t> </a:t>
+            </a:r>
+            <a:r>
+              <a:rPr lang="en-US" sz="2000" b="1" dirty="0">
+                <a:solidFill>
+                  <a:srgbClr val="007020"/>
+                </a:solidFill>
+                <a:latin typeface="Courier New" panose="02070309020205020404" pitchFamily="49" charset="0"/>
+                <a:cs typeface="Courier New" panose="02070309020205020404" pitchFamily="49" charset="0"/>
+              </a:rPr>
+              <a:t>as</a:t>
+            </a:r>
+            <a:r>
+              <a:rPr lang="en-US" sz="2000" dirty="0">
+                <a:solidFill>
+                  <a:srgbClr val="212529"/>
+                </a:solidFill>
+                <a:latin typeface="Courier New" panose="02070309020205020404" pitchFamily="49" charset="0"/>
+                <a:cs typeface="Courier New" panose="02070309020205020404" pitchFamily="49" charset="0"/>
+              </a:rPr>
+              <a:t> </a:t>
+            </a:r>
+            <a:r>
+              <a:rPr lang="en-US" sz="2000" b="1" dirty="0">
+                <a:solidFill>
+                  <a:srgbClr val="0E84B5"/>
+                </a:solidFill>
+                <a:latin typeface="Courier New" panose="02070309020205020404" pitchFamily="49" charset="0"/>
+                <a:cs typeface="Courier New" panose="02070309020205020404" pitchFamily="49" charset="0"/>
+              </a:rPr>
+              <a:t>np</a:t>
+            </a:r>
+            <a:r>
+              <a:rPr lang="en-US" sz="2000" dirty="0">
+                <a:solidFill>
+                  <a:srgbClr val="212529"/>
+                </a:solidFill>
+                <a:latin typeface="Courier New" panose="02070309020205020404" pitchFamily="49" charset="0"/>
+                <a:cs typeface="Courier New" panose="02070309020205020404" pitchFamily="49" charset="0"/>
+              </a:rPr>
+              <a:t> </a:t>
+            </a:r>
+          </a:p>
+          <a:p>
+            <a:r>
+              <a:rPr lang="en-US" sz="2000" b="1" dirty="0">
+                <a:solidFill>
+                  <a:srgbClr val="007020"/>
+                </a:solidFill>
+                <a:latin typeface="Courier New" panose="02070309020205020404" pitchFamily="49" charset="0"/>
+                <a:cs typeface="Courier New" panose="02070309020205020404" pitchFamily="49" charset="0"/>
+              </a:rPr>
+              <a:t>from</a:t>
+            </a:r>
+            <a:r>
+              <a:rPr lang="en-US" sz="2000" dirty="0">
+                <a:solidFill>
+                  <a:srgbClr val="212529"/>
+                </a:solidFill>
+                <a:latin typeface="Courier New" panose="02070309020205020404" pitchFamily="49" charset="0"/>
+                <a:cs typeface="Courier New" panose="02070309020205020404" pitchFamily="49" charset="0"/>
+              </a:rPr>
+              <a:t> </a:t>
+            </a:r>
+            <a:r>
+              <a:rPr lang="en-US" sz="2000" b="1" dirty="0" err="1">
+                <a:solidFill>
+                  <a:srgbClr val="0E84B5"/>
+                </a:solidFill>
+                <a:latin typeface="Courier New" panose="02070309020205020404" pitchFamily="49" charset="0"/>
+                <a:cs typeface="Courier New" panose="02070309020205020404" pitchFamily="49" charset="0"/>
+              </a:rPr>
+              <a:t>sklearn.model_selection</a:t>
+            </a:r>
+            <a:r>
+              <a:rPr lang="en-US" sz="2000" dirty="0">
+                <a:solidFill>
+                  <a:srgbClr val="212529"/>
+                </a:solidFill>
+                <a:latin typeface="Courier New" panose="02070309020205020404" pitchFamily="49" charset="0"/>
+                <a:cs typeface="Courier New" panose="02070309020205020404" pitchFamily="49" charset="0"/>
+              </a:rPr>
+              <a:t> </a:t>
+            </a:r>
+            <a:r>
+              <a:rPr lang="en-US" sz="2000" b="1" dirty="0">
+                <a:solidFill>
+                  <a:srgbClr val="007020"/>
+                </a:solidFill>
+                <a:latin typeface="Courier New" panose="02070309020205020404" pitchFamily="49" charset="0"/>
+                <a:cs typeface="Courier New" panose="02070309020205020404" pitchFamily="49" charset="0"/>
+              </a:rPr>
+              <a:t>import</a:t>
+            </a:r>
+            <a:r>
+              <a:rPr lang="en-US" sz="2000" dirty="0">
+                <a:solidFill>
+                  <a:srgbClr val="212529"/>
+                </a:solidFill>
+                <a:latin typeface="Courier New" panose="02070309020205020404" pitchFamily="49" charset="0"/>
+                <a:cs typeface="Courier New" panose="02070309020205020404" pitchFamily="49" charset="0"/>
+              </a:rPr>
+              <a:t> </a:t>
+            </a:r>
+            <a:r>
+              <a:rPr lang="en-US" sz="2000" dirty="0" err="1">
+                <a:solidFill>
+                  <a:srgbClr val="212529"/>
+                </a:solidFill>
+                <a:latin typeface="Courier New" panose="02070309020205020404" pitchFamily="49" charset="0"/>
+                <a:cs typeface="Courier New" panose="02070309020205020404" pitchFamily="49" charset="0"/>
+              </a:rPr>
+              <a:t>train_test_split</a:t>
+            </a:r>
+            <a:r>
+              <a:rPr lang="en-US" sz="2000" dirty="0">
+                <a:solidFill>
+                  <a:srgbClr val="212529"/>
+                </a:solidFill>
+                <a:latin typeface="Courier New" panose="02070309020205020404" pitchFamily="49" charset="0"/>
+                <a:cs typeface="Courier New" panose="02070309020205020404" pitchFamily="49" charset="0"/>
+              </a:rPr>
+              <a:t> </a:t>
+            </a:r>
+          </a:p>
+          <a:p>
+            <a:r>
+              <a:rPr lang="en-US" sz="2000" b="1" dirty="0">
+                <a:solidFill>
+                  <a:srgbClr val="007020"/>
+                </a:solidFill>
+                <a:latin typeface="Courier New" panose="02070309020205020404" pitchFamily="49" charset="0"/>
+                <a:cs typeface="Courier New" panose="02070309020205020404" pitchFamily="49" charset="0"/>
+              </a:rPr>
+              <a:t>from</a:t>
+            </a:r>
+            <a:r>
+              <a:rPr lang="en-US" sz="2000" dirty="0">
+                <a:solidFill>
+                  <a:srgbClr val="212529"/>
+                </a:solidFill>
+                <a:latin typeface="Courier New" panose="02070309020205020404" pitchFamily="49" charset="0"/>
+                <a:cs typeface="Courier New" panose="02070309020205020404" pitchFamily="49" charset="0"/>
+              </a:rPr>
+              <a:t> </a:t>
+            </a:r>
+            <a:r>
+              <a:rPr lang="en-US" sz="2000" b="1" dirty="0" err="1">
+                <a:solidFill>
+                  <a:srgbClr val="0E84B5"/>
+                </a:solidFill>
+                <a:latin typeface="Courier New" panose="02070309020205020404" pitchFamily="49" charset="0"/>
+                <a:cs typeface="Courier New" panose="02070309020205020404" pitchFamily="49" charset="0"/>
+              </a:rPr>
+              <a:t>sklearn</a:t>
+            </a:r>
+            <a:r>
+              <a:rPr lang="en-US" sz="2000" dirty="0">
+                <a:solidFill>
+                  <a:srgbClr val="212529"/>
+                </a:solidFill>
+                <a:latin typeface="Courier New" panose="02070309020205020404" pitchFamily="49" charset="0"/>
+                <a:cs typeface="Courier New" panose="02070309020205020404" pitchFamily="49" charset="0"/>
+              </a:rPr>
+              <a:t> </a:t>
+            </a:r>
+            <a:r>
+              <a:rPr lang="en-US" sz="2000" b="1" dirty="0">
+                <a:solidFill>
+                  <a:srgbClr val="007020"/>
+                </a:solidFill>
+                <a:latin typeface="Courier New" panose="02070309020205020404" pitchFamily="49" charset="0"/>
+                <a:cs typeface="Courier New" panose="02070309020205020404" pitchFamily="49" charset="0"/>
+              </a:rPr>
+              <a:t>import</a:t>
+            </a:r>
+            <a:r>
+              <a:rPr lang="en-US" sz="2000" dirty="0">
+                <a:solidFill>
+                  <a:srgbClr val="212529"/>
+                </a:solidFill>
+                <a:latin typeface="Courier New" panose="02070309020205020404" pitchFamily="49" charset="0"/>
+                <a:cs typeface="Courier New" panose="02070309020205020404" pitchFamily="49" charset="0"/>
+              </a:rPr>
+              <a:t> datasets </a:t>
+            </a:r>
+          </a:p>
+          <a:p>
+            <a:r>
+              <a:rPr lang="en-US" sz="2000" b="1" dirty="0">
+                <a:solidFill>
+                  <a:srgbClr val="007020"/>
+                </a:solidFill>
+                <a:latin typeface="Courier New" panose="02070309020205020404" pitchFamily="49" charset="0"/>
+                <a:cs typeface="Courier New" panose="02070309020205020404" pitchFamily="49" charset="0"/>
+              </a:rPr>
+              <a:t>from</a:t>
+            </a:r>
+            <a:r>
+              <a:rPr lang="en-US" sz="2000" dirty="0">
+                <a:solidFill>
+                  <a:srgbClr val="212529"/>
+                </a:solidFill>
+                <a:latin typeface="Courier New" panose="02070309020205020404" pitchFamily="49" charset="0"/>
+                <a:cs typeface="Courier New" panose="02070309020205020404" pitchFamily="49" charset="0"/>
+              </a:rPr>
+              <a:t> </a:t>
+            </a:r>
+            <a:r>
+              <a:rPr lang="en-US" sz="2000" b="1" dirty="0" err="1">
+                <a:solidFill>
+                  <a:srgbClr val="0E84B5"/>
+                </a:solidFill>
+                <a:latin typeface="Courier New" panose="02070309020205020404" pitchFamily="49" charset="0"/>
+                <a:cs typeface="Courier New" panose="02070309020205020404" pitchFamily="49" charset="0"/>
+              </a:rPr>
+              <a:t>sklearn</a:t>
+            </a:r>
+            <a:r>
+              <a:rPr lang="en-US" sz="2000" dirty="0">
+                <a:solidFill>
+                  <a:srgbClr val="212529"/>
+                </a:solidFill>
+                <a:latin typeface="Courier New" panose="02070309020205020404" pitchFamily="49" charset="0"/>
+                <a:cs typeface="Courier New" panose="02070309020205020404" pitchFamily="49" charset="0"/>
+              </a:rPr>
+              <a:t> </a:t>
+            </a:r>
+            <a:r>
+              <a:rPr lang="en-US" sz="2000" b="1" dirty="0">
+                <a:solidFill>
+                  <a:srgbClr val="007020"/>
+                </a:solidFill>
+                <a:latin typeface="Courier New" panose="02070309020205020404" pitchFamily="49" charset="0"/>
+                <a:cs typeface="Courier New" panose="02070309020205020404" pitchFamily="49" charset="0"/>
+              </a:rPr>
+              <a:t>import</a:t>
+            </a:r>
+            <a:r>
+              <a:rPr lang="en-US" sz="2000" dirty="0">
+                <a:solidFill>
+                  <a:srgbClr val="212529"/>
+                </a:solidFill>
+                <a:latin typeface="Courier New" panose="02070309020205020404" pitchFamily="49" charset="0"/>
+                <a:cs typeface="Courier New" panose="02070309020205020404" pitchFamily="49" charset="0"/>
+              </a:rPr>
+              <a:t> </a:t>
+            </a:r>
+            <a:r>
+              <a:rPr lang="en-US" sz="2000" dirty="0" err="1">
+                <a:solidFill>
+                  <a:srgbClr val="212529"/>
+                </a:solidFill>
+                <a:latin typeface="Courier New" panose="02070309020205020404" pitchFamily="49" charset="0"/>
+                <a:cs typeface="Courier New" panose="02070309020205020404" pitchFamily="49" charset="0"/>
+              </a:rPr>
+              <a:t>svm</a:t>
+            </a:r>
+            <a:r>
+              <a:rPr lang="en-US" sz="2000" dirty="0">
+                <a:solidFill>
+                  <a:srgbClr val="212529"/>
+                </a:solidFill>
+                <a:latin typeface="Courier New" panose="02070309020205020404" pitchFamily="49" charset="0"/>
+                <a:cs typeface="Courier New" panose="02070309020205020404" pitchFamily="49" charset="0"/>
+              </a:rPr>
+              <a:t> </a:t>
+            </a:r>
+          </a:p>
+          <a:p>
+            <a:r>
+              <a:rPr lang="en-US" sz="2000" dirty="0">
+                <a:solidFill>
+                  <a:srgbClr val="212529"/>
+                </a:solidFill>
+                <a:latin typeface="Courier New" panose="02070309020205020404" pitchFamily="49" charset="0"/>
+                <a:cs typeface="Courier New" panose="02070309020205020404" pitchFamily="49" charset="0"/>
+              </a:rPr>
+              <a:t>X, y </a:t>
+            </a:r>
+            <a:r>
+              <a:rPr lang="en-US" sz="2000" dirty="0">
+                <a:solidFill>
+                  <a:srgbClr val="666666"/>
+                </a:solidFill>
+                <a:latin typeface="Courier New" panose="02070309020205020404" pitchFamily="49" charset="0"/>
+                <a:cs typeface="Courier New" panose="02070309020205020404" pitchFamily="49" charset="0"/>
+              </a:rPr>
+              <a:t>=</a:t>
+            </a:r>
+            <a:r>
+              <a:rPr lang="en-US" sz="2000" dirty="0">
+                <a:solidFill>
+                  <a:srgbClr val="212529"/>
+                </a:solidFill>
+                <a:latin typeface="Courier New" panose="02070309020205020404" pitchFamily="49" charset="0"/>
+                <a:cs typeface="Courier New" panose="02070309020205020404" pitchFamily="49" charset="0"/>
+              </a:rPr>
+              <a:t> </a:t>
+            </a:r>
+            <a:r>
+              <a:rPr lang="en-US" sz="2000" dirty="0" err="1">
+                <a:solidFill>
+                  <a:srgbClr val="212529"/>
+                </a:solidFill>
+                <a:latin typeface="Courier New" panose="02070309020205020404" pitchFamily="49" charset="0"/>
+                <a:cs typeface="Courier New" panose="02070309020205020404" pitchFamily="49" charset="0"/>
+              </a:rPr>
+              <a:t>datasets</a:t>
+            </a:r>
+            <a:r>
+              <a:rPr lang="en-US" sz="2000" dirty="0" err="1">
+                <a:solidFill>
+                  <a:srgbClr val="666666"/>
+                </a:solidFill>
+                <a:latin typeface="Courier New" panose="02070309020205020404" pitchFamily="49" charset="0"/>
+                <a:cs typeface="Courier New" panose="02070309020205020404" pitchFamily="49" charset="0"/>
+              </a:rPr>
+              <a:t>.</a:t>
+            </a:r>
+            <a:r>
+              <a:rPr lang="en-US" sz="2000" dirty="0" err="1">
+                <a:solidFill>
+                  <a:srgbClr val="212529"/>
+                </a:solidFill>
+                <a:latin typeface="Courier New" panose="02070309020205020404" pitchFamily="49" charset="0"/>
+                <a:cs typeface="Courier New" panose="02070309020205020404" pitchFamily="49" charset="0"/>
+              </a:rPr>
+              <a:t>load_iris</a:t>
+            </a:r>
+            <a:r>
+              <a:rPr lang="en-US" sz="2000" dirty="0">
+                <a:solidFill>
+                  <a:srgbClr val="212529"/>
+                </a:solidFill>
+                <a:latin typeface="Courier New" panose="02070309020205020404" pitchFamily="49" charset="0"/>
+                <a:cs typeface="Courier New" panose="02070309020205020404" pitchFamily="49" charset="0"/>
+              </a:rPr>
+              <a:t>(</a:t>
+            </a:r>
+            <a:r>
+              <a:rPr lang="en-US" sz="2000" dirty="0" err="1">
+                <a:solidFill>
+                  <a:srgbClr val="212529"/>
+                </a:solidFill>
+                <a:latin typeface="Courier New" panose="02070309020205020404" pitchFamily="49" charset="0"/>
+                <a:cs typeface="Courier New" panose="02070309020205020404" pitchFamily="49" charset="0"/>
+              </a:rPr>
+              <a:t>return_X_y</a:t>
+            </a:r>
+            <a:r>
+              <a:rPr lang="en-US" sz="2000" dirty="0">
+                <a:solidFill>
+                  <a:srgbClr val="666666"/>
+                </a:solidFill>
+                <a:latin typeface="Courier New" panose="02070309020205020404" pitchFamily="49" charset="0"/>
+                <a:cs typeface="Courier New" panose="02070309020205020404" pitchFamily="49" charset="0"/>
+              </a:rPr>
+              <a:t>=</a:t>
+            </a:r>
+            <a:r>
+              <a:rPr lang="en-US" sz="2000" b="1" dirty="0">
+                <a:solidFill>
+                  <a:srgbClr val="007020"/>
+                </a:solidFill>
+                <a:latin typeface="Courier New" panose="02070309020205020404" pitchFamily="49" charset="0"/>
+                <a:cs typeface="Courier New" panose="02070309020205020404" pitchFamily="49" charset="0"/>
+              </a:rPr>
+              <a:t>True</a:t>
+            </a:r>
+            <a:r>
+              <a:rPr lang="en-US" sz="2000" dirty="0">
+                <a:solidFill>
+                  <a:srgbClr val="212529"/>
+                </a:solidFill>
+                <a:latin typeface="Courier New" panose="02070309020205020404" pitchFamily="49" charset="0"/>
+                <a:cs typeface="Courier New" panose="02070309020205020404" pitchFamily="49" charset="0"/>
+              </a:rPr>
+              <a:t>)</a:t>
+            </a:r>
+          </a:p>
+          <a:p>
+            <a:r>
+              <a:rPr lang="en-US" sz="2000" dirty="0" err="1">
+                <a:latin typeface="Courier New" panose="02070309020205020404" pitchFamily="49" charset="0"/>
+                <a:cs typeface="Courier New" panose="02070309020205020404" pitchFamily="49" charset="0"/>
+              </a:rPr>
+              <a:t>X_train</a:t>
+            </a:r>
+            <a:r>
+              <a:rPr lang="en-US" sz="2000" dirty="0">
+                <a:latin typeface="Courier New" panose="02070309020205020404" pitchFamily="49" charset="0"/>
+                <a:cs typeface="Courier New" panose="02070309020205020404" pitchFamily="49" charset="0"/>
+              </a:rPr>
+              <a:t>, </a:t>
+            </a:r>
+            <a:r>
+              <a:rPr lang="en-US" sz="2000" dirty="0" err="1">
+                <a:latin typeface="Courier New" panose="02070309020205020404" pitchFamily="49" charset="0"/>
+                <a:cs typeface="Courier New" panose="02070309020205020404" pitchFamily="49" charset="0"/>
+              </a:rPr>
+              <a:t>X_test</a:t>
+            </a:r>
+            <a:r>
+              <a:rPr lang="en-US" sz="2000" dirty="0">
+                <a:latin typeface="Courier New" panose="02070309020205020404" pitchFamily="49" charset="0"/>
+                <a:cs typeface="Courier New" panose="02070309020205020404" pitchFamily="49" charset="0"/>
+              </a:rPr>
+              <a:t>, </a:t>
+            </a:r>
+            <a:r>
+              <a:rPr lang="en-US" sz="2000" dirty="0" err="1">
+                <a:latin typeface="Courier New" panose="02070309020205020404" pitchFamily="49" charset="0"/>
+                <a:cs typeface="Courier New" panose="02070309020205020404" pitchFamily="49" charset="0"/>
+              </a:rPr>
+              <a:t>y_train</a:t>
+            </a:r>
+            <a:r>
+              <a:rPr lang="en-US" sz="2000" dirty="0">
+                <a:latin typeface="Courier New" panose="02070309020205020404" pitchFamily="49" charset="0"/>
+                <a:cs typeface="Courier New" panose="02070309020205020404" pitchFamily="49" charset="0"/>
+              </a:rPr>
+              <a:t>, </a:t>
+            </a:r>
+            <a:r>
+              <a:rPr lang="en-US" sz="2000" dirty="0" err="1">
+                <a:latin typeface="Courier New" panose="02070309020205020404" pitchFamily="49" charset="0"/>
+                <a:cs typeface="Courier New" panose="02070309020205020404" pitchFamily="49" charset="0"/>
+              </a:rPr>
+              <a:t>y_test</a:t>
+            </a:r>
+            <a:r>
+              <a:rPr lang="en-US" sz="2000" dirty="0">
+                <a:latin typeface="Courier New" panose="02070309020205020404" pitchFamily="49" charset="0"/>
+                <a:cs typeface="Courier New" panose="02070309020205020404" pitchFamily="49" charset="0"/>
+              </a:rPr>
+              <a:t> </a:t>
+            </a:r>
+            <a:r>
+              <a:rPr lang="en-US" sz="2000" dirty="0">
+                <a:solidFill>
+                  <a:srgbClr val="666666"/>
+                </a:solidFill>
+                <a:latin typeface="Courier New" panose="02070309020205020404" pitchFamily="49" charset="0"/>
+                <a:cs typeface="Courier New" panose="02070309020205020404" pitchFamily="49" charset="0"/>
+              </a:rPr>
+              <a:t>=</a:t>
+            </a:r>
+            <a:r>
+              <a:rPr lang="en-US" sz="2000" dirty="0">
+                <a:latin typeface="Courier New" panose="02070309020205020404" pitchFamily="49" charset="0"/>
+                <a:cs typeface="Courier New" panose="02070309020205020404" pitchFamily="49" charset="0"/>
+              </a:rPr>
+              <a:t> </a:t>
+            </a:r>
+            <a:r>
+              <a:rPr lang="en-US" sz="2000" dirty="0" err="1">
+                <a:latin typeface="Courier New" panose="02070309020205020404" pitchFamily="49" charset="0"/>
+                <a:cs typeface="Courier New" panose="02070309020205020404" pitchFamily="49" charset="0"/>
+              </a:rPr>
+              <a:t>train_test_split</a:t>
+            </a:r>
+            <a:r>
+              <a:rPr lang="en-US" sz="2000" dirty="0">
+                <a:latin typeface="Courier New" panose="02070309020205020404" pitchFamily="49" charset="0"/>
+                <a:cs typeface="Courier New" panose="02070309020205020404" pitchFamily="49" charset="0"/>
+              </a:rPr>
+              <a:t>(</a:t>
+            </a:r>
+          </a:p>
+          <a:p>
+            <a:r>
+              <a:rPr lang="en-US" sz="2000" dirty="0">
+                <a:solidFill>
+                  <a:srgbClr val="212529"/>
+                </a:solidFill>
+                <a:latin typeface="Courier New" panose="02070309020205020404" pitchFamily="49" charset="0"/>
+                <a:cs typeface="Courier New" panose="02070309020205020404" pitchFamily="49" charset="0"/>
+              </a:rPr>
+              <a:t> </a:t>
+            </a:r>
+            <a:r>
+              <a:rPr lang="en-US" sz="2000" dirty="0">
+                <a:latin typeface="Courier New" panose="02070309020205020404" pitchFamily="49" charset="0"/>
+                <a:cs typeface="Courier New" panose="02070309020205020404" pitchFamily="49" charset="0"/>
+              </a:rPr>
+              <a:t>X, y, </a:t>
+            </a:r>
+            <a:r>
+              <a:rPr lang="en-US" sz="2000" dirty="0" err="1">
+                <a:latin typeface="Courier New" panose="02070309020205020404" pitchFamily="49" charset="0"/>
+                <a:cs typeface="Courier New" panose="02070309020205020404" pitchFamily="49" charset="0"/>
+              </a:rPr>
+              <a:t>test_size</a:t>
+            </a:r>
+            <a:r>
+              <a:rPr lang="en-US" sz="2000" dirty="0">
+                <a:latin typeface="Courier New" panose="02070309020205020404" pitchFamily="49" charset="0"/>
+                <a:cs typeface="Courier New" panose="02070309020205020404" pitchFamily="49" charset="0"/>
+              </a:rPr>
+              <a:t>=0.4)</a:t>
+            </a:r>
+            <a:r>
+              <a:rPr lang="en-US" sz="2000" dirty="0">
+                <a:solidFill>
+                  <a:srgbClr val="212529"/>
+                </a:solidFill>
+                <a:latin typeface="Courier New" panose="02070309020205020404" pitchFamily="49" charset="0"/>
+                <a:cs typeface="Courier New" panose="02070309020205020404" pitchFamily="49" charset="0"/>
+              </a:rPr>
+              <a:t> </a:t>
             </a:r>
           </a:p>
         </p:txBody>
       </p:sp>
       <p:sp>
         <p:nvSpPr>
-          <p:cNvPr id="3" name="Slide Number Placeholder 2">
+          <p:cNvPr id="7" name="TextBox 6">
             <a:extLst>
               <a:ext uri="{FF2B5EF4-FFF2-40B4-BE49-F238E27FC236}">
-                <a16:creationId xmlns:a16="http://schemas.microsoft.com/office/drawing/2014/main" id="{8C99D9B9-8896-5D42-9C72-E8BA08D02830}"/>
-              </a:ext>
-            </a:extLst>
-          </p:cNvPr>
-          <p:cNvSpPr>
-            <a:spLocks noGrp="1"/>
-          </p:cNvSpPr>
-          <p:nvPr>
-            <p:ph type="sldNum" sz="quarter" idx="11"/>
-          </p:nvPr>
-        </p:nvSpPr>
-        <p:spPr/>
-        <p:txBody>
-          <a:bodyPr/>
-          <a:lstStyle/>
-          <a:p>
-            <a:pPr>
-              <a:defRPr/>
-            </a:pPr>
-            <a:fld id="{2E4304A7-0FB2-4094-BC1E-DB17183AD0C1}" type="slidenum">
-              <a:rPr lang="en-US" altLang="x-none" smtClean="0"/>
-              <a:pPr>
-                <a:defRPr/>
-              </a:pPr>
-              <a:t>13</a:t>
-            </a:fld>
-            <a:endParaRPr lang="en-US" altLang="x-none"/>
-          </a:p>
-        </p:txBody>
-      </p:sp>
-      <p:graphicFrame>
-        <p:nvGraphicFramePr>
-          <p:cNvPr id="4" name="Table 3">
-            <a:extLst>
-              <a:ext uri="{FF2B5EF4-FFF2-40B4-BE49-F238E27FC236}">
-                <a16:creationId xmlns:a16="http://schemas.microsoft.com/office/drawing/2014/main" id="{0B3E5341-AB92-B94A-8C26-B1F121E97F05}"/>
-              </a:ext>
-            </a:extLst>
-          </p:cNvPr>
-          <p:cNvGraphicFramePr>
-            <a:graphicFrameLocks noGrp="1"/>
-          </p:cNvGraphicFramePr>
-          <p:nvPr>
-            <p:extLst>
-              <p:ext uri="{D42A27DB-BD31-4B8C-83A1-F6EECF244321}">
-                <p14:modId xmlns:p14="http://schemas.microsoft.com/office/powerpoint/2010/main" val="2611310114"/>
-              </p:ext>
-            </p:extLst>
-          </p:nvPr>
-        </p:nvGraphicFramePr>
-        <p:xfrm>
-          <a:off x="3149406" y="971816"/>
-          <a:ext cx="833120" cy="701040"/>
-        </p:xfrm>
-        <a:graphic>
-          <a:graphicData uri="http://schemas.openxmlformats.org/drawingml/2006/table">
-            <a:tbl>
-              <a:tblPr firstRow="1" bandRow="1">
-                <a:tableStyleId>{5C22544A-7EE6-4342-B048-85BDC9FD1C3A}</a:tableStyleId>
-              </a:tblPr>
-              <a:tblGrid>
-                <a:gridCol w="208280">
-                  <a:extLst>
-                    <a:ext uri="{9D8B030D-6E8A-4147-A177-3AD203B41FA5}">
-                      <a16:colId xmlns:a16="http://schemas.microsoft.com/office/drawing/2014/main" val="2850824769"/>
-                    </a:ext>
-                  </a:extLst>
-                </a:gridCol>
-                <a:gridCol w="208280">
-                  <a:extLst>
-                    <a:ext uri="{9D8B030D-6E8A-4147-A177-3AD203B41FA5}">
-                      <a16:colId xmlns:a16="http://schemas.microsoft.com/office/drawing/2014/main" val="57343624"/>
-                    </a:ext>
-                  </a:extLst>
-                </a:gridCol>
-                <a:gridCol w="208280">
-                  <a:extLst>
-                    <a:ext uri="{9D8B030D-6E8A-4147-A177-3AD203B41FA5}">
-                      <a16:colId xmlns:a16="http://schemas.microsoft.com/office/drawing/2014/main" val="2298198695"/>
-                    </a:ext>
-                  </a:extLst>
-                </a:gridCol>
-                <a:gridCol w="208280">
-                  <a:extLst>
-                    <a:ext uri="{9D8B030D-6E8A-4147-A177-3AD203B41FA5}">
-                      <a16:colId xmlns:a16="http://schemas.microsoft.com/office/drawing/2014/main" val="3269445081"/>
-                    </a:ext>
-                  </a:extLst>
-                </a:gridCol>
-              </a:tblGrid>
-              <a:tr h="0">
-                <a:tc>
-                  <a:txBody>
-                    <a:bodyPr/>
-                    <a:lstStyle/>
-                    <a:p>
-                      <a:endParaRPr lang="en-US" sz="100" dirty="0">
-                        <a:solidFill>
-                          <a:srgbClr val="002060"/>
-                        </a:solidFill>
-                        <a:highlight>
-                          <a:srgbClr val="0000FF"/>
-                        </a:highlight>
-                      </a:endParaRPr>
-                    </a:p>
-                  </a:txBody>
-                  <a:tcPr>
-                    <a:solidFill>
-                      <a:srgbClr val="002060"/>
-                    </a:solidFill>
-                  </a:tcPr>
-                </a:tc>
-                <a:tc>
-                  <a:txBody>
-                    <a:bodyPr/>
-                    <a:lstStyle/>
-                    <a:p>
-                      <a:endParaRPr lang="en-US" sz="100" dirty="0">
-                        <a:solidFill>
-                          <a:srgbClr val="002060"/>
-                        </a:solidFill>
-                        <a:highlight>
-                          <a:srgbClr val="0000FF"/>
-                        </a:highlight>
-                      </a:endParaRPr>
-                    </a:p>
-                  </a:txBody>
-                  <a:tcPr>
-                    <a:solidFill>
-                      <a:srgbClr val="002060"/>
-                    </a:solidFill>
-                  </a:tcPr>
-                </a:tc>
-                <a:tc>
-                  <a:txBody>
-                    <a:bodyPr/>
-                    <a:lstStyle/>
-                    <a:p>
-                      <a:endParaRPr lang="en-US" sz="100" dirty="0">
-                        <a:solidFill>
-                          <a:srgbClr val="002060"/>
-                        </a:solidFill>
-                        <a:highlight>
-                          <a:srgbClr val="0000FF"/>
-                        </a:highlight>
-                      </a:endParaRPr>
-                    </a:p>
-                  </a:txBody>
-                  <a:tcPr>
-                    <a:solidFill>
-                      <a:srgbClr val="002060"/>
-                    </a:solidFill>
-                  </a:tcPr>
-                </a:tc>
-                <a:tc>
-                  <a:txBody>
-                    <a:bodyPr/>
-                    <a:lstStyle/>
-                    <a:p>
-                      <a:endParaRPr lang="en-US" sz="100" dirty="0">
-                        <a:solidFill>
-                          <a:srgbClr val="002060"/>
-                        </a:solidFill>
-                        <a:highlight>
-                          <a:srgbClr val="0000FF"/>
-                        </a:highlight>
-                      </a:endParaRPr>
-                    </a:p>
-                  </a:txBody>
-                  <a:tcPr>
-                    <a:solidFill>
-                      <a:srgbClr val="002060"/>
-                    </a:solidFill>
-                  </a:tcPr>
-                </a:tc>
-                <a:extLst>
-                  <a:ext uri="{0D108BD9-81ED-4DB2-BD59-A6C34878D82A}">
-                    <a16:rowId xmlns:a16="http://schemas.microsoft.com/office/drawing/2014/main" val="1182745223"/>
-                  </a:ext>
-                </a:extLst>
-              </a:tr>
-              <a:tr h="0">
-                <a:tc>
-                  <a:txBody>
-                    <a:bodyPr/>
-                    <a:lstStyle/>
-                    <a:p>
-                      <a:endParaRPr lang="en-US" sz="100">
-                        <a:solidFill>
-                          <a:srgbClr val="002060"/>
-                        </a:solidFill>
-                        <a:highlight>
-                          <a:srgbClr val="0000FF"/>
-                        </a:highlight>
-                      </a:endParaRPr>
-                    </a:p>
-                  </a:txBody>
-                  <a:tcPr>
-                    <a:solidFill>
-                      <a:srgbClr val="002060"/>
-                    </a:solidFill>
-                  </a:tcPr>
-                </a:tc>
-                <a:tc>
-                  <a:txBody>
-                    <a:bodyPr/>
-                    <a:lstStyle/>
-                    <a:p>
-                      <a:endParaRPr lang="en-US" sz="100">
-                        <a:solidFill>
-                          <a:srgbClr val="002060"/>
-                        </a:solidFill>
-                        <a:highlight>
-                          <a:srgbClr val="0000FF"/>
-                        </a:highlight>
-                      </a:endParaRPr>
-                    </a:p>
-                  </a:txBody>
-                  <a:tcPr>
-                    <a:solidFill>
-                      <a:srgbClr val="002060"/>
-                    </a:solidFill>
-                  </a:tcPr>
-                </a:tc>
-                <a:tc>
-                  <a:txBody>
-                    <a:bodyPr/>
-                    <a:lstStyle/>
-                    <a:p>
-                      <a:endParaRPr lang="en-US" sz="100" dirty="0">
-                        <a:solidFill>
-                          <a:srgbClr val="002060"/>
-                        </a:solidFill>
-                        <a:highlight>
-                          <a:srgbClr val="0000FF"/>
-                        </a:highlight>
-                      </a:endParaRPr>
-                    </a:p>
-                  </a:txBody>
-                  <a:tcPr>
-                    <a:solidFill>
-                      <a:srgbClr val="002060"/>
-                    </a:solidFill>
-                  </a:tcPr>
-                </a:tc>
-                <a:tc>
-                  <a:txBody>
-                    <a:bodyPr/>
-                    <a:lstStyle/>
-                    <a:p>
-                      <a:endParaRPr lang="en-US" sz="100" dirty="0">
-                        <a:solidFill>
-                          <a:srgbClr val="002060"/>
-                        </a:solidFill>
-                        <a:highlight>
-                          <a:srgbClr val="0000FF"/>
-                        </a:highlight>
-                      </a:endParaRPr>
-                    </a:p>
-                  </a:txBody>
-                  <a:tcPr>
-                    <a:solidFill>
-                      <a:srgbClr val="002060"/>
-                    </a:solidFill>
-                  </a:tcPr>
-                </a:tc>
-                <a:extLst>
-                  <a:ext uri="{0D108BD9-81ED-4DB2-BD59-A6C34878D82A}">
-                    <a16:rowId xmlns:a16="http://schemas.microsoft.com/office/drawing/2014/main" val="1211249238"/>
-                  </a:ext>
-                </a:extLst>
-              </a:tr>
-              <a:tr h="0">
-                <a:tc>
-                  <a:txBody>
-                    <a:bodyPr/>
-                    <a:lstStyle/>
-                    <a:p>
-                      <a:endParaRPr lang="en-US" sz="100" dirty="0"/>
-                    </a:p>
-                  </a:txBody>
-                  <a:tcPr>
-                    <a:solidFill>
-                      <a:srgbClr val="00B050"/>
-                    </a:solidFill>
-                  </a:tcPr>
-                </a:tc>
-                <a:tc>
-                  <a:txBody>
-                    <a:bodyPr/>
-                    <a:lstStyle/>
-                    <a:p>
-                      <a:endParaRPr lang="en-US" sz="100" dirty="0"/>
-                    </a:p>
-                  </a:txBody>
-                  <a:tcPr>
-                    <a:solidFill>
-                      <a:srgbClr val="00B050"/>
-                    </a:solidFill>
-                  </a:tcPr>
-                </a:tc>
-                <a:tc>
-                  <a:txBody>
-                    <a:bodyPr/>
-                    <a:lstStyle/>
-                    <a:p>
-                      <a:endParaRPr lang="en-US" sz="100" dirty="0"/>
-                    </a:p>
-                  </a:txBody>
-                  <a:tcPr>
-                    <a:solidFill>
-                      <a:srgbClr val="00B050"/>
-                    </a:solidFill>
-                  </a:tcPr>
-                </a:tc>
-                <a:tc>
-                  <a:txBody>
-                    <a:bodyPr/>
-                    <a:lstStyle/>
-                    <a:p>
-                      <a:endParaRPr lang="en-US" sz="100" dirty="0"/>
-                    </a:p>
-                  </a:txBody>
-                  <a:tcPr>
-                    <a:solidFill>
-                      <a:srgbClr val="00B050"/>
-                    </a:solidFill>
-                  </a:tcPr>
-                </a:tc>
-                <a:extLst>
-                  <a:ext uri="{0D108BD9-81ED-4DB2-BD59-A6C34878D82A}">
-                    <a16:rowId xmlns:a16="http://schemas.microsoft.com/office/drawing/2014/main" val="640380758"/>
-                  </a:ext>
-                </a:extLst>
-              </a:tr>
-              <a:tr h="0">
-                <a:tc>
-                  <a:txBody>
-                    <a:bodyPr/>
-                    <a:lstStyle/>
-                    <a:p>
-                      <a:endParaRPr lang="en-US" sz="100" dirty="0"/>
-                    </a:p>
-                  </a:txBody>
-                  <a:tcPr>
-                    <a:solidFill>
-                      <a:srgbClr val="00B050"/>
-                    </a:solidFill>
-                  </a:tcPr>
-                </a:tc>
-                <a:tc>
-                  <a:txBody>
-                    <a:bodyPr/>
-                    <a:lstStyle/>
-                    <a:p>
-                      <a:endParaRPr lang="en-US" sz="100" dirty="0"/>
-                    </a:p>
-                  </a:txBody>
-                  <a:tcPr>
-                    <a:solidFill>
-                      <a:srgbClr val="00B050"/>
-                    </a:solidFill>
-                  </a:tcPr>
-                </a:tc>
-                <a:tc>
-                  <a:txBody>
-                    <a:bodyPr/>
-                    <a:lstStyle/>
-                    <a:p>
-                      <a:endParaRPr lang="en-US" sz="100" dirty="0"/>
-                    </a:p>
-                  </a:txBody>
-                  <a:tcPr>
-                    <a:solidFill>
-                      <a:srgbClr val="00B050"/>
-                    </a:solidFill>
-                  </a:tcPr>
-                </a:tc>
-                <a:tc>
-                  <a:txBody>
-                    <a:bodyPr/>
-                    <a:lstStyle/>
-                    <a:p>
-                      <a:endParaRPr lang="en-US" sz="100" dirty="0"/>
-                    </a:p>
-                  </a:txBody>
-                  <a:tcPr>
-                    <a:solidFill>
-                      <a:srgbClr val="00B050"/>
-                    </a:solidFill>
-                  </a:tcPr>
-                </a:tc>
-                <a:extLst>
-                  <a:ext uri="{0D108BD9-81ED-4DB2-BD59-A6C34878D82A}">
-                    <a16:rowId xmlns:a16="http://schemas.microsoft.com/office/drawing/2014/main" val="3739254808"/>
-                  </a:ext>
-                </a:extLst>
-              </a:tr>
-              <a:tr h="0">
-                <a:tc>
-                  <a:txBody>
-                    <a:bodyPr/>
-                    <a:lstStyle/>
-                    <a:p>
-                      <a:endParaRPr lang="en-US" sz="100" dirty="0"/>
-                    </a:p>
-                  </a:txBody>
-                  <a:tcPr>
-                    <a:solidFill>
-                      <a:srgbClr val="C00000"/>
-                    </a:solidFill>
-                  </a:tcPr>
-                </a:tc>
-                <a:tc>
-                  <a:txBody>
-                    <a:bodyPr/>
-                    <a:lstStyle/>
-                    <a:p>
-                      <a:endParaRPr lang="en-US" sz="100"/>
-                    </a:p>
-                  </a:txBody>
-                  <a:tcPr>
-                    <a:solidFill>
-                      <a:srgbClr val="C00000"/>
-                    </a:solidFill>
-                  </a:tcPr>
-                </a:tc>
-                <a:tc>
-                  <a:txBody>
-                    <a:bodyPr/>
-                    <a:lstStyle/>
-                    <a:p>
-                      <a:endParaRPr lang="en-US" sz="100" dirty="0"/>
-                    </a:p>
-                  </a:txBody>
-                  <a:tcPr>
-                    <a:solidFill>
-                      <a:srgbClr val="C00000"/>
-                    </a:solidFill>
-                  </a:tcPr>
-                </a:tc>
-                <a:tc>
-                  <a:txBody>
-                    <a:bodyPr/>
-                    <a:lstStyle/>
-                    <a:p>
-                      <a:endParaRPr lang="en-US" sz="100" dirty="0"/>
-                    </a:p>
-                  </a:txBody>
-                  <a:tcPr>
-                    <a:solidFill>
-                      <a:srgbClr val="C00000"/>
-                    </a:solidFill>
-                  </a:tcPr>
-                </a:tc>
-                <a:extLst>
-                  <a:ext uri="{0D108BD9-81ED-4DB2-BD59-A6C34878D82A}">
-                    <a16:rowId xmlns:a16="http://schemas.microsoft.com/office/drawing/2014/main" val="2733300335"/>
-                  </a:ext>
-                </a:extLst>
-              </a:tr>
-              <a:tr h="0">
-                <a:tc>
-                  <a:txBody>
-                    <a:bodyPr/>
-                    <a:lstStyle/>
-                    <a:p>
-                      <a:endParaRPr lang="en-US" sz="100"/>
-                    </a:p>
-                  </a:txBody>
-                  <a:tcPr>
-                    <a:solidFill>
-                      <a:srgbClr val="C00000"/>
-                    </a:solidFill>
-                  </a:tcPr>
-                </a:tc>
-                <a:tc>
-                  <a:txBody>
-                    <a:bodyPr/>
-                    <a:lstStyle/>
-                    <a:p>
-                      <a:endParaRPr lang="en-US" sz="100"/>
-                    </a:p>
-                  </a:txBody>
-                  <a:tcPr>
-                    <a:solidFill>
-                      <a:srgbClr val="C00000"/>
-                    </a:solidFill>
-                  </a:tcPr>
-                </a:tc>
-                <a:tc>
-                  <a:txBody>
-                    <a:bodyPr/>
-                    <a:lstStyle/>
-                    <a:p>
-                      <a:endParaRPr lang="en-US" sz="100"/>
-                    </a:p>
-                  </a:txBody>
-                  <a:tcPr>
-                    <a:solidFill>
-                      <a:srgbClr val="C00000"/>
-                    </a:solidFill>
-                  </a:tcPr>
-                </a:tc>
-                <a:tc>
-                  <a:txBody>
-                    <a:bodyPr/>
-                    <a:lstStyle/>
-                    <a:p>
-                      <a:endParaRPr lang="en-US" sz="100" dirty="0"/>
-                    </a:p>
-                  </a:txBody>
-                  <a:tcPr>
-                    <a:solidFill>
-                      <a:srgbClr val="C00000"/>
-                    </a:solidFill>
-                  </a:tcPr>
-                </a:tc>
-                <a:extLst>
-                  <a:ext uri="{0D108BD9-81ED-4DB2-BD59-A6C34878D82A}">
-                    <a16:rowId xmlns:a16="http://schemas.microsoft.com/office/drawing/2014/main" val="4233758861"/>
-                  </a:ext>
-                </a:extLst>
-              </a:tr>
-            </a:tbl>
-          </a:graphicData>
-        </a:graphic>
-      </p:graphicFrame>
-      <p:sp>
-        <p:nvSpPr>
-          <p:cNvPr id="5" name="TextBox 4">
-            <a:extLst>
-              <a:ext uri="{FF2B5EF4-FFF2-40B4-BE49-F238E27FC236}">
-                <a16:creationId xmlns:a16="http://schemas.microsoft.com/office/drawing/2014/main" id="{BD8C2152-A017-2146-8671-3172288CCE9F}"/>
+                <a16:creationId xmlns:a16="http://schemas.microsoft.com/office/drawing/2014/main" id="{9F30CCC4-0744-E14E-9F85-351FAC13DC8C}"/>
               </a:ext>
             </a:extLst>
           </p:cNvPr>
@@ -6505,8 +5859,8 @@
         </p:nvSpPr>
         <p:spPr>
           <a:xfrm>
-            <a:off x="1772727" y="2114816"/>
-            <a:ext cx="894219" cy="369332"/>
+            <a:off x="838200" y="4038600"/>
+            <a:ext cx="7094827" cy="461665"/>
           </a:xfrm>
           <a:prstGeom prst="rect">
             <a:avLst/>
@@ -6520,2611 +5874,8 @@
           <a:lstStyle/>
           <a:p>
             <a:r>
-              <a:rPr lang="en-US" dirty="0"/>
-              <a:t>Train 1</a:t>
-            </a:r>
-          </a:p>
-        </p:txBody>
-      </p:sp>
-      <mc:AlternateContent xmlns:mc="http://schemas.openxmlformats.org/markup-compatibility/2006" xmlns:a14="http://schemas.microsoft.com/office/drawing/2010/main">
-        <mc:Choice Requires="a14">
-          <p:sp>
-            <p:nvSpPr>
-              <p:cNvPr id="7" name="TextBox 6">
-                <a:extLst>
-                  <a:ext uri="{FF2B5EF4-FFF2-40B4-BE49-F238E27FC236}">
-                    <a16:creationId xmlns:a16="http://schemas.microsoft.com/office/drawing/2014/main" id="{A24C1C6F-088A-3D4B-8B46-CB2470FDB44C}"/>
-                  </a:ext>
-                </a:extLst>
-              </p:cNvPr>
-              <p:cNvSpPr txBox="1"/>
-              <p:nvPr/>
-            </p:nvSpPr>
-            <p:spPr>
-              <a:xfrm>
-                <a:off x="3307224" y="2343416"/>
-                <a:ext cx="757515" cy="477438"/>
-              </a:xfrm>
-              <a:prstGeom prst="rect">
-                <a:avLst/>
-              </a:prstGeom>
-              <a:noFill/>
-            </p:spPr>
-            <p:txBody>
-              <a:bodyPr wrap="none" rtlCol="0">
-                <a:spAutoFit/>
-              </a:bodyPr>
-              <a:lstStyle/>
-              <a:p>
-                <a:pPr/>
-                <a14:m>
-                  <m:oMathPara xmlns:m="http://schemas.openxmlformats.org/officeDocument/2006/math">
-                    <m:oMathParaPr>
-                      <m:jc m:val="centerGroup"/>
-                    </m:oMathParaPr>
-                    <m:oMath xmlns:m="http://schemas.openxmlformats.org/officeDocument/2006/math">
-                      <m:sSup>
-                        <m:sSupPr>
-                          <m:ctrlPr>
-                            <a:rPr lang="en-US" sz="2400" b="0" i="1" smtClean="0">
-                              <a:latin typeface="Cambria Math" panose="02040503050406030204" pitchFamily="18" charset="0"/>
-                            </a:rPr>
-                          </m:ctrlPr>
-                        </m:sSupPr>
-                        <m:e>
-                          <m:r>
-                            <a:rPr lang="en-US" sz="2400" b="0" i="1" smtClean="0">
-                              <a:latin typeface="Cambria Math" panose="02040503050406030204" pitchFamily="18" charset="0"/>
-                            </a:rPr>
-                            <m:t>𝜃</m:t>
-                          </m:r>
-                        </m:e>
-                        <m:sup>
-                          <m:r>
-                            <a:rPr lang="en-US" sz="2400" b="0" i="1" smtClean="0">
-                              <a:latin typeface="Cambria Math" panose="02040503050406030204" pitchFamily="18" charset="0"/>
-                            </a:rPr>
-                            <m:t>[1]</m:t>
-                          </m:r>
-                        </m:sup>
-                      </m:sSup>
-                    </m:oMath>
-                  </m:oMathPara>
-                </a14:m>
-                <a:endParaRPr lang="en-US" sz="2400" dirty="0"/>
-              </a:p>
-            </p:txBody>
-          </p:sp>
-        </mc:Choice>
-        <mc:Fallback xmlns="">
-          <p:sp>
-            <p:nvSpPr>
-              <p:cNvPr id="7" name="TextBox 6">
-                <a:extLst>
-                  <a:ext uri="{FF2B5EF4-FFF2-40B4-BE49-F238E27FC236}">
-                    <a16:creationId xmlns:a16="http://schemas.microsoft.com/office/drawing/2014/main" id="{A24C1C6F-088A-3D4B-8B46-CB2470FDB44C}"/>
-                  </a:ext>
-                </a:extLst>
-              </p:cNvPr>
-              <p:cNvSpPr txBox="1">
-                <a:spLocks noRot="1" noChangeAspect="1" noMove="1" noResize="1" noEditPoints="1" noAdjustHandles="1" noChangeArrowheads="1" noChangeShapeType="1" noTextEdit="1"/>
-              </p:cNvSpPr>
-              <p:nvPr/>
-            </p:nvSpPr>
-            <p:spPr>
-              <a:xfrm>
-                <a:off x="3307224" y="2343416"/>
-                <a:ext cx="757515" cy="477438"/>
-              </a:xfrm>
-              <a:prstGeom prst="rect">
-                <a:avLst/>
-              </a:prstGeom>
-              <a:blipFill>
-                <a:blip r:embed="rId2"/>
-                <a:stretch>
-                  <a:fillRect/>
-                </a:stretch>
-              </a:blipFill>
-            </p:spPr>
-            <p:txBody>
-              <a:bodyPr/>
-              <a:lstStyle/>
-              <a:p>
-                <a:r>
-                  <a:rPr lang="en-US">
-                    <a:noFill/>
-                  </a:rPr>
-                  <a:t> </a:t>
-                </a:r>
-              </a:p>
-            </p:txBody>
-          </p:sp>
-        </mc:Fallback>
-      </mc:AlternateContent>
-      <p:graphicFrame>
-        <p:nvGraphicFramePr>
-          <p:cNvPr id="10" name="Table 9">
-            <a:extLst>
-              <a:ext uri="{FF2B5EF4-FFF2-40B4-BE49-F238E27FC236}">
-                <a16:creationId xmlns:a16="http://schemas.microsoft.com/office/drawing/2014/main" id="{990748FA-7D38-7549-8B5C-E1C623EF2310}"/>
-              </a:ext>
-            </a:extLst>
-          </p:cNvPr>
-          <p:cNvGraphicFramePr>
-            <a:graphicFrameLocks noGrp="1"/>
-          </p:cNvGraphicFramePr>
-          <p:nvPr>
-            <p:extLst>
-              <p:ext uri="{D42A27DB-BD31-4B8C-83A1-F6EECF244321}">
-                <p14:modId xmlns:p14="http://schemas.microsoft.com/office/powerpoint/2010/main" val="651375412"/>
-              </p:ext>
-            </p:extLst>
-          </p:nvPr>
-        </p:nvGraphicFramePr>
-        <p:xfrm>
-          <a:off x="1696527" y="2485656"/>
-          <a:ext cx="833120" cy="467360"/>
-        </p:xfrm>
-        <a:graphic>
-          <a:graphicData uri="http://schemas.openxmlformats.org/drawingml/2006/table">
-            <a:tbl>
-              <a:tblPr firstRow="1" bandRow="1">
-                <a:tableStyleId>{5C22544A-7EE6-4342-B048-85BDC9FD1C3A}</a:tableStyleId>
-              </a:tblPr>
-              <a:tblGrid>
-                <a:gridCol w="208280">
-                  <a:extLst>
-                    <a:ext uri="{9D8B030D-6E8A-4147-A177-3AD203B41FA5}">
-                      <a16:colId xmlns:a16="http://schemas.microsoft.com/office/drawing/2014/main" val="2850824769"/>
-                    </a:ext>
-                  </a:extLst>
-                </a:gridCol>
-                <a:gridCol w="208280">
-                  <a:extLst>
-                    <a:ext uri="{9D8B030D-6E8A-4147-A177-3AD203B41FA5}">
-                      <a16:colId xmlns:a16="http://schemas.microsoft.com/office/drawing/2014/main" val="57343624"/>
-                    </a:ext>
-                  </a:extLst>
-                </a:gridCol>
-                <a:gridCol w="208280">
-                  <a:extLst>
-                    <a:ext uri="{9D8B030D-6E8A-4147-A177-3AD203B41FA5}">
-                      <a16:colId xmlns:a16="http://schemas.microsoft.com/office/drawing/2014/main" val="2298198695"/>
-                    </a:ext>
-                  </a:extLst>
-                </a:gridCol>
-                <a:gridCol w="208280">
-                  <a:extLst>
-                    <a:ext uri="{9D8B030D-6E8A-4147-A177-3AD203B41FA5}">
-                      <a16:colId xmlns:a16="http://schemas.microsoft.com/office/drawing/2014/main" val="3269445081"/>
-                    </a:ext>
-                  </a:extLst>
-                </a:gridCol>
-              </a:tblGrid>
-              <a:tr h="0">
-                <a:tc>
-                  <a:txBody>
-                    <a:bodyPr/>
-                    <a:lstStyle/>
-                    <a:p>
-                      <a:endParaRPr lang="en-US" sz="100" dirty="0">
-                        <a:solidFill>
-                          <a:srgbClr val="002060"/>
-                        </a:solidFill>
-                        <a:highlight>
-                          <a:srgbClr val="0000FF"/>
-                        </a:highlight>
-                      </a:endParaRPr>
-                    </a:p>
-                  </a:txBody>
-                  <a:tcPr>
-                    <a:solidFill>
-                      <a:srgbClr val="002060"/>
-                    </a:solidFill>
-                  </a:tcPr>
-                </a:tc>
-                <a:tc>
-                  <a:txBody>
-                    <a:bodyPr/>
-                    <a:lstStyle/>
-                    <a:p>
-                      <a:endParaRPr lang="en-US" sz="100" dirty="0">
-                        <a:solidFill>
-                          <a:srgbClr val="002060"/>
-                        </a:solidFill>
-                        <a:highlight>
-                          <a:srgbClr val="0000FF"/>
-                        </a:highlight>
-                      </a:endParaRPr>
-                    </a:p>
-                  </a:txBody>
-                  <a:tcPr>
-                    <a:solidFill>
-                      <a:srgbClr val="002060"/>
-                    </a:solidFill>
-                  </a:tcPr>
-                </a:tc>
-                <a:tc>
-                  <a:txBody>
-                    <a:bodyPr/>
-                    <a:lstStyle/>
-                    <a:p>
-                      <a:endParaRPr lang="en-US" sz="100" dirty="0">
-                        <a:solidFill>
-                          <a:srgbClr val="002060"/>
-                        </a:solidFill>
-                        <a:highlight>
-                          <a:srgbClr val="0000FF"/>
-                        </a:highlight>
-                      </a:endParaRPr>
-                    </a:p>
-                  </a:txBody>
-                  <a:tcPr>
-                    <a:solidFill>
-                      <a:srgbClr val="002060"/>
-                    </a:solidFill>
-                  </a:tcPr>
-                </a:tc>
-                <a:tc>
-                  <a:txBody>
-                    <a:bodyPr/>
-                    <a:lstStyle/>
-                    <a:p>
-                      <a:endParaRPr lang="en-US" sz="100" dirty="0">
-                        <a:solidFill>
-                          <a:srgbClr val="002060"/>
-                        </a:solidFill>
-                        <a:highlight>
-                          <a:srgbClr val="0000FF"/>
-                        </a:highlight>
-                      </a:endParaRPr>
-                    </a:p>
-                  </a:txBody>
-                  <a:tcPr>
-                    <a:solidFill>
-                      <a:srgbClr val="002060"/>
-                    </a:solidFill>
-                  </a:tcPr>
-                </a:tc>
-                <a:extLst>
-                  <a:ext uri="{0D108BD9-81ED-4DB2-BD59-A6C34878D82A}">
-                    <a16:rowId xmlns:a16="http://schemas.microsoft.com/office/drawing/2014/main" val="1182745223"/>
-                  </a:ext>
-                </a:extLst>
-              </a:tr>
-              <a:tr h="0">
-                <a:tc>
-                  <a:txBody>
-                    <a:bodyPr/>
-                    <a:lstStyle/>
-                    <a:p>
-                      <a:endParaRPr lang="en-US" sz="100">
-                        <a:solidFill>
-                          <a:srgbClr val="002060"/>
-                        </a:solidFill>
-                        <a:highlight>
-                          <a:srgbClr val="0000FF"/>
-                        </a:highlight>
-                      </a:endParaRPr>
-                    </a:p>
-                  </a:txBody>
-                  <a:tcPr>
-                    <a:solidFill>
-                      <a:srgbClr val="002060"/>
-                    </a:solidFill>
-                  </a:tcPr>
-                </a:tc>
-                <a:tc>
-                  <a:txBody>
-                    <a:bodyPr/>
-                    <a:lstStyle/>
-                    <a:p>
-                      <a:endParaRPr lang="en-US" sz="100">
-                        <a:solidFill>
-                          <a:srgbClr val="002060"/>
-                        </a:solidFill>
-                        <a:highlight>
-                          <a:srgbClr val="0000FF"/>
-                        </a:highlight>
-                      </a:endParaRPr>
-                    </a:p>
-                  </a:txBody>
-                  <a:tcPr>
-                    <a:solidFill>
-                      <a:srgbClr val="002060"/>
-                    </a:solidFill>
-                  </a:tcPr>
-                </a:tc>
-                <a:tc>
-                  <a:txBody>
-                    <a:bodyPr/>
-                    <a:lstStyle/>
-                    <a:p>
-                      <a:endParaRPr lang="en-US" sz="100" dirty="0">
-                        <a:solidFill>
-                          <a:srgbClr val="002060"/>
-                        </a:solidFill>
-                        <a:highlight>
-                          <a:srgbClr val="0000FF"/>
-                        </a:highlight>
-                      </a:endParaRPr>
-                    </a:p>
-                  </a:txBody>
-                  <a:tcPr>
-                    <a:solidFill>
-                      <a:srgbClr val="002060"/>
-                    </a:solidFill>
-                  </a:tcPr>
-                </a:tc>
-                <a:tc>
-                  <a:txBody>
-                    <a:bodyPr/>
-                    <a:lstStyle/>
-                    <a:p>
-                      <a:endParaRPr lang="en-US" sz="100" dirty="0">
-                        <a:solidFill>
-                          <a:srgbClr val="002060"/>
-                        </a:solidFill>
-                        <a:highlight>
-                          <a:srgbClr val="0000FF"/>
-                        </a:highlight>
-                      </a:endParaRPr>
-                    </a:p>
-                  </a:txBody>
-                  <a:tcPr>
-                    <a:solidFill>
-                      <a:srgbClr val="002060"/>
-                    </a:solidFill>
-                  </a:tcPr>
-                </a:tc>
-                <a:extLst>
-                  <a:ext uri="{0D108BD9-81ED-4DB2-BD59-A6C34878D82A}">
-                    <a16:rowId xmlns:a16="http://schemas.microsoft.com/office/drawing/2014/main" val="1211249238"/>
-                  </a:ext>
-                </a:extLst>
-              </a:tr>
-              <a:tr h="0">
-                <a:tc>
-                  <a:txBody>
-                    <a:bodyPr/>
-                    <a:lstStyle/>
-                    <a:p>
-                      <a:endParaRPr lang="en-US" sz="100" dirty="0"/>
-                    </a:p>
-                  </a:txBody>
-                  <a:tcPr>
-                    <a:solidFill>
-                      <a:srgbClr val="00B050"/>
-                    </a:solidFill>
-                  </a:tcPr>
-                </a:tc>
-                <a:tc>
-                  <a:txBody>
-                    <a:bodyPr/>
-                    <a:lstStyle/>
-                    <a:p>
-                      <a:endParaRPr lang="en-US" sz="100" dirty="0"/>
-                    </a:p>
-                  </a:txBody>
-                  <a:tcPr>
-                    <a:solidFill>
-                      <a:srgbClr val="00B050"/>
-                    </a:solidFill>
-                  </a:tcPr>
-                </a:tc>
-                <a:tc>
-                  <a:txBody>
-                    <a:bodyPr/>
-                    <a:lstStyle/>
-                    <a:p>
-                      <a:endParaRPr lang="en-US" sz="100" dirty="0"/>
-                    </a:p>
-                  </a:txBody>
-                  <a:tcPr>
-                    <a:solidFill>
-                      <a:srgbClr val="00B050"/>
-                    </a:solidFill>
-                  </a:tcPr>
-                </a:tc>
-                <a:tc>
-                  <a:txBody>
-                    <a:bodyPr/>
-                    <a:lstStyle/>
-                    <a:p>
-                      <a:endParaRPr lang="en-US" sz="100" dirty="0"/>
-                    </a:p>
-                  </a:txBody>
-                  <a:tcPr>
-                    <a:solidFill>
-                      <a:srgbClr val="00B050"/>
-                    </a:solidFill>
-                  </a:tcPr>
-                </a:tc>
-                <a:extLst>
-                  <a:ext uri="{0D108BD9-81ED-4DB2-BD59-A6C34878D82A}">
-                    <a16:rowId xmlns:a16="http://schemas.microsoft.com/office/drawing/2014/main" val="640380758"/>
-                  </a:ext>
-                </a:extLst>
-              </a:tr>
-              <a:tr h="0">
-                <a:tc>
-                  <a:txBody>
-                    <a:bodyPr/>
-                    <a:lstStyle/>
-                    <a:p>
-                      <a:endParaRPr lang="en-US" sz="100" dirty="0"/>
-                    </a:p>
-                  </a:txBody>
-                  <a:tcPr>
-                    <a:solidFill>
-                      <a:srgbClr val="00B050"/>
-                    </a:solidFill>
-                  </a:tcPr>
-                </a:tc>
-                <a:tc>
-                  <a:txBody>
-                    <a:bodyPr/>
-                    <a:lstStyle/>
-                    <a:p>
-                      <a:endParaRPr lang="en-US" sz="100" dirty="0"/>
-                    </a:p>
-                  </a:txBody>
-                  <a:tcPr>
-                    <a:solidFill>
-                      <a:srgbClr val="00B050"/>
-                    </a:solidFill>
-                  </a:tcPr>
-                </a:tc>
-                <a:tc>
-                  <a:txBody>
-                    <a:bodyPr/>
-                    <a:lstStyle/>
-                    <a:p>
-                      <a:endParaRPr lang="en-US" sz="100" dirty="0"/>
-                    </a:p>
-                  </a:txBody>
-                  <a:tcPr>
-                    <a:solidFill>
-                      <a:srgbClr val="00B050"/>
-                    </a:solidFill>
-                  </a:tcPr>
-                </a:tc>
-                <a:tc>
-                  <a:txBody>
-                    <a:bodyPr/>
-                    <a:lstStyle/>
-                    <a:p>
-                      <a:endParaRPr lang="en-US" sz="100" dirty="0"/>
-                    </a:p>
-                  </a:txBody>
-                  <a:tcPr>
-                    <a:solidFill>
-                      <a:srgbClr val="00B050"/>
-                    </a:solidFill>
-                  </a:tcPr>
-                </a:tc>
-                <a:extLst>
-                  <a:ext uri="{0D108BD9-81ED-4DB2-BD59-A6C34878D82A}">
-                    <a16:rowId xmlns:a16="http://schemas.microsoft.com/office/drawing/2014/main" val="3739254808"/>
-                  </a:ext>
-                </a:extLst>
-              </a:tr>
-            </a:tbl>
-          </a:graphicData>
-        </a:graphic>
-      </p:graphicFrame>
-      <p:sp>
-        <p:nvSpPr>
-          <p:cNvPr id="12" name="TextBox 11">
-            <a:extLst>
-              <a:ext uri="{FF2B5EF4-FFF2-40B4-BE49-F238E27FC236}">
-                <a16:creationId xmlns:a16="http://schemas.microsoft.com/office/drawing/2014/main" id="{AC423FE9-BAFE-8B43-BBCD-0E9478E01E87}"/>
-              </a:ext>
-            </a:extLst>
-          </p:cNvPr>
-          <p:cNvSpPr txBox="1"/>
-          <p:nvPr/>
-        </p:nvSpPr>
-        <p:spPr>
-          <a:xfrm>
-            <a:off x="1772727" y="3340358"/>
-            <a:ext cx="894219" cy="369332"/>
-          </a:xfrm>
-          <a:prstGeom prst="rect">
-            <a:avLst/>
-          </a:prstGeom>
-          <a:noFill/>
-        </p:spPr>
-        <p:txBody>
-          <a:bodyPr wrap="none" rtlCol="0">
-            <a:spAutoFit/>
-          </a:bodyPr>
-          <a:lstStyle/>
-          <a:p>
-            <a:r>
-              <a:rPr lang="en-US" dirty="0"/>
-              <a:t>Train 2</a:t>
-            </a:r>
-          </a:p>
-        </p:txBody>
-      </p:sp>
-      <p:graphicFrame>
-        <p:nvGraphicFramePr>
-          <p:cNvPr id="14" name="Table 13">
-            <a:extLst>
-              <a:ext uri="{FF2B5EF4-FFF2-40B4-BE49-F238E27FC236}">
-                <a16:creationId xmlns:a16="http://schemas.microsoft.com/office/drawing/2014/main" id="{B2C755E2-E6E0-0848-8811-C35DA8DF2F43}"/>
-              </a:ext>
-            </a:extLst>
-          </p:cNvPr>
-          <p:cNvGraphicFramePr>
-            <a:graphicFrameLocks noGrp="1"/>
-          </p:cNvGraphicFramePr>
-          <p:nvPr>
-            <p:extLst>
-              <p:ext uri="{D42A27DB-BD31-4B8C-83A1-F6EECF244321}">
-                <p14:modId xmlns:p14="http://schemas.microsoft.com/office/powerpoint/2010/main" val="2201436348"/>
-              </p:ext>
-            </p:extLst>
-          </p:nvPr>
-        </p:nvGraphicFramePr>
-        <p:xfrm>
-          <a:off x="1696527" y="3711198"/>
-          <a:ext cx="833120" cy="467360"/>
-        </p:xfrm>
-        <a:graphic>
-          <a:graphicData uri="http://schemas.openxmlformats.org/drawingml/2006/table">
-            <a:tbl>
-              <a:tblPr firstRow="1" bandRow="1">
-                <a:tableStyleId>{5C22544A-7EE6-4342-B048-85BDC9FD1C3A}</a:tableStyleId>
-              </a:tblPr>
-              <a:tblGrid>
-                <a:gridCol w="208280">
-                  <a:extLst>
-                    <a:ext uri="{9D8B030D-6E8A-4147-A177-3AD203B41FA5}">
-                      <a16:colId xmlns:a16="http://schemas.microsoft.com/office/drawing/2014/main" val="2850824769"/>
-                    </a:ext>
-                  </a:extLst>
-                </a:gridCol>
-                <a:gridCol w="208280">
-                  <a:extLst>
-                    <a:ext uri="{9D8B030D-6E8A-4147-A177-3AD203B41FA5}">
-                      <a16:colId xmlns:a16="http://schemas.microsoft.com/office/drawing/2014/main" val="57343624"/>
-                    </a:ext>
-                  </a:extLst>
-                </a:gridCol>
-                <a:gridCol w="208280">
-                  <a:extLst>
-                    <a:ext uri="{9D8B030D-6E8A-4147-A177-3AD203B41FA5}">
-                      <a16:colId xmlns:a16="http://schemas.microsoft.com/office/drawing/2014/main" val="2298198695"/>
-                    </a:ext>
-                  </a:extLst>
-                </a:gridCol>
-                <a:gridCol w="208280">
-                  <a:extLst>
-                    <a:ext uri="{9D8B030D-6E8A-4147-A177-3AD203B41FA5}">
-                      <a16:colId xmlns:a16="http://schemas.microsoft.com/office/drawing/2014/main" val="3269445081"/>
-                    </a:ext>
-                  </a:extLst>
-                </a:gridCol>
-              </a:tblGrid>
-              <a:tr h="0">
-                <a:tc>
-                  <a:txBody>
-                    <a:bodyPr/>
-                    <a:lstStyle/>
-                    <a:p>
-                      <a:endParaRPr lang="en-US" sz="100" dirty="0">
-                        <a:solidFill>
-                          <a:srgbClr val="002060"/>
-                        </a:solidFill>
-                        <a:highlight>
-                          <a:srgbClr val="0000FF"/>
-                        </a:highlight>
-                      </a:endParaRPr>
-                    </a:p>
-                  </a:txBody>
-                  <a:tcPr>
-                    <a:solidFill>
-                      <a:srgbClr val="002060"/>
-                    </a:solidFill>
-                  </a:tcPr>
-                </a:tc>
-                <a:tc>
-                  <a:txBody>
-                    <a:bodyPr/>
-                    <a:lstStyle/>
-                    <a:p>
-                      <a:endParaRPr lang="en-US" sz="100" dirty="0">
-                        <a:solidFill>
-                          <a:srgbClr val="002060"/>
-                        </a:solidFill>
-                        <a:highlight>
-                          <a:srgbClr val="0000FF"/>
-                        </a:highlight>
-                      </a:endParaRPr>
-                    </a:p>
-                  </a:txBody>
-                  <a:tcPr>
-                    <a:solidFill>
-                      <a:srgbClr val="002060"/>
-                    </a:solidFill>
-                  </a:tcPr>
-                </a:tc>
-                <a:tc>
-                  <a:txBody>
-                    <a:bodyPr/>
-                    <a:lstStyle/>
-                    <a:p>
-                      <a:endParaRPr lang="en-US" sz="100" dirty="0">
-                        <a:solidFill>
-                          <a:srgbClr val="002060"/>
-                        </a:solidFill>
-                        <a:highlight>
-                          <a:srgbClr val="0000FF"/>
-                        </a:highlight>
-                      </a:endParaRPr>
-                    </a:p>
-                  </a:txBody>
-                  <a:tcPr>
-                    <a:solidFill>
-                      <a:srgbClr val="002060"/>
-                    </a:solidFill>
-                  </a:tcPr>
-                </a:tc>
-                <a:tc>
-                  <a:txBody>
-                    <a:bodyPr/>
-                    <a:lstStyle/>
-                    <a:p>
-                      <a:endParaRPr lang="en-US" sz="100" dirty="0">
-                        <a:solidFill>
-                          <a:srgbClr val="002060"/>
-                        </a:solidFill>
-                        <a:highlight>
-                          <a:srgbClr val="0000FF"/>
-                        </a:highlight>
-                      </a:endParaRPr>
-                    </a:p>
-                  </a:txBody>
-                  <a:tcPr>
-                    <a:solidFill>
-                      <a:srgbClr val="002060"/>
-                    </a:solidFill>
-                  </a:tcPr>
-                </a:tc>
-                <a:extLst>
-                  <a:ext uri="{0D108BD9-81ED-4DB2-BD59-A6C34878D82A}">
-                    <a16:rowId xmlns:a16="http://schemas.microsoft.com/office/drawing/2014/main" val="1182745223"/>
-                  </a:ext>
-                </a:extLst>
-              </a:tr>
-              <a:tr h="0">
-                <a:tc>
-                  <a:txBody>
-                    <a:bodyPr/>
-                    <a:lstStyle/>
-                    <a:p>
-                      <a:endParaRPr lang="en-US" sz="100" dirty="0">
-                        <a:solidFill>
-                          <a:srgbClr val="002060"/>
-                        </a:solidFill>
-                        <a:highlight>
-                          <a:srgbClr val="0000FF"/>
-                        </a:highlight>
-                      </a:endParaRPr>
-                    </a:p>
-                  </a:txBody>
-                  <a:tcPr>
-                    <a:solidFill>
-                      <a:srgbClr val="002060"/>
-                    </a:solidFill>
-                  </a:tcPr>
-                </a:tc>
-                <a:tc>
-                  <a:txBody>
-                    <a:bodyPr/>
-                    <a:lstStyle/>
-                    <a:p>
-                      <a:endParaRPr lang="en-US" sz="100">
-                        <a:solidFill>
-                          <a:srgbClr val="002060"/>
-                        </a:solidFill>
-                        <a:highlight>
-                          <a:srgbClr val="0000FF"/>
-                        </a:highlight>
-                      </a:endParaRPr>
-                    </a:p>
-                  </a:txBody>
-                  <a:tcPr>
-                    <a:solidFill>
-                      <a:srgbClr val="002060"/>
-                    </a:solidFill>
-                  </a:tcPr>
-                </a:tc>
-                <a:tc>
-                  <a:txBody>
-                    <a:bodyPr/>
-                    <a:lstStyle/>
-                    <a:p>
-                      <a:endParaRPr lang="en-US" sz="100" dirty="0">
-                        <a:solidFill>
-                          <a:srgbClr val="002060"/>
-                        </a:solidFill>
-                        <a:highlight>
-                          <a:srgbClr val="0000FF"/>
-                        </a:highlight>
-                      </a:endParaRPr>
-                    </a:p>
-                  </a:txBody>
-                  <a:tcPr>
-                    <a:solidFill>
-                      <a:srgbClr val="002060"/>
-                    </a:solidFill>
-                  </a:tcPr>
-                </a:tc>
-                <a:tc>
-                  <a:txBody>
-                    <a:bodyPr/>
-                    <a:lstStyle/>
-                    <a:p>
-                      <a:endParaRPr lang="en-US" sz="100" dirty="0">
-                        <a:solidFill>
-                          <a:srgbClr val="002060"/>
-                        </a:solidFill>
-                        <a:highlight>
-                          <a:srgbClr val="0000FF"/>
-                        </a:highlight>
-                      </a:endParaRPr>
-                    </a:p>
-                  </a:txBody>
-                  <a:tcPr>
-                    <a:solidFill>
-                      <a:srgbClr val="002060"/>
-                    </a:solidFill>
-                  </a:tcPr>
-                </a:tc>
-                <a:extLst>
-                  <a:ext uri="{0D108BD9-81ED-4DB2-BD59-A6C34878D82A}">
-                    <a16:rowId xmlns:a16="http://schemas.microsoft.com/office/drawing/2014/main" val="1211249238"/>
-                  </a:ext>
-                </a:extLst>
-              </a:tr>
-              <a:tr h="0">
-                <a:tc>
-                  <a:txBody>
-                    <a:bodyPr/>
-                    <a:lstStyle/>
-                    <a:p>
-                      <a:endParaRPr lang="en-US" sz="100" dirty="0"/>
-                    </a:p>
-                  </a:txBody>
-                  <a:tcPr>
-                    <a:solidFill>
-                      <a:srgbClr val="C00000"/>
-                    </a:solidFill>
-                  </a:tcPr>
-                </a:tc>
-                <a:tc>
-                  <a:txBody>
-                    <a:bodyPr/>
-                    <a:lstStyle/>
-                    <a:p>
-                      <a:endParaRPr lang="en-US" sz="100" dirty="0"/>
-                    </a:p>
-                  </a:txBody>
-                  <a:tcPr>
-                    <a:solidFill>
-                      <a:srgbClr val="C00000"/>
-                    </a:solidFill>
-                  </a:tcPr>
-                </a:tc>
-                <a:tc>
-                  <a:txBody>
-                    <a:bodyPr/>
-                    <a:lstStyle/>
-                    <a:p>
-                      <a:endParaRPr lang="en-US" sz="100" dirty="0"/>
-                    </a:p>
-                  </a:txBody>
-                  <a:tcPr>
-                    <a:solidFill>
-                      <a:srgbClr val="C00000"/>
-                    </a:solidFill>
-                  </a:tcPr>
-                </a:tc>
-                <a:tc>
-                  <a:txBody>
-                    <a:bodyPr/>
-                    <a:lstStyle/>
-                    <a:p>
-                      <a:endParaRPr lang="en-US" sz="100" dirty="0"/>
-                    </a:p>
-                  </a:txBody>
-                  <a:tcPr>
-                    <a:solidFill>
-                      <a:srgbClr val="C00000"/>
-                    </a:solidFill>
-                  </a:tcPr>
-                </a:tc>
-                <a:extLst>
-                  <a:ext uri="{0D108BD9-81ED-4DB2-BD59-A6C34878D82A}">
-                    <a16:rowId xmlns:a16="http://schemas.microsoft.com/office/drawing/2014/main" val="640380758"/>
-                  </a:ext>
-                </a:extLst>
-              </a:tr>
-              <a:tr h="0">
-                <a:tc>
-                  <a:txBody>
-                    <a:bodyPr/>
-                    <a:lstStyle/>
-                    <a:p>
-                      <a:endParaRPr lang="en-US" sz="100" dirty="0"/>
-                    </a:p>
-                  </a:txBody>
-                  <a:tcPr>
-                    <a:solidFill>
-                      <a:srgbClr val="C00000"/>
-                    </a:solidFill>
-                  </a:tcPr>
-                </a:tc>
-                <a:tc>
-                  <a:txBody>
-                    <a:bodyPr/>
-                    <a:lstStyle/>
-                    <a:p>
-                      <a:endParaRPr lang="en-US" sz="100" dirty="0"/>
-                    </a:p>
-                  </a:txBody>
-                  <a:tcPr>
-                    <a:solidFill>
-                      <a:srgbClr val="C00000"/>
-                    </a:solidFill>
-                  </a:tcPr>
-                </a:tc>
-                <a:tc>
-                  <a:txBody>
-                    <a:bodyPr/>
-                    <a:lstStyle/>
-                    <a:p>
-                      <a:endParaRPr lang="en-US" sz="100" dirty="0"/>
-                    </a:p>
-                  </a:txBody>
-                  <a:tcPr>
-                    <a:solidFill>
-                      <a:srgbClr val="C00000"/>
-                    </a:solidFill>
-                  </a:tcPr>
-                </a:tc>
-                <a:tc>
-                  <a:txBody>
-                    <a:bodyPr/>
-                    <a:lstStyle/>
-                    <a:p>
-                      <a:endParaRPr lang="en-US" sz="100" dirty="0"/>
-                    </a:p>
-                  </a:txBody>
-                  <a:tcPr>
-                    <a:solidFill>
-                      <a:srgbClr val="C00000"/>
-                    </a:solidFill>
-                  </a:tcPr>
-                </a:tc>
-                <a:extLst>
-                  <a:ext uri="{0D108BD9-81ED-4DB2-BD59-A6C34878D82A}">
-                    <a16:rowId xmlns:a16="http://schemas.microsoft.com/office/drawing/2014/main" val="3739254808"/>
-                  </a:ext>
-                </a:extLst>
-              </a:tr>
-            </a:tbl>
-          </a:graphicData>
-        </a:graphic>
-      </p:graphicFrame>
-      <p:sp>
-        <p:nvSpPr>
-          <p:cNvPr id="16" name="TextBox 15">
-            <a:extLst>
-              <a:ext uri="{FF2B5EF4-FFF2-40B4-BE49-F238E27FC236}">
-                <a16:creationId xmlns:a16="http://schemas.microsoft.com/office/drawing/2014/main" id="{7CE2F66B-3AF5-344D-B1F8-687703D68BCF}"/>
-              </a:ext>
-            </a:extLst>
-          </p:cNvPr>
-          <p:cNvSpPr txBox="1"/>
-          <p:nvPr/>
-        </p:nvSpPr>
-        <p:spPr>
-          <a:xfrm>
-            <a:off x="1790462" y="4629416"/>
-            <a:ext cx="894219" cy="369332"/>
-          </a:xfrm>
-          <a:prstGeom prst="rect">
-            <a:avLst/>
-          </a:prstGeom>
-          <a:noFill/>
-        </p:spPr>
-        <p:txBody>
-          <a:bodyPr wrap="none" rtlCol="0">
-            <a:spAutoFit/>
-          </a:bodyPr>
-          <a:lstStyle/>
-          <a:p>
-            <a:r>
-              <a:rPr lang="en-US" dirty="0"/>
-              <a:t>Train 3</a:t>
-            </a:r>
-          </a:p>
-        </p:txBody>
-      </p:sp>
-      <p:graphicFrame>
-        <p:nvGraphicFramePr>
-          <p:cNvPr id="18" name="Table 17">
-            <a:extLst>
-              <a:ext uri="{FF2B5EF4-FFF2-40B4-BE49-F238E27FC236}">
-                <a16:creationId xmlns:a16="http://schemas.microsoft.com/office/drawing/2014/main" id="{44127F34-C0AF-C04E-836B-52BFF363702F}"/>
-              </a:ext>
-            </a:extLst>
-          </p:cNvPr>
-          <p:cNvGraphicFramePr>
-            <a:graphicFrameLocks noGrp="1"/>
-          </p:cNvGraphicFramePr>
-          <p:nvPr>
-            <p:extLst>
-              <p:ext uri="{D42A27DB-BD31-4B8C-83A1-F6EECF244321}">
-                <p14:modId xmlns:p14="http://schemas.microsoft.com/office/powerpoint/2010/main" val="2392950453"/>
-              </p:ext>
-            </p:extLst>
-          </p:nvPr>
-        </p:nvGraphicFramePr>
-        <p:xfrm>
-          <a:off x="1696526" y="5010416"/>
-          <a:ext cx="833120" cy="467360"/>
-        </p:xfrm>
-        <a:graphic>
-          <a:graphicData uri="http://schemas.openxmlformats.org/drawingml/2006/table">
-            <a:tbl>
-              <a:tblPr firstRow="1" bandRow="1">
-                <a:tableStyleId>{5C22544A-7EE6-4342-B048-85BDC9FD1C3A}</a:tableStyleId>
-              </a:tblPr>
-              <a:tblGrid>
-                <a:gridCol w="208280">
-                  <a:extLst>
-                    <a:ext uri="{9D8B030D-6E8A-4147-A177-3AD203B41FA5}">
-                      <a16:colId xmlns:a16="http://schemas.microsoft.com/office/drawing/2014/main" val="2850824769"/>
-                    </a:ext>
-                  </a:extLst>
-                </a:gridCol>
-                <a:gridCol w="208280">
-                  <a:extLst>
-                    <a:ext uri="{9D8B030D-6E8A-4147-A177-3AD203B41FA5}">
-                      <a16:colId xmlns:a16="http://schemas.microsoft.com/office/drawing/2014/main" val="57343624"/>
-                    </a:ext>
-                  </a:extLst>
-                </a:gridCol>
-                <a:gridCol w="208280">
-                  <a:extLst>
-                    <a:ext uri="{9D8B030D-6E8A-4147-A177-3AD203B41FA5}">
-                      <a16:colId xmlns:a16="http://schemas.microsoft.com/office/drawing/2014/main" val="2298198695"/>
-                    </a:ext>
-                  </a:extLst>
-                </a:gridCol>
-                <a:gridCol w="208280">
-                  <a:extLst>
-                    <a:ext uri="{9D8B030D-6E8A-4147-A177-3AD203B41FA5}">
-                      <a16:colId xmlns:a16="http://schemas.microsoft.com/office/drawing/2014/main" val="3269445081"/>
-                    </a:ext>
-                  </a:extLst>
-                </a:gridCol>
-              </a:tblGrid>
-              <a:tr h="0">
-                <a:tc>
-                  <a:txBody>
-                    <a:bodyPr/>
-                    <a:lstStyle/>
-                    <a:p>
-                      <a:endParaRPr lang="en-US" sz="100" dirty="0">
-                        <a:solidFill>
-                          <a:srgbClr val="002060"/>
-                        </a:solidFill>
-                        <a:highlight>
-                          <a:srgbClr val="0000FF"/>
-                        </a:highlight>
-                      </a:endParaRPr>
-                    </a:p>
-                  </a:txBody>
-                  <a:tcPr>
-                    <a:solidFill>
-                      <a:srgbClr val="00B050"/>
-                    </a:solidFill>
-                  </a:tcPr>
-                </a:tc>
-                <a:tc>
-                  <a:txBody>
-                    <a:bodyPr/>
-                    <a:lstStyle/>
-                    <a:p>
-                      <a:endParaRPr lang="en-US" sz="100" dirty="0">
-                        <a:solidFill>
-                          <a:srgbClr val="002060"/>
-                        </a:solidFill>
-                        <a:highlight>
-                          <a:srgbClr val="0000FF"/>
-                        </a:highlight>
-                      </a:endParaRPr>
-                    </a:p>
-                  </a:txBody>
-                  <a:tcPr>
-                    <a:solidFill>
-                      <a:srgbClr val="00B050"/>
-                    </a:solidFill>
-                  </a:tcPr>
-                </a:tc>
-                <a:tc>
-                  <a:txBody>
-                    <a:bodyPr/>
-                    <a:lstStyle/>
-                    <a:p>
-                      <a:endParaRPr lang="en-US" sz="100" dirty="0">
-                        <a:solidFill>
-                          <a:srgbClr val="002060"/>
-                        </a:solidFill>
-                        <a:highlight>
-                          <a:srgbClr val="0000FF"/>
-                        </a:highlight>
-                      </a:endParaRPr>
-                    </a:p>
-                  </a:txBody>
-                  <a:tcPr>
-                    <a:solidFill>
-                      <a:srgbClr val="00B050"/>
-                    </a:solidFill>
-                  </a:tcPr>
-                </a:tc>
-                <a:tc>
-                  <a:txBody>
-                    <a:bodyPr/>
-                    <a:lstStyle/>
-                    <a:p>
-                      <a:endParaRPr lang="en-US" sz="100" dirty="0">
-                        <a:solidFill>
-                          <a:srgbClr val="002060"/>
-                        </a:solidFill>
-                        <a:highlight>
-                          <a:srgbClr val="0000FF"/>
-                        </a:highlight>
-                      </a:endParaRPr>
-                    </a:p>
-                  </a:txBody>
-                  <a:tcPr>
-                    <a:solidFill>
-                      <a:srgbClr val="00B050"/>
-                    </a:solidFill>
-                  </a:tcPr>
-                </a:tc>
-                <a:extLst>
-                  <a:ext uri="{0D108BD9-81ED-4DB2-BD59-A6C34878D82A}">
-                    <a16:rowId xmlns:a16="http://schemas.microsoft.com/office/drawing/2014/main" val="1182745223"/>
-                  </a:ext>
-                </a:extLst>
-              </a:tr>
-              <a:tr h="0">
-                <a:tc>
-                  <a:txBody>
-                    <a:bodyPr/>
-                    <a:lstStyle/>
-                    <a:p>
-                      <a:endParaRPr lang="en-US" sz="100" dirty="0">
-                        <a:solidFill>
-                          <a:srgbClr val="002060"/>
-                        </a:solidFill>
-                        <a:highlight>
-                          <a:srgbClr val="0000FF"/>
-                        </a:highlight>
-                      </a:endParaRPr>
-                    </a:p>
-                  </a:txBody>
-                  <a:tcPr>
-                    <a:solidFill>
-                      <a:srgbClr val="00B050"/>
-                    </a:solidFill>
-                  </a:tcPr>
-                </a:tc>
-                <a:tc>
-                  <a:txBody>
-                    <a:bodyPr/>
-                    <a:lstStyle/>
-                    <a:p>
-                      <a:endParaRPr lang="en-US" sz="100">
-                        <a:solidFill>
-                          <a:srgbClr val="002060"/>
-                        </a:solidFill>
-                        <a:highlight>
-                          <a:srgbClr val="0000FF"/>
-                        </a:highlight>
-                      </a:endParaRPr>
-                    </a:p>
-                  </a:txBody>
-                  <a:tcPr>
-                    <a:solidFill>
-                      <a:srgbClr val="00B050"/>
-                    </a:solidFill>
-                  </a:tcPr>
-                </a:tc>
-                <a:tc>
-                  <a:txBody>
-                    <a:bodyPr/>
-                    <a:lstStyle/>
-                    <a:p>
-                      <a:endParaRPr lang="en-US" sz="100" dirty="0">
-                        <a:solidFill>
-                          <a:srgbClr val="002060"/>
-                        </a:solidFill>
-                        <a:highlight>
-                          <a:srgbClr val="0000FF"/>
-                        </a:highlight>
-                      </a:endParaRPr>
-                    </a:p>
-                  </a:txBody>
-                  <a:tcPr>
-                    <a:solidFill>
-                      <a:srgbClr val="00B050"/>
-                    </a:solidFill>
-                  </a:tcPr>
-                </a:tc>
-                <a:tc>
-                  <a:txBody>
-                    <a:bodyPr/>
-                    <a:lstStyle/>
-                    <a:p>
-                      <a:endParaRPr lang="en-US" sz="100" dirty="0">
-                        <a:solidFill>
-                          <a:srgbClr val="002060"/>
-                        </a:solidFill>
-                        <a:highlight>
-                          <a:srgbClr val="0000FF"/>
-                        </a:highlight>
-                      </a:endParaRPr>
-                    </a:p>
-                  </a:txBody>
-                  <a:tcPr>
-                    <a:solidFill>
-                      <a:srgbClr val="00B050"/>
-                    </a:solidFill>
-                  </a:tcPr>
-                </a:tc>
-                <a:extLst>
-                  <a:ext uri="{0D108BD9-81ED-4DB2-BD59-A6C34878D82A}">
-                    <a16:rowId xmlns:a16="http://schemas.microsoft.com/office/drawing/2014/main" val="1211249238"/>
-                  </a:ext>
-                </a:extLst>
-              </a:tr>
-              <a:tr h="0">
-                <a:tc>
-                  <a:txBody>
-                    <a:bodyPr/>
-                    <a:lstStyle/>
-                    <a:p>
-                      <a:endParaRPr lang="en-US" sz="100" dirty="0"/>
-                    </a:p>
-                  </a:txBody>
-                  <a:tcPr>
-                    <a:solidFill>
-                      <a:srgbClr val="C00000"/>
-                    </a:solidFill>
-                  </a:tcPr>
-                </a:tc>
-                <a:tc>
-                  <a:txBody>
-                    <a:bodyPr/>
-                    <a:lstStyle/>
-                    <a:p>
-                      <a:endParaRPr lang="en-US" sz="100" dirty="0"/>
-                    </a:p>
-                  </a:txBody>
-                  <a:tcPr>
-                    <a:solidFill>
-                      <a:srgbClr val="C00000"/>
-                    </a:solidFill>
-                  </a:tcPr>
-                </a:tc>
-                <a:tc>
-                  <a:txBody>
-                    <a:bodyPr/>
-                    <a:lstStyle/>
-                    <a:p>
-                      <a:endParaRPr lang="en-US" sz="100" dirty="0"/>
-                    </a:p>
-                  </a:txBody>
-                  <a:tcPr>
-                    <a:solidFill>
-                      <a:srgbClr val="C00000"/>
-                    </a:solidFill>
-                  </a:tcPr>
-                </a:tc>
-                <a:tc>
-                  <a:txBody>
-                    <a:bodyPr/>
-                    <a:lstStyle/>
-                    <a:p>
-                      <a:endParaRPr lang="en-US" sz="100" dirty="0"/>
-                    </a:p>
-                  </a:txBody>
-                  <a:tcPr>
-                    <a:solidFill>
-                      <a:srgbClr val="C00000"/>
-                    </a:solidFill>
-                  </a:tcPr>
-                </a:tc>
-                <a:extLst>
-                  <a:ext uri="{0D108BD9-81ED-4DB2-BD59-A6C34878D82A}">
-                    <a16:rowId xmlns:a16="http://schemas.microsoft.com/office/drawing/2014/main" val="640380758"/>
-                  </a:ext>
-                </a:extLst>
-              </a:tr>
-              <a:tr h="0">
-                <a:tc>
-                  <a:txBody>
-                    <a:bodyPr/>
-                    <a:lstStyle/>
-                    <a:p>
-                      <a:endParaRPr lang="en-US" sz="100" dirty="0"/>
-                    </a:p>
-                  </a:txBody>
-                  <a:tcPr>
-                    <a:solidFill>
-                      <a:srgbClr val="C00000"/>
-                    </a:solidFill>
-                  </a:tcPr>
-                </a:tc>
-                <a:tc>
-                  <a:txBody>
-                    <a:bodyPr/>
-                    <a:lstStyle/>
-                    <a:p>
-                      <a:endParaRPr lang="en-US" sz="100" dirty="0"/>
-                    </a:p>
-                  </a:txBody>
-                  <a:tcPr>
-                    <a:solidFill>
-                      <a:srgbClr val="C00000"/>
-                    </a:solidFill>
-                  </a:tcPr>
-                </a:tc>
-                <a:tc>
-                  <a:txBody>
-                    <a:bodyPr/>
-                    <a:lstStyle/>
-                    <a:p>
-                      <a:endParaRPr lang="en-US" sz="100" dirty="0"/>
-                    </a:p>
-                  </a:txBody>
-                  <a:tcPr>
-                    <a:solidFill>
-                      <a:srgbClr val="C00000"/>
-                    </a:solidFill>
-                  </a:tcPr>
-                </a:tc>
-                <a:tc>
-                  <a:txBody>
-                    <a:bodyPr/>
-                    <a:lstStyle/>
-                    <a:p>
-                      <a:endParaRPr lang="en-US" sz="100" dirty="0"/>
-                    </a:p>
-                  </a:txBody>
-                  <a:tcPr>
-                    <a:solidFill>
-                      <a:srgbClr val="C00000"/>
-                    </a:solidFill>
-                  </a:tcPr>
-                </a:tc>
-                <a:extLst>
-                  <a:ext uri="{0D108BD9-81ED-4DB2-BD59-A6C34878D82A}">
-                    <a16:rowId xmlns:a16="http://schemas.microsoft.com/office/drawing/2014/main" val="3739254808"/>
-                  </a:ext>
-                </a:extLst>
-              </a:tr>
-            </a:tbl>
-          </a:graphicData>
-        </a:graphic>
-      </p:graphicFrame>
-      <p:cxnSp>
-        <p:nvCxnSpPr>
-          <p:cNvPr id="21" name="Straight Arrow Connector 20">
-            <a:extLst>
-              <a:ext uri="{FF2B5EF4-FFF2-40B4-BE49-F238E27FC236}">
-                <a16:creationId xmlns:a16="http://schemas.microsoft.com/office/drawing/2014/main" id="{5DDD489E-64EE-E94F-B942-30610E238671}"/>
-              </a:ext>
-            </a:extLst>
-          </p:cNvPr>
-          <p:cNvCxnSpPr>
-            <a:endCxn id="7" idx="1"/>
-          </p:cNvCxnSpPr>
-          <p:nvPr/>
-        </p:nvCxnSpPr>
-        <p:spPr>
-          <a:xfrm>
-            <a:off x="2857261" y="2576397"/>
-            <a:ext cx="449963" cy="5738"/>
-          </a:xfrm>
-          <a:prstGeom prst="straightConnector1">
-            <a:avLst/>
-          </a:prstGeom>
-          <a:ln>
-            <a:solidFill>
-              <a:schemeClr val="tx1"/>
-            </a:solidFill>
-            <a:tailEnd type="triangle"/>
-          </a:ln>
-        </p:spPr>
-        <p:style>
-          <a:lnRef idx="2">
-            <a:schemeClr val="accent1"/>
-          </a:lnRef>
-          <a:fillRef idx="0">
-            <a:schemeClr val="accent1"/>
-          </a:fillRef>
-          <a:effectRef idx="1">
-            <a:schemeClr val="accent1"/>
-          </a:effectRef>
-          <a:fontRef idx="minor">
-            <a:schemeClr val="tx1"/>
-          </a:fontRef>
-        </p:style>
-      </p:cxnSp>
-      <p:cxnSp>
-        <p:nvCxnSpPr>
-          <p:cNvPr id="22" name="Straight Arrow Connector 21">
-            <a:extLst>
-              <a:ext uri="{FF2B5EF4-FFF2-40B4-BE49-F238E27FC236}">
-                <a16:creationId xmlns:a16="http://schemas.microsoft.com/office/drawing/2014/main" id="{4DB03479-D78B-044B-9417-1A70D876DB11}"/>
-              </a:ext>
-            </a:extLst>
-          </p:cNvPr>
-          <p:cNvCxnSpPr>
-            <a:cxnSpLocks/>
-          </p:cNvCxnSpPr>
-          <p:nvPr/>
-        </p:nvCxnSpPr>
-        <p:spPr>
-          <a:xfrm>
-            <a:off x="2857261" y="3792667"/>
-            <a:ext cx="442727" cy="0"/>
-          </a:xfrm>
-          <a:prstGeom prst="straightConnector1">
-            <a:avLst/>
-          </a:prstGeom>
-          <a:ln>
-            <a:solidFill>
-              <a:schemeClr val="tx1"/>
-            </a:solidFill>
-            <a:tailEnd type="triangle"/>
-          </a:ln>
-        </p:spPr>
-        <p:style>
-          <a:lnRef idx="2">
-            <a:schemeClr val="accent1"/>
-          </a:lnRef>
-          <a:fillRef idx="0">
-            <a:schemeClr val="accent1"/>
-          </a:fillRef>
-          <a:effectRef idx="1">
-            <a:schemeClr val="accent1"/>
-          </a:effectRef>
-          <a:fontRef idx="minor">
-            <a:schemeClr val="tx1"/>
-          </a:fontRef>
-        </p:style>
-      </p:cxnSp>
-      <p:cxnSp>
-        <p:nvCxnSpPr>
-          <p:cNvPr id="23" name="Straight Arrow Connector 22">
-            <a:extLst>
-              <a:ext uri="{FF2B5EF4-FFF2-40B4-BE49-F238E27FC236}">
-                <a16:creationId xmlns:a16="http://schemas.microsoft.com/office/drawing/2014/main" id="{BEF4A5A6-E078-254C-9094-1A3BBEB91374}"/>
-              </a:ext>
-            </a:extLst>
-          </p:cNvPr>
-          <p:cNvCxnSpPr>
-            <a:cxnSpLocks/>
-          </p:cNvCxnSpPr>
-          <p:nvPr/>
-        </p:nvCxnSpPr>
-        <p:spPr>
-          <a:xfrm>
-            <a:off x="2839526" y="5089702"/>
-            <a:ext cx="467698" cy="0"/>
-          </a:xfrm>
-          <a:prstGeom prst="straightConnector1">
-            <a:avLst/>
-          </a:prstGeom>
-          <a:ln>
-            <a:solidFill>
-              <a:schemeClr val="tx1"/>
-            </a:solidFill>
-            <a:tailEnd type="triangle"/>
-          </a:ln>
-        </p:spPr>
-        <p:style>
-          <a:lnRef idx="2">
-            <a:schemeClr val="accent1"/>
-          </a:lnRef>
-          <a:fillRef idx="0">
-            <a:schemeClr val="accent1"/>
-          </a:fillRef>
-          <a:effectRef idx="1">
-            <a:schemeClr val="accent1"/>
-          </a:effectRef>
-          <a:fontRef idx="minor">
-            <a:schemeClr val="tx1"/>
-          </a:fontRef>
-        </p:style>
-      </p:cxnSp>
-      <p:graphicFrame>
-        <p:nvGraphicFramePr>
-          <p:cNvPr id="24" name="Table 23">
-            <a:extLst>
-              <a:ext uri="{FF2B5EF4-FFF2-40B4-BE49-F238E27FC236}">
-                <a16:creationId xmlns:a16="http://schemas.microsoft.com/office/drawing/2014/main" id="{7EF191A3-BD2E-5948-8C71-38ED632F8D03}"/>
-              </a:ext>
-            </a:extLst>
-          </p:cNvPr>
-          <p:cNvGraphicFramePr>
-            <a:graphicFrameLocks noGrp="1"/>
-          </p:cNvGraphicFramePr>
-          <p:nvPr>
-            <p:extLst>
-              <p:ext uri="{D42A27DB-BD31-4B8C-83A1-F6EECF244321}">
-                <p14:modId xmlns:p14="http://schemas.microsoft.com/office/powerpoint/2010/main" val="4050378136"/>
-              </p:ext>
-            </p:extLst>
-          </p:nvPr>
-        </p:nvGraphicFramePr>
-        <p:xfrm>
-          <a:off x="1696526" y="971816"/>
-          <a:ext cx="833120" cy="701040"/>
-        </p:xfrm>
-        <a:graphic>
-          <a:graphicData uri="http://schemas.openxmlformats.org/drawingml/2006/table">
-            <a:tbl>
-              <a:tblPr firstRow="1" bandRow="1">
-                <a:tableStyleId>{5C22544A-7EE6-4342-B048-85BDC9FD1C3A}</a:tableStyleId>
-              </a:tblPr>
-              <a:tblGrid>
-                <a:gridCol w="208280">
-                  <a:extLst>
-                    <a:ext uri="{9D8B030D-6E8A-4147-A177-3AD203B41FA5}">
-                      <a16:colId xmlns:a16="http://schemas.microsoft.com/office/drawing/2014/main" val="2850824769"/>
-                    </a:ext>
-                  </a:extLst>
-                </a:gridCol>
-                <a:gridCol w="208280">
-                  <a:extLst>
-                    <a:ext uri="{9D8B030D-6E8A-4147-A177-3AD203B41FA5}">
-                      <a16:colId xmlns:a16="http://schemas.microsoft.com/office/drawing/2014/main" val="57343624"/>
-                    </a:ext>
-                  </a:extLst>
-                </a:gridCol>
-                <a:gridCol w="208280">
-                  <a:extLst>
-                    <a:ext uri="{9D8B030D-6E8A-4147-A177-3AD203B41FA5}">
-                      <a16:colId xmlns:a16="http://schemas.microsoft.com/office/drawing/2014/main" val="2298198695"/>
-                    </a:ext>
-                  </a:extLst>
-                </a:gridCol>
-                <a:gridCol w="208280">
-                  <a:extLst>
-                    <a:ext uri="{9D8B030D-6E8A-4147-A177-3AD203B41FA5}">
-                      <a16:colId xmlns:a16="http://schemas.microsoft.com/office/drawing/2014/main" val="3269445081"/>
-                    </a:ext>
-                  </a:extLst>
-                </a:gridCol>
-              </a:tblGrid>
-              <a:tr h="0">
-                <a:tc>
-                  <a:txBody>
-                    <a:bodyPr/>
-                    <a:lstStyle/>
-                    <a:p>
-                      <a:endParaRPr lang="en-US" sz="100" dirty="0">
-                        <a:solidFill>
-                          <a:srgbClr val="002060"/>
-                        </a:solidFill>
-                        <a:highlight>
-                          <a:srgbClr val="0000FF"/>
-                        </a:highlight>
-                      </a:endParaRPr>
-                    </a:p>
-                  </a:txBody>
-                  <a:tcPr>
-                    <a:solidFill>
-                      <a:schemeClr val="bg1">
-                        <a:lumMod val="85000"/>
-                      </a:schemeClr>
-                    </a:solidFill>
-                  </a:tcPr>
-                </a:tc>
-                <a:tc>
-                  <a:txBody>
-                    <a:bodyPr/>
-                    <a:lstStyle/>
-                    <a:p>
-                      <a:endParaRPr lang="en-US" sz="100" dirty="0">
-                        <a:solidFill>
-                          <a:srgbClr val="002060"/>
-                        </a:solidFill>
-                        <a:highlight>
-                          <a:srgbClr val="0000FF"/>
-                        </a:highlight>
-                      </a:endParaRPr>
-                    </a:p>
-                  </a:txBody>
-                  <a:tcPr>
-                    <a:solidFill>
-                      <a:schemeClr val="bg1">
-                        <a:lumMod val="85000"/>
-                      </a:schemeClr>
-                    </a:solidFill>
-                  </a:tcPr>
-                </a:tc>
-                <a:tc>
-                  <a:txBody>
-                    <a:bodyPr/>
-                    <a:lstStyle/>
-                    <a:p>
-                      <a:endParaRPr lang="en-US" sz="100" dirty="0">
-                        <a:solidFill>
-                          <a:srgbClr val="002060"/>
-                        </a:solidFill>
-                        <a:highlight>
-                          <a:srgbClr val="0000FF"/>
-                        </a:highlight>
-                      </a:endParaRPr>
-                    </a:p>
-                  </a:txBody>
-                  <a:tcPr>
-                    <a:solidFill>
-                      <a:schemeClr val="bg1">
-                        <a:lumMod val="85000"/>
-                      </a:schemeClr>
-                    </a:solidFill>
-                  </a:tcPr>
-                </a:tc>
-                <a:tc>
-                  <a:txBody>
-                    <a:bodyPr/>
-                    <a:lstStyle/>
-                    <a:p>
-                      <a:endParaRPr lang="en-US" sz="100" dirty="0">
-                        <a:solidFill>
-                          <a:srgbClr val="002060"/>
-                        </a:solidFill>
-                        <a:highlight>
-                          <a:srgbClr val="0000FF"/>
-                        </a:highlight>
-                      </a:endParaRPr>
-                    </a:p>
-                  </a:txBody>
-                  <a:tcPr>
-                    <a:solidFill>
-                      <a:schemeClr val="bg1">
-                        <a:lumMod val="85000"/>
-                      </a:schemeClr>
-                    </a:solidFill>
-                  </a:tcPr>
-                </a:tc>
-                <a:extLst>
-                  <a:ext uri="{0D108BD9-81ED-4DB2-BD59-A6C34878D82A}">
-                    <a16:rowId xmlns:a16="http://schemas.microsoft.com/office/drawing/2014/main" val="1182745223"/>
-                  </a:ext>
-                </a:extLst>
-              </a:tr>
-              <a:tr h="0">
-                <a:tc>
-                  <a:txBody>
-                    <a:bodyPr/>
-                    <a:lstStyle/>
-                    <a:p>
-                      <a:endParaRPr lang="en-US" sz="100">
-                        <a:solidFill>
-                          <a:srgbClr val="002060"/>
-                        </a:solidFill>
-                        <a:highlight>
-                          <a:srgbClr val="0000FF"/>
-                        </a:highlight>
-                      </a:endParaRPr>
-                    </a:p>
-                  </a:txBody>
-                  <a:tcPr>
-                    <a:solidFill>
-                      <a:schemeClr val="bg1">
-                        <a:lumMod val="85000"/>
-                      </a:schemeClr>
-                    </a:solidFill>
-                  </a:tcPr>
-                </a:tc>
-                <a:tc>
-                  <a:txBody>
-                    <a:bodyPr/>
-                    <a:lstStyle/>
-                    <a:p>
-                      <a:endParaRPr lang="en-US" sz="100">
-                        <a:solidFill>
-                          <a:srgbClr val="002060"/>
-                        </a:solidFill>
-                        <a:highlight>
-                          <a:srgbClr val="0000FF"/>
-                        </a:highlight>
-                      </a:endParaRPr>
-                    </a:p>
-                  </a:txBody>
-                  <a:tcPr>
-                    <a:solidFill>
-                      <a:schemeClr val="bg1">
-                        <a:lumMod val="85000"/>
-                      </a:schemeClr>
-                    </a:solidFill>
-                  </a:tcPr>
-                </a:tc>
-                <a:tc>
-                  <a:txBody>
-                    <a:bodyPr/>
-                    <a:lstStyle/>
-                    <a:p>
-                      <a:endParaRPr lang="en-US" sz="100" dirty="0">
-                        <a:solidFill>
-                          <a:srgbClr val="002060"/>
-                        </a:solidFill>
-                        <a:highlight>
-                          <a:srgbClr val="0000FF"/>
-                        </a:highlight>
-                      </a:endParaRPr>
-                    </a:p>
-                  </a:txBody>
-                  <a:tcPr>
-                    <a:solidFill>
-                      <a:schemeClr val="bg1">
-                        <a:lumMod val="85000"/>
-                      </a:schemeClr>
-                    </a:solidFill>
-                  </a:tcPr>
-                </a:tc>
-                <a:tc>
-                  <a:txBody>
-                    <a:bodyPr/>
-                    <a:lstStyle/>
-                    <a:p>
-                      <a:endParaRPr lang="en-US" sz="100" dirty="0">
-                        <a:solidFill>
-                          <a:srgbClr val="002060"/>
-                        </a:solidFill>
-                        <a:highlight>
-                          <a:srgbClr val="0000FF"/>
-                        </a:highlight>
-                      </a:endParaRPr>
-                    </a:p>
-                  </a:txBody>
-                  <a:tcPr>
-                    <a:solidFill>
-                      <a:schemeClr val="bg1">
-                        <a:lumMod val="85000"/>
-                      </a:schemeClr>
-                    </a:solidFill>
-                  </a:tcPr>
-                </a:tc>
-                <a:extLst>
-                  <a:ext uri="{0D108BD9-81ED-4DB2-BD59-A6C34878D82A}">
-                    <a16:rowId xmlns:a16="http://schemas.microsoft.com/office/drawing/2014/main" val="1211249238"/>
-                  </a:ext>
-                </a:extLst>
-              </a:tr>
-              <a:tr h="0">
-                <a:tc>
-                  <a:txBody>
-                    <a:bodyPr/>
-                    <a:lstStyle/>
-                    <a:p>
-                      <a:endParaRPr lang="en-US" sz="100" dirty="0"/>
-                    </a:p>
-                  </a:txBody>
-                  <a:tcPr>
-                    <a:solidFill>
-                      <a:schemeClr val="bg1">
-                        <a:lumMod val="85000"/>
-                      </a:schemeClr>
-                    </a:solidFill>
-                  </a:tcPr>
-                </a:tc>
-                <a:tc>
-                  <a:txBody>
-                    <a:bodyPr/>
-                    <a:lstStyle/>
-                    <a:p>
-                      <a:endParaRPr lang="en-US" sz="100" dirty="0"/>
-                    </a:p>
-                  </a:txBody>
-                  <a:tcPr>
-                    <a:solidFill>
-                      <a:schemeClr val="bg1">
-                        <a:lumMod val="85000"/>
-                      </a:schemeClr>
-                    </a:solidFill>
-                  </a:tcPr>
-                </a:tc>
-                <a:tc>
-                  <a:txBody>
-                    <a:bodyPr/>
-                    <a:lstStyle/>
-                    <a:p>
-                      <a:endParaRPr lang="en-US" sz="100" dirty="0"/>
-                    </a:p>
-                  </a:txBody>
-                  <a:tcPr>
-                    <a:solidFill>
-                      <a:schemeClr val="bg1">
-                        <a:lumMod val="85000"/>
-                      </a:schemeClr>
-                    </a:solidFill>
-                  </a:tcPr>
-                </a:tc>
-                <a:tc>
-                  <a:txBody>
-                    <a:bodyPr/>
-                    <a:lstStyle/>
-                    <a:p>
-                      <a:endParaRPr lang="en-US" sz="100" dirty="0"/>
-                    </a:p>
-                  </a:txBody>
-                  <a:tcPr>
-                    <a:solidFill>
-                      <a:schemeClr val="bg1">
-                        <a:lumMod val="85000"/>
-                      </a:schemeClr>
-                    </a:solidFill>
-                  </a:tcPr>
-                </a:tc>
-                <a:extLst>
-                  <a:ext uri="{0D108BD9-81ED-4DB2-BD59-A6C34878D82A}">
-                    <a16:rowId xmlns:a16="http://schemas.microsoft.com/office/drawing/2014/main" val="640380758"/>
-                  </a:ext>
-                </a:extLst>
-              </a:tr>
-              <a:tr h="0">
-                <a:tc>
-                  <a:txBody>
-                    <a:bodyPr/>
-                    <a:lstStyle/>
-                    <a:p>
-                      <a:endParaRPr lang="en-US" sz="100" dirty="0"/>
-                    </a:p>
-                  </a:txBody>
-                  <a:tcPr>
-                    <a:solidFill>
-                      <a:schemeClr val="bg1">
-                        <a:lumMod val="85000"/>
-                      </a:schemeClr>
-                    </a:solidFill>
-                  </a:tcPr>
-                </a:tc>
-                <a:tc>
-                  <a:txBody>
-                    <a:bodyPr/>
-                    <a:lstStyle/>
-                    <a:p>
-                      <a:endParaRPr lang="en-US" sz="100" dirty="0"/>
-                    </a:p>
-                  </a:txBody>
-                  <a:tcPr>
-                    <a:solidFill>
-                      <a:schemeClr val="bg1">
-                        <a:lumMod val="85000"/>
-                      </a:schemeClr>
-                    </a:solidFill>
-                  </a:tcPr>
-                </a:tc>
-                <a:tc>
-                  <a:txBody>
-                    <a:bodyPr/>
-                    <a:lstStyle/>
-                    <a:p>
-                      <a:endParaRPr lang="en-US" sz="100" dirty="0"/>
-                    </a:p>
-                  </a:txBody>
-                  <a:tcPr>
-                    <a:solidFill>
-                      <a:schemeClr val="bg1">
-                        <a:lumMod val="85000"/>
-                      </a:schemeClr>
-                    </a:solidFill>
-                  </a:tcPr>
-                </a:tc>
-                <a:tc>
-                  <a:txBody>
-                    <a:bodyPr/>
-                    <a:lstStyle/>
-                    <a:p>
-                      <a:endParaRPr lang="en-US" sz="100" dirty="0"/>
-                    </a:p>
-                  </a:txBody>
-                  <a:tcPr>
-                    <a:solidFill>
-                      <a:schemeClr val="bg1">
-                        <a:lumMod val="85000"/>
-                      </a:schemeClr>
-                    </a:solidFill>
-                  </a:tcPr>
-                </a:tc>
-                <a:extLst>
-                  <a:ext uri="{0D108BD9-81ED-4DB2-BD59-A6C34878D82A}">
-                    <a16:rowId xmlns:a16="http://schemas.microsoft.com/office/drawing/2014/main" val="3739254808"/>
-                  </a:ext>
-                </a:extLst>
-              </a:tr>
-              <a:tr h="0">
-                <a:tc>
-                  <a:txBody>
-                    <a:bodyPr/>
-                    <a:lstStyle/>
-                    <a:p>
-                      <a:endParaRPr lang="en-US" sz="100" dirty="0"/>
-                    </a:p>
-                  </a:txBody>
-                  <a:tcPr>
-                    <a:solidFill>
-                      <a:schemeClr val="bg1">
-                        <a:lumMod val="85000"/>
-                      </a:schemeClr>
-                    </a:solidFill>
-                  </a:tcPr>
-                </a:tc>
-                <a:tc>
-                  <a:txBody>
-                    <a:bodyPr/>
-                    <a:lstStyle/>
-                    <a:p>
-                      <a:endParaRPr lang="en-US" sz="100"/>
-                    </a:p>
-                  </a:txBody>
-                  <a:tcPr>
-                    <a:solidFill>
-                      <a:schemeClr val="bg1">
-                        <a:lumMod val="85000"/>
-                      </a:schemeClr>
-                    </a:solidFill>
-                  </a:tcPr>
-                </a:tc>
-                <a:tc>
-                  <a:txBody>
-                    <a:bodyPr/>
-                    <a:lstStyle/>
-                    <a:p>
-                      <a:endParaRPr lang="en-US" sz="100" dirty="0"/>
-                    </a:p>
-                  </a:txBody>
-                  <a:tcPr>
-                    <a:solidFill>
-                      <a:schemeClr val="bg1">
-                        <a:lumMod val="85000"/>
-                      </a:schemeClr>
-                    </a:solidFill>
-                  </a:tcPr>
-                </a:tc>
-                <a:tc>
-                  <a:txBody>
-                    <a:bodyPr/>
-                    <a:lstStyle/>
-                    <a:p>
-                      <a:endParaRPr lang="en-US" sz="100" dirty="0"/>
-                    </a:p>
-                  </a:txBody>
-                  <a:tcPr>
-                    <a:solidFill>
-                      <a:schemeClr val="bg1">
-                        <a:lumMod val="85000"/>
-                      </a:schemeClr>
-                    </a:solidFill>
-                  </a:tcPr>
-                </a:tc>
-                <a:extLst>
-                  <a:ext uri="{0D108BD9-81ED-4DB2-BD59-A6C34878D82A}">
-                    <a16:rowId xmlns:a16="http://schemas.microsoft.com/office/drawing/2014/main" val="2733300335"/>
-                  </a:ext>
-                </a:extLst>
-              </a:tr>
-              <a:tr h="0">
-                <a:tc>
-                  <a:txBody>
-                    <a:bodyPr/>
-                    <a:lstStyle/>
-                    <a:p>
-                      <a:endParaRPr lang="en-US" sz="100"/>
-                    </a:p>
-                  </a:txBody>
-                  <a:tcPr>
-                    <a:solidFill>
-                      <a:schemeClr val="bg1">
-                        <a:lumMod val="85000"/>
-                      </a:schemeClr>
-                    </a:solidFill>
-                  </a:tcPr>
-                </a:tc>
-                <a:tc>
-                  <a:txBody>
-                    <a:bodyPr/>
-                    <a:lstStyle/>
-                    <a:p>
-                      <a:endParaRPr lang="en-US" sz="100"/>
-                    </a:p>
-                  </a:txBody>
-                  <a:tcPr>
-                    <a:solidFill>
-                      <a:schemeClr val="bg1">
-                        <a:lumMod val="85000"/>
-                      </a:schemeClr>
-                    </a:solidFill>
-                  </a:tcPr>
-                </a:tc>
-                <a:tc>
-                  <a:txBody>
-                    <a:bodyPr/>
-                    <a:lstStyle/>
-                    <a:p>
-                      <a:endParaRPr lang="en-US" sz="100"/>
-                    </a:p>
-                  </a:txBody>
-                  <a:tcPr>
-                    <a:solidFill>
-                      <a:schemeClr val="bg1">
-                        <a:lumMod val="85000"/>
-                      </a:schemeClr>
-                    </a:solidFill>
-                  </a:tcPr>
-                </a:tc>
-                <a:tc>
-                  <a:txBody>
-                    <a:bodyPr/>
-                    <a:lstStyle/>
-                    <a:p>
-                      <a:endParaRPr lang="en-US" sz="100" dirty="0"/>
-                    </a:p>
-                  </a:txBody>
-                  <a:tcPr>
-                    <a:solidFill>
-                      <a:schemeClr val="bg1">
-                        <a:lumMod val="85000"/>
-                      </a:schemeClr>
-                    </a:solidFill>
-                  </a:tcPr>
-                </a:tc>
-                <a:extLst>
-                  <a:ext uri="{0D108BD9-81ED-4DB2-BD59-A6C34878D82A}">
-                    <a16:rowId xmlns:a16="http://schemas.microsoft.com/office/drawing/2014/main" val="4233758861"/>
-                  </a:ext>
-                </a:extLst>
-              </a:tr>
-            </a:tbl>
-          </a:graphicData>
-        </a:graphic>
-      </p:graphicFrame>
-      <p:sp>
-        <p:nvSpPr>
-          <p:cNvPr id="25" name="Right Arrow 24">
-            <a:extLst>
-              <a:ext uri="{FF2B5EF4-FFF2-40B4-BE49-F238E27FC236}">
-                <a16:creationId xmlns:a16="http://schemas.microsoft.com/office/drawing/2014/main" id="{4D913EF9-BE0A-9246-97A0-EB7C11607F82}"/>
-              </a:ext>
-            </a:extLst>
-          </p:cNvPr>
-          <p:cNvSpPr/>
-          <p:nvPr/>
-        </p:nvSpPr>
-        <p:spPr>
-          <a:xfrm>
-            <a:off x="2684681" y="1220736"/>
-            <a:ext cx="307245" cy="132080"/>
-          </a:xfrm>
-          <a:prstGeom prst="rightArrow">
-            <a:avLst/>
-          </a:prstGeom>
-        </p:spPr>
-        <p:style>
-          <a:lnRef idx="1">
-            <a:schemeClr val="accent1"/>
-          </a:lnRef>
-          <a:fillRef idx="3">
-            <a:schemeClr val="accent1"/>
-          </a:fillRef>
-          <a:effectRef idx="2">
-            <a:schemeClr val="accent1"/>
-          </a:effectRef>
-          <a:fontRef idx="minor">
-            <a:schemeClr val="lt1"/>
-          </a:fontRef>
-        </p:style>
-        <p:txBody>
-          <a:bodyPr rtlCol="0" anchor="ctr"/>
-          <a:lstStyle/>
-          <a:p>
-            <a:pPr algn="ctr"/>
-            <a:endParaRPr lang="en-US"/>
-          </a:p>
-        </p:txBody>
-      </p:sp>
-      <p:sp>
-        <p:nvSpPr>
-          <p:cNvPr id="26" name="TextBox 25">
-            <a:extLst>
-              <a:ext uri="{FF2B5EF4-FFF2-40B4-BE49-F238E27FC236}">
-                <a16:creationId xmlns:a16="http://schemas.microsoft.com/office/drawing/2014/main" id="{75D1A234-B42F-3743-BED1-AD77F654ACF5}"/>
-              </a:ext>
-            </a:extLst>
-          </p:cNvPr>
-          <p:cNvSpPr txBox="1"/>
-          <p:nvPr/>
-        </p:nvSpPr>
-        <p:spPr>
-          <a:xfrm>
-            <a:off x="1770738" y="1677756"/>
-            <a:ext cx="684803" cy="369332"/>
-          </a:xfrm>
-          <a:prstGeom prst="rect">
-            <a:avLst/>
-          </a:prstGeom>
-          <a:noFill/>
-        </p:spPr>
-        <p:txBody>
-          <a:bodyPr wrap="none" rtlCol="0">
-            <a:spAutoFit/>
-          </a:bodyPr>
-          <a:lstStyle/>
-          <a:p>
-            <a:r>
-              <a:rPr lang="en-US" b="1" dirty="0"/>
-              <a:t>Data</a:t>
-            </a:r>
-          </a:p>
-        </p:txBody>
-      </p:sp>
-      <mc:AlternateContent xmlns:mc="http://schemas.openxmlformats.org/markup-compatibility/2006" xmlns:a14="http://schemas.microsoft.com/office/drawing/2010/main">
-        <mc:Choice Requires="a14">
-          <p:sp>
-            <p:nvSpPr>
-              <p:cNvPr id="27" name="TextBox 26">
-                <a:extLst>
-                  <a:ext uri="{FF2B5EF4-FFF2-40B4-BE49-F238E27FC236}">
-                    <a16:creationId xmlns:a16="http://schemas.microsoft.com/office/drawing/2014/main" id="{C6C4195B-0AEA-7541-A277-BCFD212E6E08}"/>
-                  </a:ext>
-                </a:extLst>
-              </p:cNvPr>
-              <p:cNvSpPr txBox="1"/>
-              <p:nvPr/>
-            </p:nvSpPr>
-            <p:spPr>
-              <a:xfrm>
-                <a:off x="3314460" y="3561162"/>
-                <a:ext cx="757515" cy="477438"/>
-              </a:xfrm>
-              <a:prstGeom prst="rect">
-                <a:avLst/>
-              </a:prstGeom>
-              <a:noFill/>
-            </p:spPr>
-            <p:txBody>
-              <a:bodyPr wrap="none" rtlCol="0">
-                <a:spAutoFit/>
-              </a:bodyPr>
-              <a:lstStyle/>
-              <a:p>
-                <a:pPr/>
-                <a14:m>
-                  <m:oMathPara xmlns:m="http://schemas.openxmlformats.org/officeDocument/2006/math">
-                    <m:oMathParaPr>
-                      <m:jc m:val="centerGroup"/>
-                    </m:oMathParaPr>
-                    <m:oMath xmlns:m="http://schemas.openxmlformats.org/officeDocument/2006/math">
-                      <m:sSup>
-                        <m:sSupPr>
-                          <m:ctrlPr>
-                            <a:rPr lang="en-US" sz="2400" b="0" i="1" smtClean="0">
-                              <a:latin typeface="Cambria Math" panose="02040503050406030204" pitchFamily="18" charset="0"/>
-                            </a:rPr>
-                          </m:ctrlPr>
-                        </m:sSupPr>
-                        <m:e>
-                          <m:r>
-                            <a:rPr lang="en-US" sz="2400" b="0" i="1" smtClean="0">
-                              <a:latin typeface="Cambria Math" panose="02040503050406030204" pitchFamily="18" charset="0"/>
-                            </a:rPr>
-                            <m:t>𝜃</m:t>
-                          </m:r>
-                        </m:e>
-                        <m:sup>
-                          <m:r>
-                            <a:rPr lang="en-US" sz="2400" b="0" i="1" smtClean="0">
-                              <a:latin typeface="Cambria Math" panose="02040503050406030204" pitchFamily="18" charset="0"/>
-                            </a:rPr>
-                            <m:t>[2]</m:t>
-                          </m:r>
-                        </m:sup>
-                      </m:sSup>
-                    </m:oMath>
-                  </m:oMathPara>
-                </a14:m>
-                <a:endParaRPr lang="en-US" sz="2400" dirty="0"/>
-              </a:p>
-            </p:txBody>
-          </p:sp>
-        </mc:Choice>
-        <mc:Fallback xmlns="">
-          <p:sp>
-            <p:nvSpPr>
-              <p:cNvPr id="27" name="TextBox 26">
-                <a:extLst>
-                  <a:ext uri="{FF2B5EF4-FFF2-40B4-BE49-F238E27FC236}">
-                    <a16:creationId xmlns:a16="http://schemas.microsoft.com/office/drawing/2014/main" id="{C6C4195B-0AEA-7541-A277-BCFD212E6E08}"/>
-                  </a:ext>
-                </a:extLst>
-              </p:cNvPr>
-              <p:cNvSpPr txBox="1">
-                <a:spLocks noRot="1" noChangeAspect="1" noMove="1" noResize="1" noEditPoints="1" noAdjustHandles="1" noChangeArrowheads="1" noChangeShapeType="1" noTextEdit="1"/>
-              </p:cNvSpPr>
-              <p:nvPr/>
-            </p:nvSpPr>
-            <p:spPr>
-              <a:xfrm>
-                <a:off x="3314460" y="3561162"/>
-                <a:ext cx="757515" cy="477438"/>
-              </a:xfrm>
-              <a:prstGeom prst="rect">
-                <a:avLst/>
-              </a:prstGeom>
-              <a:blipFill>
-                <a:blip r:embed="rId3"/>
-                <a:stretch>
-                  <a:fillRect/>
-                </a:stretch>
-              </a:blipFill>
-            </p:spPr>
-            <p:txBody>
-              <a:bodyPr/>
-              <a:lstStyle/>
-              <a:p>
-                <a:r>
-                  <a:rPr lang="en-US">
-                    <a:noFill/>
-                  </a:rPr>
-                  <a:t> </a:t>
-                </a:r>
-              </a:p>
-            </p:txBody>
-          </p:sp>
-        </mc:Fallback>
-      </mc:AlternateContent>
-      <mc:AlternateContent xmlns:mc="http://schemas.openxmlformats.org/markup-compatibility/2006" xmlns:a14="http://schemas.microsoft.com/office/drawing/2010/main">
-        <mc:Choice Requires="a14">
-          <p:sp>
-            <p:nvSpPr>
-              <p:cNvPr id="28" name="TextBox 27">
-                <a:extLst>
-                  <a:ext uri="{FF2B5EF4-FFF2-40B4-BE49-F238E27FC236}">
-                    <a16:creationId xmlns:a16="http://schemas.microsoft.com/office/drawing/2014/main" id="{766F9354-DEA1-5F48-9BA6-A81FD3597260}"/>
-                  </a:ext>
-                </a:extLst>
-              </p:cNvPr>
-              <p:cNvSpPr txBox="1"/>
-              <p:nvPr/>
-            </p:nvSpPr>
-            <p:spPr>
-              <a:xfrm>
-                <a:off x="3299988" y="4809021"/>
-                <a:ext cx="757515" cy="477438"/>
-              </a:xfrm>
-              <a:prstGeom prst="rect">
-                <a:avLst/>
-              </a:prstGeom>
-              <a:noFill/>
-            </p:spPr>
-            <p:txBody>
-              <a:bodyPr wrap="none" rtlCol="0">
-                <a:spAutoFit/>
-              </a:bodyPr>
-              <a:lstStyle/>
-              <a:p>
-                <a:pPr/>
-                <a14:m>
-                  <m:oMathPara xmlns:m="http://schemas.openxmlformats.org/officeDocument/2006/math">
-                    <m:oMathParaPr>
-                      <m:jc m:val="centerGroup"/>
-                    </m:oMathParaPr>
-                    <m:oMath xmlns:m="http://schemas.openxmlformats.org/officeDocument/2006/math">
-                      <m:sSup>
-                        <m:sSupPr>
-                          <m:ctrlPr>
-                            <a:rPr lang="en-US" sz="2400" b="0" i="1" smtClean="0">
-                              <a:latin typeface="Cambria Math" panose="02040503050406030204" pitchFamily="18" charset="0"/>
-                            </a:rPr>
-                          </m:ctrlPr>
-                        </m:sSupPr>
-                        <m:e>
-                          <m:r>
-                            <a:rPr lang="en-US" sz="2400" b="0" i="1" smtClean="0">
-                              <a:latin typeface="Cambria Math" panose="02040503050406030204" pitchFamily="18" charset="0"/>
-                            </a:rPr>
-                            <m:t>𝜃</m:t>
-                          </m:r>
-                        </m:e>
-                        <m:sup>
-                          <m:r>
-                            <a:rPr lang="en-US" sz="2400" b="0" i="1" smtClean="0">
-                              <a:latin typeface="Cambria Math" panose="02040503050406030204" pitchFamily="18" charset="0"/>
-                            </a:rPr>
-                            <m:t>[3]</m:t>
-                          </m:r>
-                        </m:sup>
-                      </m:sSup>
-                    </m:oMath>
-                  </m:oMathPara>
-                </a14:m>
-                <a:endParaRPr lang="en-US" sz="2400" dirty="0"/>
-              </a:p>
-            </p:txBody>
-          </p:sp>
-        </mc:Choice>
-        <mc:Fallback xmlns="">
-          <p:sp>
-            <p:nvSpPr>
-              <p:cNvPr id="28" name="TextBox 27">
-                <a:extLst>
-                  <a:ext uri="{FF2B5EF4-FFF2-40B4-BE49-F238E27FC236}">
-                    <a16:creationId xmlns:a16="http://schemas.microsoft.com/office/drawing/2014/main" id="{766F9354-DEA1-5F48-9BA6-A81FD3597260}"/>
-                  </a:ext>
-                </a:extLst>
-              </p:cNvPr>
-              <p:cNvSpPr txBox="1">
-                <a:spLocks noRot="1" noChangeAspect="1" noMove="1" noResize="1" noEditPoints="1" noAdjustHandles="1" noChangeArrowheads="1" noChangeShapeType="1" noTextEdit="1"/>
-              </p:cNvSpPr>
-              <p:nvPr/>
-            </p:nvSpPr>
-            <p:spPr>
-              <a:xfrm>
-                <a:off x="3299988" y="4809021"/>
-                <a:ext cx="757515" cy="477438"/>
-              </a:xfrm>
-              <a:prstGeom prst="rect">
-                <a:avLst/>
-              </a:prstGeom>
-              <a:blipFill>
-                <a:blip r:embed="rId4"/>
-                <a:stretch>
-                  <a:fillRect/>
-                </a:stretch>
-              </a:blipFill>
-            </p:spPr>
-            <p:txBody>
-              <a:bodyPr/>
-              <a:lstStyle/>
-              <a:p>
-                <a:r>
-                  <a:rPr lang="en-US">
-                    <a:noFill/>
-                  </a:rPr>
-                  <a:t> </a:t>
-                </a:r>
-              </a:p>
-            </p:txBody>
-          </p:sp>
-        </mc:Fallback>
-      </mc:AlternateContent>
-      <mc:AlternateContent xmlns:mc="http://schemas.openxmlformats.org/markup-compatibility/2006" xmlns:a14="http://schemas.microsoft.com/office/drawing/2010/main">
-        <mc:Choice Requires="a14">
-          <p:sp>
-            <p:nvSpPr>
-              <p:cNvPr id="30" name="TextBox 29">
-                <a:extLst>
-                  <a:ext uri="{FF2B5EF4-FFF2-40B4-BE49-F238E27FC236}">
-                    <a16:creationId xmlns:a16="http://schemas.microsoft.com/office/drawing/2014/main" id="{2400AF7C-22D4-7948-8AE0-DC3899F8EC8B}"/>
-                  </a:ext>
-                </a:extLst>
-              </p:cNvPr>
-              <p:cNvSpPr txBox="1"/>
-              <p:nvPr/>
-            </p:nvSpPr>
-            <p:spPr>
-              <a:xfrm>
-                <a:off x="1315526" y="6052525"/>
-                <a:ext cx="4399474" cy="424475"/>
-              </a:xfrm>
-              <a:prstGeom prst="rect">
-                <a:avLst/>
-              </a:prstGeom>
-              <a:noFill/>
-            </p:spPr>
-            <p:txBody>
-              <a:bodyPr wrap="none" lIns="0" tIns="0" rIns="0" bIns="0" rtlCol="0">
-                <a:spAutoFit/>
-              </a:bodyPr>
-              <a:lstStyle/>
-              <a:p>
-                <a:pPr/>
-                <a14:m>
-                  <m:oMathPara xmlns:m="http://schemas.openxmlformats.org/officeDocument/2006/math">
-                    <m:oMathParaPr>
-                      <m:jc m:val="centerGroup"/>
-                    </m:oMathParaPr>
-                    <m:oMath xmlns:m="http://schemas.openxmlformats.org/officeDocument/2006/math">
-                      <m:acc>
-                        <m:accPr>
-                          <m:chr m:val="̂"/>
-                          <m:ctrlPr>
-                            <a:rPr lang="en-US" sz="2400" b="0" i="1" smtClean="0">
-                              <a:latin typeface="Cambria Math" panose="02040503050406030204" pitchFamily="18" charset="0"/>
-                            </a:rPr>
-                          </m:ctrlPr>
-                        </m:accPr>
-                        <m:e>
-                          <m:r>
-                            <a:rPr lang="en-US" sz="2400" b="0" i="1" smtClean="0">
-                              <a:latin typeface="Cambria Math" panose="02040503050406030204" pitchFamily="18" charset="0"/>
-                            </a:rPr>
-                            <m:t>𝜃</m:t>
-                          </m:r>
-                        </m:e>
-                      </m:acc>
-                      <m:r>
-                        <a:rPr lang="en-US" sz="2400" b="0" i="1" smtClean="0">
-                          <a:latin typeface="Cambria Math" panose="02040503050406030204" pitchFamily="18" charset="0"/>
-                        </a:rPr>
-                        <m:t>=</m:t>
-                      </m:r>
-                      <m:r>
-                        <a:rPr lang="en-US" sz="2400" b="0" i="1" smtClean="0">
-                          <a:latin typeface="Cambria Math" panose="02040503050406030204" pitchFamily="18" charset="0"/>
-                        </a:rPr>
-                        <m:t>𝑚𝑒𝑎</m:t>
-                      </m:r>
-                      <m:sSub>
-                        <m:sSubPr>
-                          <m:ctrlPr>
-                            <a:rPr lang="en-US" sz="2400" b="0" i="1" smtClean="0">
-                              <a:latin typeface="Cambria Math" panose="02040503050406030204" pitchFamily="18" charset="0"/>
-                            </a:rPr>
-                          </m:ctrlPr>
-                        </m:sSubPr>
-                        <m:e>
-                          <m:r>
-                            <a:rPr lang="en-US" sz="2400" b="0" i="1" smtClean="0">
-                              <a:latin typeface="Cambria Math" panose="02040503050406030204" pitchFamily="18" charset="0"/>
-                            </a:rPr>
-                            <m:t>𝑛</m:t>
-                          </m:r>
-                        </m:e>
-                        <m:sub>
-                          <m:r>
-                            <a:rPr lang="en-US" sz="2400" b="0" i="1" smtClean="0">
-                              <a:latin typeface="Cambria Math" panose="02040503050406030204" pitchFamily="18" charset="0"/>
-                            </a:rPr>
-                            <m:t>𝑚</m:t>
-                          </m:r>
-                        </m:sub>
-                      </m:sSub>
-                      <m:d>
-                        <m:dPr>
-                          <m:ctrlPr>
-                            <a:rPr lang="en-US" sz="2400" b="0" i="1" smtClean="0">
-                              <a:latin typeface="Cambria Math" panose="02040503050406030204" pitchFamily="18" charset="0"/>
-                            </a:rPr>
-                          </m:ctrlPr>
-                        </m:dPr>
-                        <m:e>
-                          <m:sSup>
-                            <m:sSupPr>
-                              <m:ctrlPr>
-                                <a:rPr lang="en-US" sz="2400" b="0" i="1" smtClean="0">
-                                  <a:latin typeface="Cambria Math" panose="02040503050406030204" pitchFamily="18" charset="0"/>
-                                </a:rPr>
-                              </m:ctrlPr>
-                            </m:sSupPr>
-                            <m:e>
-                              <m:r>
-                                <a:rPr lang="en-US" sz="2400" b="0" i="1" smtClean="0">
-                                  <a:latin typeface="Cambria Math" panose="02040503050406030204" pitchFamily="18" charset="0"/>
-                                </a:rPr>
-                                <m:t>𝜃</m:t>
-                              </m:r>
-                            </m:e>
-                            <m:sup>
-                              <m:d>
-                                <m:dPr>
-                                  <m:begChr m:val="["/>
-                                  <m:endChr m:val="]"/>
-                                  <m:ctrlPr>
-                                    <a:rPr lang="en-US" sz="2400" b="0" i="1" smtClean="0">
-                                      <a:latin typeface="Cambria Math" panose="02040503050406030204" pitchFamily="18" charset="0"/>
-                                    </a:rPr>
-                                  </m:ctrlPr>
-                                </m:dPr>
-                                <m:e>
-                                  <m:r>
-                                    <a:rPr lang="en-US" sz="2400" b="0" i="1" smtClean="0">
-                                      <a:latin typeface="Cambria Math" panose="02040503050406030204" pitchFamily="18" charset="0"/>
-                                    </a:rPr>
-                                    <m:t>𝑚</m:t>
-                                  </m:r>
-                                </m:e>
-                              </m:d>
-                            </m:sup>
-                          </m:sSup>
-                        </m:e>
-                      </m:d>
-                      <m:r>
-                        <a:rPr lang="en-US" sz="2400" b="0" i="1" smtClean="0">
-                          <a:latin typeface="Cambria Math" panose="02040503050406030204" pitchFamily="18" charset="0"/>
-                        </a:rPr>
-                        <m:t>±</m:t>
-                      </m:r>
-                      <m:r>
-                        <a:rPr lang="en-US" sz="2400" b="0" i="1" smtClean="0">
-                          <a:latin typeface="Cambria Math" panose="02040503050406030204" pitchFamily="18" charset="0"/>
-                        </a:rPr>
-                        <m:t>𝑠𝑡</m:t>
-                      </m:r>
-                      <m:sSub>
-                        <m:sSubPr>
-                          <m:ctrlPr>
-                            <a:rPr lang="en-US" sz="2400" b="0" i="1" smtClean="0">
-                              <a:latin typeface="Cambria Math" panose="02040503050406030204" pitchFamily="18" charset="0"/>
-                            </a:rPr>
-                          </m:ctrlPr>
-                        </m:sSubPr>
-                        <m:e>
-                          <m:r>
-                            <a:rPr lang="en-US" sz="2400" b="0" i="1" smtClean="0">
-                              <a:latin typeface="Cambria Math" panose="02040503050406030204" pitchFamily="18" charset="0"/>
-                            </a:rPr>
-                            <m:t>𝑑</m:t>
-                          </m:r>
-                        </m:e>
-                        <m:sub>
-                          <m:r>
-                            <a:rPr lang="en-US" sz="2400" b="0" i="1" smtClean="0">
-                              <a:latin typeface="Cambria Math" panose="02040503050406030204" pitchFamily="18" charset="0"/>
-                            </a:rPr>
-                            <m:t>𝑚</m:t>
-                          </m:r>
-                        </m:sub>
-                      </m:sSub>
-                      <m:d>
-                        <m:dPr>
-                          <m:ctrlPr>
-                            <a:rPr lang="en-US" sz="2400" i="1">
-                              <a:latin typeface="Cambria Math" panose="02040503050406030204" pitchFamily="18" charset="0"/>
-                            </a:rPr>
-                          </m:ctrlPr>
-                        </m:dPr>
-                        <m:e>
-                          <m:sSup>
-                            <m:sSupPr>
-                              <m:ctrlPr>
-                                <a:rPr lang="en-US" sz="2400" i="1">
-                                  <a:latin typeface="Cambria Math" panose="02040503050406030204" pitchFamily="18" charset="0"/>
-                                </a:rPr>
-                              </m:ctrlPr>
-                            </m:sSupPr>
-                            <m:e>
-                              <m:r>
-                                <a:rPr lang="en-US" sz="2400" i="1">
-                                  <a:latin typeface="Cambria Math" panose="02040503050406030204" pitchFamily="18" charset="0"/>
-                                </a:rPr>
-                                <m:t>𝜃</m:t>
-                              </m:r>
-                            </m:e>
-                            <m:sup>
-                              <m:d>
-                                <m:dPr>
-                                  <m:begChr m:val="["/>
-                                  <m:endChr m:val="]"/>
-                                  <m:ctrlPr>
-                                    <a:rPr lang="en-US" sz="2400" i="1">
-                                      <a:latin typeface="Cambria Math" panose="02040503050406030204" pitchFamily="18" charset="0"/>
-                                    </a:rPr>
-                                  </m:ctrlPr>
-                                </m:dPr>
-                                <m:e>
-                                  <m:r>
-                                    <a:rPr lang="en-US" sz="2400" i="1">
-                                      <a:latin typeface="Cambria Math" panose="02040503050406030204" pitchFamily="18" charset="0"/>
-                                    </a:rPr>
-                                    <m:t>𝑚</m:t>
-                                  </m:r>
-                                </m:e>
-                              </m:d>
-                            </m:sup>
-                          </m:sSup>
-                        </m:e>
-                      </m:d>
-                    </m:oMath>
-                  </m:oMathPara>
-                </a14:m>
-                <a:endParaRPr lang="en-US" sz="2400" dirty="0"/>
-              </a:p>
-            </p:txBody>
-          </p:sp>
-        </mc:Choice>
-        <mc:Fallback xmlns="">
-          <p:sp>
-            <p:nvSpPr>
-              <p:cNvPr id="30" name="TextBox 29">
-                <a:extLst>
-                  <a:ext uri="{FF2B5EF4-FFF2-40B4-BE49-F238E27FC236}">
-                    <a16:creationId xmlns:a16="http://schemas.microsoft.com/office/drawing/2014/main" id="{2400AF7C-22D4-7948-8AE0-DC3899F8EC8B}"/>
-                  </a:ext>
-                </a:extLst>
-              </p:cNvPr>
-              <p:cNvSpPr txBox="1">
-                <a:spLocks noRot="1" noChangeAspect="1" noMove="1" noResize="1" noEditPoints="1" noAdjustHandles="1" noChangeArrowheads="1" noChangeShapeType="1" noTextEdit="1"/>
-              </p:cNvSpPr>
-              <p:nvPr/>
-            </p:nvSpPr>
-            <p:spPr>
-              <a:xfrm>
-                <a:off x="1315526" y="6052525"/>
-                <a:ext cx="4399474" cy="424475"/>
-              </a:xfrm>
-              <a:prstGeom prst="rect">
-                <a:avLst/>
-              </a:prstGeom>
-              <a:blipFill>
-                <a:blip r:embed="rId5"/>
-                <a:stretch>
-                  <a:fillRect l="-865" t="-17647" b="-5882"/>
-                </a:stretch>
-              </a:blipFill>
-            </p:spPr>
-            <p:txBody>
-              <a:bodyPr/>
-              <a:lstStyle/>
-              <a:p>
-                <a:r>
-                  <a:rPr lang="en-US">
-                    <a:noFill/>
-                  </a:rPr>
-                  <a:t> </a:t>
-                </a:r>
-              </a:p>
-            </p:txBody>
-          </p:sp>
-        </mc:Fallback>
-      </mc:AlternateContent>
-      <p:sp>
-        <p:nvSpPr>
-          <p:cNvPr id="32" name="TextBox 31">
-            <a:extLst>
-              <a:ext uri="{FF2B5EF4-FFF2-40B4-BE49-F238E27FC236}">
-                <a16:creationId xmlns:a16="http://schemas.microsoft.com/office/drawing/2014/main" id="{7D8956A5-0AFB-544B-9D7C-2E5C5344614B}"/>
-              </a:ext>
-            </a:extLst>
-          </p:cNvPr>
-          <p:cNvSpPr txBox="1"/>
-          <p:nvPr/>
-        </p:nvSpPr>
-        <p:spPr>
-          <a:xfrm>
-            <a:off x="5094212" y="3018654"/>
-            <a:ext cx="3048000" cy="1200329"/>
-          </a:xfrm>
-          <a:prstGeom prst="rect">
-            <a:avLst/>
-          </a:prstGeom>
-          <a:noFill/>
-        </p:spPr>
-        <p:txBody>
-          <a:bodyPr wrap="square" rtlCol="0">
-            <a:spAutoFit/>
-          </a:bodyPr>
-          <a:lstStyle/>
-          <a:p>
-            <a:r>
               <a:rPr lang="en-US" sz="2400" dirty="0"/>
-              <a:t>Issue: Only using subset of data to estimate parameters.</a:t>
+              <a:t>But be careful because folds are chosen randomly.</a:t>
             </a:r>
           </a:p>
         </p:txBody>
@@ -9132,7 +5883,7 @@
     </p:spTree>
     <p:extLst>
       <p:ext uri="{BB962C8B-B14F-4D97-AF65-F5344CB8AC3E}">
-        <p14:creationId xmlns:p14="http://schemas.microsoft.com/office/powerpoint/2010/main" val="2790883346"/>
+        <p14:creationId xmlns:p14="http://schemas.microsoft.com/office/powerpoint/2010/main" val="3350956547"/>
       </p:ext>
     </p:extLst>
   </p:cSld>
@@ -9173,7 +5924,7 @@
                                           </p:stCondLst>
                                         </p:cTn>
                                         <p:tgtEl>
-                                          <p:spTgt spid="32"/>
+                                          <p:spTgt spid="7"/>
                                         </p:tgtEl>
                                         <p:attrNameLst>
                                           <p:attrName>style.visibility</p:attrName>
@@ -9214,13 +5965,13 @@
       </p:par>
     </p:tnLst>
     <p:bldLst>
-      <p:bldP spid="32" grpId="0"/>
+      <p:bldP spid="7" grpId="0"/>
     </p:bldLst>
   </p:timing>
 </p:sld>
 </file>
 
-<file path=ppt/slides/slide14.xml><?xml version="1.0" encoding="utf-8"?>
+<file path=ppt/slides/slide2.xml><?xml version="1.0" encoding="utf-8"?>
 <p:sld xmlns:a="http://schemas.openxmlformats.org/drawingml/2006/main" xmlns:r="http://schemas.openxmlformats.org/officeDocument/2006/relationships" xmlns:p="http://schemas.openxmlformats.org/presentationml/2006/main">
   <p:cSld>
     <p:spTree>
@@ -9239,10 +5990,10 @@
       </p:grpSpPr>
       <p:sp>
         <p:nvSpPr>
-          <p:cNvPr id="2" name="Title 1">
+          <p:cNvPr id="5" name="Title 4">
             <a:extLst>
               <a:ext uri="{FF2B5EF4-FFF2-40B4-BE49-F238E27FC236}">
-                <a16:creationId xmlns:a16="http://schemas.microsoft.com/office/drawing/2014/main" id="{88698B47-9168-7C43-B654-623BDC30F368}"/>
+                <a16:creationId xmlns:a16="http://schemas.microsoft.com/office/drawing/2014/main" id="{AD41F935-C51F-244B-85BA-5BE5A33558B8}"/>
               </a:ext>
             </a:extLst>
           </p:cNvPr>
@@ -9253,19 +6004,14 @@
             <p:ph type="title"/>
           </p:nvPr>
         </p:nvSpPr>
-        <p:spPr>
-          <a:xfrm>
-            <a:off x="228600" y="2057400"/>
-            <a:ext cx="8610600" cy="838200"/>
-          </a:xfrm>
-        </p:spPr>
+        <p:spPr/>
         <p:txBody>
           <a:bodyPr/>
           <a:lstStyle/>
           <a:p>
             <a:r>
               <a:rPr lang="en-US" dirty="0"/>
-              <a:t>Bootstrapping is an efficient way to quantify the uncertainty of parameter estimates.</a:t>
+              <a:t>Workflow For Fitting With Uncertainty</a:t>
             </a:r>
           </a:p>
         </p:txBody>
@@ -9275,7 +6021,7 @@
           <p:cNvPr id="4" name="Slide Number Placeholder 3">
             <a:extLst>
               <a:ext uri="{FF2B5EF4-FFF2-40B4-BE49-F238E27FC236}">
-                <a16:creationId xmlns:a16="http://schemas.microsoft.com/office/drawing/2014/main" id="{2AABDF10-6783-E44E-934F-A22DF20E4FB8}"/>
+                <a16:creationId xmlns:a16="http://schemas.microsoft.com/office/drawing/2014/main" id="{F365F0CB-77B4-9446-9018-27B6991E1121}"/>
               </a:ext>
             </a:extLst>
           </p:cNvPr>
@@ -9299,601 +6045,7 @@
               <a:pPr>
                 <a:defRPr/>
               </a:pPr>
-              <a:t>14</a:t>
-            </a:fld>
-            <a:endParaRPr lang="en-US" altLang="x-none"/>
-          </a:p>
-        </p:txBody>
-      </p:sp>
-    </p:spTree>
-    <p:extLst>
-      <p:ext uri="{BB962C8B-B14F-4D97-AF65-F5344CB8AC3E}">
-        <p14:creationId xmlns:p14="http://schemas.microsoft.com/office/powerpoint/2010/main" val="3847054332"/>
-      </p:ext>
-    </p:extLst>
-  </p:cSld>
-  <p:clrMapOvr>
-    <a:masterClrMapping/>
-  </p:clrMapOvr>
-</p:sld>
-</file>
-
-<file path=ppt/slides/slide15.xml><?xml version="1.0" encoding="utf-8"?>
-<p:sld xmlns:a="http://schemas.openxmlformats.org/drawingml/2006/main" xmlns:r="http://schemas.openxmlformats.org/officeDocument/2006/relationships" xmlns:p="http://schemas.openxmlformats.org/presentationml/2006/main">
-  <p:cSld>
-    <p:spTree>
-      <p:nvGrpSpPr>
-        <p:cNvPr id="1" name=""/>
-        <p:cNvGrpSpPr/>
-        <p:nvPr/>
-      </p:nvGrpSpPr>
-      <p:grpSpPr>
-        <a:xfrm>
-          <a:off x="0" y="0"/>
-          <a:ext cx="0" cy="0"/>
-          <a:chOff x="0" y="0"/>
-          <a:chExt cx="0" cy="0"/>
-        </a:xfrm>
-      </p:grpSpPr>
-      <p:sp>
-        <p:nvSpPr>
-          <p:cNvPr id="2" name="Title 1">
-            <a:extLst>
-              <a:ext uri="{FF2B5EF4-FFF2-40B4-BE49-F238E27FC236}">
-                <a16:creationId xmlns:a16="http://schemas.microsoft.com/office/drawing/2014/main" id="{0C0506BF-DC00-C545-B4BF-5F2DA005357F}"/>
-              </a:ext>
-            </a:extLst>
-          </p:cNvPr>
-          <p:cNvSpPr>
-            <a:spLocks noGrp="1"/>
-          </p:cNvSpPr>
-          <p:nvPr>
-            <p:ph type="title"/>
-          </p:nvPr>
-        </p:nvSpPr>
-        <p:spPr/>
-        <p:txBody>
-          <a:bodyPr/>
-          <a:lstStyle/>
-          <a:p>
-            <a:r>
-              <a:rPr lang="en-US" dirty="0"/>
-              <a:t>Bootstrapping Workflow</a:t>
-            </a:r>
-          </a:p>
-        </p:txBody>
-      </p:sp>
-      <p:sp>
-        <p:nvSpPr>
-          <p:cNvPr id="3" name="Slide Number Placeholder 2">
-            <a:extLst>
-              <a:ext uri="{FF2B5EF4-FFF2-40B4-BE49-F238E27FC236}">
-                <a16:creationId xmlns:a16="http://schemas.microsoft.com/office/drawing/2014/main" id="{93273262-DA4E-3844-9B2C-67C8E239D2A2}"/>
-              </a:ext>
-            </a:extLst>
-          </p:cNvPr>
-          <p:cNvSpPr>
-            <a:spLocks noGrp="1"/>
-          </p:cNvSpPr>
-          <p:nvPr>
-            <p:ph type="sldNum" sz="quarter" idx="11"/>
-          </p:nvPr>
-        </p:nvSpPr>
-        <p:spPr/>
-        <p:txBody>
-          <a:bodyPr/>
-          <a:lstStyle/>
-          <a:p>
-            <a:pPr>
-              <a:defRPr/>
-            </a:pPr>
-            <a:fld id="{2E4304A7-0FB2-4094-BC1E-DB17183AD0C1}" type="slidenum">
-              <a:rPr lang="en-US" altLang="x-none" smtClean="0"/>
-              <a:pPr>
-                <a:defRPr/>
-              </a:pPr>
-              <a:t>15</a:t>
-            </a:fld>
-            <a:endParaRPr lang="en-US" altLang="x-none"/>
-          </a:p>
-        </p:txBody>
-      </p:sp>
-      <p:sp>
-        <p:nvSpPr>
-          <p:cNvPr id="4" name="Rectangle 3">
-            <a:extLst>
-              <a:ext uri="{FF2B5EF4-FFF2-40B4-BE49-F238E27FC236}">
-                <a16:creationId xmlns:a16="http://schemas.microsoft.com/office/drawing/2014/main" id="{6FA226AE-EEA6-E240-A69C-E1A9A51BA827}"/>
-              </a:ext>
-            </a:extLst>
-          </p:cNvPr>
-          <p:cNvSpPr/>
-          <p:nvPr/>
-        </p:nvSpPr>
-        <p:spPr>
-          <a:xfrm>
-            <a:off x="2895600" y="990600"/>
-            <a:ext cx="2743200" cy="838200"/>
-          </a:xfrm>
-          <a:prstGeom prst="rect">
-            <a:avLst/>
-          </a:prstGeom>
-        </p:spPr>
-        <p:style>
-          <a:lnRef idx="1">
-            <a:schemeClr val="accent1"/>
-          </a:lnRef>
-          <a:fillRef idx="3">
-            <a:schemeClr val="accent1"/>
-          </a:fillRef>
-          <a:effectRef idx="2">
-            <a:schemeClr val="accent1"/>
-          </a:effectRef>
-          <a:fontRef idx="minor">
-            <a:schemeClr val="lt1"/>
-          </a:fontRef>
-        </p:style>
-        <p:txBody>
-          <a:bodyPr rtlCol="0" anchor="ctr"/>
-          <a:lstStyle/>
-          <a:p>
-            <a:pPr algn="ctr"/>
-            <a:r>
-              <a:rPr lang="en-US" sz="2400" dirty="0"/>
-              <a:t>Fit model to data</a:t>
-            </a:r>
-          </a:p>
-        </p:txBody>
-      </p:sp>
-      <p:sp>
-        <p:nvSpPr>
-          <p:cNvPr id="5" name="Rectangle 4">
-            <a:extLst>
-              <a:ext uri="{FF2B5EF4-FFF2-40B4-BE49-F238E27FC236}">
-                <a16:creationId xmlns:a16="http://schemas.microsoft.com/office/drawing/2014/main" id="{BF25E9C4-5D43-5C4C-941B-2DC10D45009C}"/>
-              </a:ext>
-            </a:extLst>
-          </p:cNvPr>
-          <p:cNvSpPr/>
-          <p:nvPr/>
-        </p:nvSpPr>
-        <p:spPr>
-          <a:xfrm>
-            <a:off x="2895600" y="2266950"/>
-            <a:ext cx="2743200" cy="838200"/>
-          </a:xfrm>
-          <a:prstGeom prst="rect">
-            <a:avLst/>
-          </a:prstGeom>
-        </p:spPr>
-        <p:style>
-          <a:lnRef idx="1">
-            <a:schemeClr val="accent1"/>
-          </a:lnRef>
-          <a:fillRef idx="3">
-            <a:schemeClr val="accent1"/>
-          </a:fillRef>
-          <a:effectRef idx="2">
-            <a:schemeClr val="accent1"/>
-          </a:effectRef>
-          <a:fontRef idx="minor">
-            <a:schemeClr val="lt1"/>
-          </a:fontRef>
-        </p:style>
-        <p:txBody>
-          <a:bodyPr rtlCol="0" anchor="ctr"/>
-          <a:lstStyle/>
-          <a:p>
-            <a:pPr algn="ctr"/>
-            <a:r>
-              <a:rPr lang="en-US" sz="2400" dirty="0"/>
-              <a:t>Compute Residuals</a:t>
-            </a:r>
-          </a:p>
-        </p:txBody>
-      </p:sp>
-      <p:sp>
-        <p:nvSpPr>
-          <p:cNvPr id="6" name="Rectangle 5">
-            <a:extLst>
-              <a:ext uri="{FF2B5EF4-FFF2-40B4-BE49-F238E27FC236}">
-                <a16:creationId xmlns:a16="http://schemas.microsoft.com/office/drawing/2014/main" id="{C922DC58-6DEC-EF44-8648-DDC5809A9D9E}"/>
-              </a:ext>
-            </a:extLst>
-          </p:cNvPr>
-          <p:cNvSpPr/>
-          <p:nvPr/>
-        </p:nvSpPr>
-        <p:spPr>
-          <a:xfrm>
-            <a:off x="1219200" y="3543300"/>
-            <a:ext cx="6096000" cy="838200"/>
-          </a:xfrm>
-          <a:prstGeom prst="rect">
-            <a:avLst/>
-          </a:prstGeom>
-        </p:spPr>
-        <p:style>
-          <a:lnRef idx="1">
-            <a:schemeClr val="accent1"/>
-          </a:lnRef>
-          <a:fillRef idx="3">
-            <a:schemeClr val="accent1"/>
-          </a:fillRef>
-          <a:effectRef idx="2">
-            <a:schemeClr val="accent1"/>
-          </a:effectRef>
-          <a:fontRef idx="minor">
-            <a:schemeClr val="lt1"/>
-          </a:fontRef>
-        </p:style>
-        <p:txBody>
-          <a:bodyPr rtlCol="0" anchor="ctr"/>
-          <a:lstStyle/>
-          <a:p>
-            <a:pPr algn="ctr"/>
-            <a:r>
-              <a:rPr lang="en-US" sz="2400" dirty="0"/>
-              <a:t>Generate synthetic response data using the fitted model and randomly selected residuals.</a:t>
-            </a:r>
-          </a:p>
-        </p:txBody>
-      </p:sp>
-      <p:sp>
-        <p:nvSpPr>
-          <p:cNvPr id="7" name="Rectangle 6">
-            <a:extLst>
-              <a:ext uri="{FF2B5EF4-FFF2-40B4-BE49-F238E27FC236}">
-                <a16:creationId xmlns:a16="http://schemas.microsoft.com/office/drawing/2014/main" id="{4947AFEB-A0DC-4240-83D4-1BE59D276F8C}"/>
-              </a:ext>
-            </a:extLst>
-          </p:cNvPr>
-          <p:cNvSpPr/>
-          <p:nvPr/>
-        </p:nvSpPr>
-        <p:spPr>
-          <a:xfrm>
-            <a:off x="1485900" y="4819650"/>
-            <a:ext cx="5562600" cy="838200"/>
-          </a:xfrm>
-          <a:prstGeom prst="rect">
-            <a:avLst/>
-          </a:prstGeom>
-        </p:spPr>
-        <p:style>
-          <a:lnRef idx="1">
-            <a:schemeClr val="accent1"/>
-          </a:lnRef>
-          <a:fillRef idx="3">
-            <a:schemeClr val="accent1"/>
-          </a:fillRef>
-          <a:effectRef idx="2">
-            <a:schemeClr val="accent1"/>
-          </a:effectRef>
-          <a:fontRef idx="minor">
-            <a:schemeClr val="lt1"/>
-          </a:fontRef>
-        </p:style>
-        <p:txBody>
-          <a:bodyPr rtlCol="0" anchor="ctr"/>
-          <a:lstStyle/>
-          <a:p>
-            <a:pPr algn="ctr"/>
-            <a:r>
-              <a:rPr lang="en-US" sz="2400" dirty="0"/>
-              <a:t>Estimate model parameters for each synthetic data set.</a:t>
-            </a:r>
-          </a:p>
-        </p:txBody>
-      </p:sp>
-      <p:sp>
-        <p:nvSpPr>
-          <p:cNvPr id="8" name="Rectangle 7">
-            <a:extLst>
-              <a:ext uri="{FF2B5EF4-FFF2-40B4-BE49-F238E27FC236}">
-                <a16:creationId xmlns:a16="http://schemas.microsoft.com/office/drawing/2014/main" id="{4E55C630-6221-3646-90EC-697320F61F5F}"/>
-              </a:ext>
-            </a:extLst>
-          </p:cNvPr>
-          <p:cNvSpPr/>
-          <p:nvPr/>
-        </p:nvSpPr>
-        <p:spPr>
-          <a:xfrm>
-            <a:off x="1485900" y="6095999"/>
-            <a:ext cx="5562600" cy="467139"/>
-          </a:xfrm>
-          <a:prstGeom prst="rect">
-            <a:avLst/>
-          </a:prstGeom>
-        </p:spPr>
-        <p:style>
-          <a:lnRef idx="1">
-            <a:schemeClr val="accent1"/>
-          </a:lnRef>
-          <a:fillRef idx="3">
-            <a:schemeClr val="accent1"/>
-          </a:fillRef>
-          <a:effectRef idx="2">
-            <a:schemeClr val="accent1"/>
-          </a:effectRef>
-          <a:fontRef idx="minor">
-            <a:schemeClr val="lt1"/>
-          </a:fontRef>
-        </p:style>
-        <p:txBody>
-          <a:bodyPr rtlCol="0" anchor="ctr"/>
-          <a:lstStyle/>
-          <a:p>
-            <a:pPr algn="ctr"/>
-            <a:r>
-              <a:rPr lang="en-US" sz="2400" dirty="0"/>
-              <a:t>Calculate parameter variances.</a:t>
-            </a:r>
-          </a:p>
-        </p:txBody>
-      </p:sp>
-      <p:cxnSp>
-        <p:nvCxnSpPr>
-          <p:cNvPr id="10" name="Straight Arrow Connector 9">
-            <a:extLst>
-              <a:ext uri="{FF2B5EF4-FFF2-40B4-BE49-F238E27FC236}">
-                <a16:creationId xmlns:a16="http://schemas.microsoft.com/office/drawing/2014/main" id="{406F8A61-5708-2346-AA66-0EFBDF25632A}"/>
-              </a:ext>
-            </a:extLst>
-          </p:cNvPr>
-          <p:cNvCxnSpPr>
-            <a:stCxn id="4" idx="2"/>
-            <a:endCxn id="5" idx="0"/>
-          </p:cNvCxnSpPr>
-          <p:nvPr/>
-        </p:nvCxnSpPr>
-        <p:spPr>
-          <a:xfrm>
-            <a:off x="4267200" y="1828800"/>
-            <a:ext cx="0" cy="438150"/>
-          </a:xfrm>
-          <a:prstGeom prst="straightConnector1">
-            <a:avLst/>
-          </a:prstGeom>
-          <a:ln>
-            <a:tailEnd type="triangle"/>
-          </a:ln>
-        </p:spPr>
-        <p:style>
-          <a:lnRef idx="2">
-            <a:schemeClr val="accent1"/>
-          </a:lnRef>
-          <a:fillRef idx="0">
-            <a:schemeClr val="accent1"/>
-          </a:fillRef>
-          <a:effectRef idx="1">
-            <a:schemeClr val="accent1"/>
-          </a:effectRef>
-          <a:fontRef idx="minor">
-            <a:schemeClr val="tx1"/>
-          </a:fontRef>
-        </p:style>
-      </p:cxnSp>
-      <p:cxnSp>
-        <p:nvCxnSpPr>
-          <p:cNvPr id="12" name="Straight Arrow Connector 11">
-            <a:extLst>
-              <a:ext uri="{FF2B5EF4-FFF2-40B4-BE49-F238E27FC236}">
-                <a16:creationId xmlns:a16="http://schemas.microsoft.com/office/drawing/2014/main" id="{80F09B2B-2E18-AA46-A872-DDE83374E50A}"/>
-              </a:ext>
-            </a:extLst>
-          </p:cNvPr>
-          <p:cNvCxnSpPr>
-            <a:stCxn id="5" idx="2"/>
-            <a:endCxn id="6" idx="0"/>
-          </p:cNvCxnSpPr>
-          <p:nvPr/>
-        </p:nvCxnSpPr>
-        <p:spPr>
-          <a:xfrm>
-            <a:off x="4267200" y="3105150"/>
-            <a:ext cx="0" cy="438150"/>
-          </a:xfrm>
-          <a:prstGeom prst="straightConnector1">
-            <a:avLst/>
-          </a:prstGeom>
-          <a:ln>
-            <a:tailEnd type="triangle"/>
-          </a:ln>
-        </p:spPr>
-        <p:style>
-          <a:lnRef idx="2">
-            <a:schemeClr val="accent1"/>
-          </a:lnRef>
-          <a:fillRef idx="0">
-            <a:schemeClr val="accent1"/>
-          </a:fillRef>
-          <a:effectRef idx="1">
-            <a:schemeClr val="accent1"/>
-          </a:effectRef>
-          <a:fontRef idx="minor">
-            <a:schemeClr val="tx1"/>
-          </a:fontRef>
-        </p:style>
-      </p:cxnSp>
-      <p:cxnSp>
-        <p:nvCxnSpPr>
-          <p:cNvPr id="14" name="Straight Arrow Connector 13">
-            <a:extLst>
-              <a:ext uri="{FF2B5EF4-FFF2-40B4-BE49-F238E27FC236}">
-                <a16:creationId xmlns:a16="http://schemas.microsoft.com/office/drawing/2014/main" id="{E1540DF7-B3B7-E54E-A9F2-1089D7DC5AE9}"/>
-              </a:ext>
-            </a:extLst>
-          </p:cNvPr>
-          <p:cNvCxnSpPr>
-            <a:stCxn id="6" idx="2"/>
-            <a:endCxn id="7" idx="0"/>
-          </p:cNvCxnSpPr>
-          <p:nvPr/>
-        </p:nvCxnSpPr>
-        <p:spPr>
-          <a:xfrm>
-            <a:off x="4267200" y="4381500"/>
-            <a:ext cx="0" cy="438150"/>
-          </a:xfrm>
-          <a:prstGeom prst="straightConnector1">
-            <a:avLst/>
-          </a:prstGeom>
-          <a:ln>
-            <a:tailEnd type="triangle"/>
-          </a:ln>
-        </p:spPr>
-        <p:style>
-          <a:lnRef idx="2">
-            <a:schemeClr val="accent1"/>
-          </a:lnRef>
-          <a:fillRef idx="0">
-            <a:schemeClr val="accent1"/>
-          </a:fillRef>
-          <a:effectRef idx="1">
-            <a:schemeClr val="accent1"/>
-          </a:effectRef>
-          <a:fontRef idx="minor">
-            <a:schemeClr val="tx1"/>
-          </a:fontRef>
-        </p:style>
-      </p:cxnSp>
-      <p:cxnSp>
-        <p:nvCxnSpPr>
-          <p:cNvPr id="16" name="Straight Arrow Connector 15">
-            <a:extLst>
-              <a:ext uri="{FF2B5EF4-FFF2-40B4-BE49-F238E27FC236}">
-                <a16:creationId xmlns:a16="http://schemas.microsoft.com/office/drawing/2014/main" id="{1287967B-89BB-9742-9C27-C7BFC603E3FA}"/>
-              </a:ext>
-            </a:extLst>
-          </p:cNvPr>
-          <p:cNvCxnSpPr>
-            <a:stCxn id="7" idx="2"/>
-            <a:endCxn id="8" idx="0"/>
-          </p:cNvCxnSpPr>
-          <p:nvPr/>
-        </p:nvCxnSpPr>
-        <p:spPr>
-          <a:xfrm>
-            <a:off x="4267200" y="5657850"/>
-            <a:ext cx="0" cy="438149"/>
-          </a:xfrm>
-          <a:prstGeom prst="straightConnector1">
-            <a:avLst/>
-          </a:prstGeom>
-          <a:ln>
-            <a:tailEnd type="triangle"/>
-          </a:ln>
-        </p:spPr>
-        <p:style>
-          <a:lnRef idx="2">
-            <a:schemeClr val="accent1"/>
-          </a:lnRef>
-          <a:fillRef idx="0">
-            <a:schemeClr val="accent1"/>
-          </a:fillRef>
-          <a:effectRef idx="1">
-            <a:schemeClr val="accent1"/>
-          </a:effectRef>
-          <a:fontRef idx="minor">
-            <a:schemeClr val="tx1"/>
-          </a:fontRef>
-        </p:style>
-      </p:cxnSp>
-    </p:spTree>
-    <p:extLst>
-      <p:ext uri="{BB962C8B-B14F-4D97-AF65-F5344CB8AC3E}">
-        <p14:creationId xmlns:p14="http://schemas.microsoft.com/office/powerpoint/2010/main" val="1560099985"/>
-      </p:ext>
-    </p:extLst>
-  </p:cSld>
-  <p:clrMapOvr>
-    <a:masterClrMapping/>
-  </p:clrMapOvr>
-</p:sld>
-</file>
-
-<file path=ppt/slides/slide16.xml><?xml version="1.0" encoding="utf-8"?>
-<p:sld xmlns:a="http://schemas.openxmlformats.org/drawingml/2006/main" xmlns:r="http://schemas.openxmlformats.org/officeDocument/2006/relationships" xmlns:p="http://schemas.openxmlformats.org/presentationml/2006/main">
-  <p:cSld>
-    <p:spTree>
-      <p:nvGrpSpPr>
-        <p:cNvPr id="1" name=""/>
-        <p:cNvGrpSpPr/>
-        <p:nvPr/>
-      </p:nvGrpSpPr>
-      <p:grpSpPr>
-        <a:xfrm>
-          <a:off x="0" y="0"/>
-          <a:ext cx="0" cy="0"/>
-          <a:chOff x="0" y="0"/>
-          <a:chExt cx="0" cy="0"/>
-        </a:xfrm>
-      </p:grpSpPr>
-      <p:sp>
-        <p:nvSpPr>
-          <p:cNvPr id="2" name="Title 1">
-            <a:extLst>
-              <a:ext uri="{FF2B5EF4-FFF2-40B4-BE49-F238E27FC236}">
-                <a16:creationId xmlns:a16="http://schemas.microsoft.com/office/drawing/2014/main" id="{75ABD150-7FF1-2A41-B255-4F99D65A4DDF}"/>
-              </a:ext>
-            </a:extLst>
-          </p:cNvPr>
-          <p:cNvSpPr>
-            <a:spLocks noGrp="1"/>
-          </p:cNvSpPr>
-          <p:nvPr>
-            <p:ph type="title"/>
-          </p:nvPr>
-        </p:nvSpPr>
-        <p:spPr>
-          <a:xfrm>
-            <a:off x="228600" y="228600"/>
-            <a:ext cx="8458200" cy="838200"/>
-          </a:xfrm>
-        </p:spPr>
-        <p:txBody>
-          <a:bodyPr/>
-          <a:lstStyle/>
-          <a:p>
-            <a:r>
-              <a:rPr lang="en-US" dirty="0"/>
-              <a:t>Synthetic Observations With Bootstrapping</a:t>
-            </a:r>
-          </a:p>
-        </p:txBody>
-      </p:sp>
-      <p:sp>
-        <p:nvSpPr>
-          <p:cNvPr id="4" name="Slide Number Placeholder 3">
-            <a:extLst>
-              <a:ext uri="{FF2B5EF4-FFF2-40B4-BE49-F238E27FC236}">
-                <a16:creationId xmlns:a16="http://schemas.microsoft.com/office/drawing/2014/main" id="{BB3E002D-3997-354B-976E-21A5C58840E5}"/>
-              </a:ext>
-            </a:extLst>
-          </p:cNvPr>
-          <p:cNvSpPr>
-            <a:spLocks noGrp="1"/>
-          </p:cNvSpPr>
-          <p:nvPr>
-            <p:ph type="sldNum" sz="quarter" idx="11"/>
-          </p:nvPr>
-        </p:nvSpPr>
-        <p:spPr/>
-        <p:txBody>
-          <a:bodyPr/>
-          <a:lstStyle/>
-          <a:p>
-            <a:pPr>
-              <a:defRPr/>
-            </a:pPr>
-            <a:fld id="{3EF4E9CC-9D91-476E-91FD-5BEEC1642931}" type="slidenum">
-              <a:rPr lang="en-US" altLang="x-none" smtClean="0"/>
-              <a:pPr>
-                <a:defRPr/>
-              </a:pPr>
-              <a:t>16</a:t>
+              <a:t>2</a:t>
             </a:fld>
             <a:endParaRPr lang="en-US" altLang="x-none"/>
           </a:p>
@@ -9901,10 +6053,10 @@
       </p:sp>
       <p:pic>
         <p:nvPicPr>
-          <p:cNvPr id="6" name="Picture 5">
+          <p:cNvPr id="7" name="Picture 6" descr="Diagram&#10;&#10;Description automatically generated">
             <a:extLst>
               <a:ext uri="{FF2B5EF4-FFF2-40B4-BE49-F238E27FC236}">
-                <a16:creationId xmlns:a16="http://schemas.microsoft.com/office/drawing/2014/main" id="{8EF113A2-9A9B-AD4A-994A-45280F35C83A}"/>
+                <a16:creationId xmlns:a16="http://schemas.microsoft.com/office/drawing/2014/main" id="{8B4D3B85-131F-9E45-9DC8-5D7A5D34698A}"/>
               </a:ext>
             </a:extLst>
           </p:cNvPr>
@@ -9921,98 +6073,8 @@
         </p:blipFill>
         <p:spPr>
           <a:xfrm>
-            <a:off x="6185710" y="2640862"/>
-            <a:ext cx="2715940" cy="3866300"/>
-          </a:xfrm>
-          <a:prstGeom prst="rect">
-            <a:avLst/>
-          </a:prstGeom>
-        </p:spPr>
-      </p:pic>
-      <p:pic>
-        <p:nvPicPr>
-          <p:cNvPr id="8" name="Picture 7">
-            <a:extLst>
-              <a:ext uri="{FF2B5EF4-FFF2-40B4-BE49-F238E27FC236}">
-                <a16:creationId xmlns:a16="http://schemas.microsoft.com/office/drawing/2014/main" id="{C1DA8FBF-EA10-614F-BF6C-2CD3E5B2AF96}"/>
-              </a:ext>
-            </a:extLst>
-          </p:cNvPr>
-          <p:cNvPicPr>
-            <a:picLocks noChangeAspect="1"/>
-          </p:cNvPicPr>
-          <p:nvPr/>
-        </p:nvPicPr>
-        <p:blipFill>
-          <a:blip r:embed="rId3"/>
-          <a:stretch>
-            <a:fillRect/>
-          </a:stretch>
-        </p:blipFill>
-        <p:spPr>
-          <a:xfrm>
-            <a:off x="314493" y="2544218"/>
-            <a:ext cx="2809707" cy="3962944"/>
-          </a:xfrm>
-          <a:prstGeom prst="rect">
-            <a:avLst/>
-          </a:prstGeom>
-        </p:spPr>
-      </p:pic>
-      <p:pic>
-        <p:nvPicPr>
-          <p:cNvPr id="10" name="Picture 9">
-            <a:extLst>
-              <a:ext uri="{FF2B5EF4-FFF2-40B4-BE49-F238E27FC236}">
-                <a16:creationId xmlns:a16="http://schemas.microsoft.com/office/drawing/2014/main" id="{61E84951-C0B4-1641-9CF2-708FE1A22A68}"/>
-              </a:ext>
-            </a:extLst>
-          </p:cNvPr>
-          <p:cNvPicPr>
-            <a:picLocks noChangeAspect="1"/>
-          </p:cNvPicPr>
-          <p:nvPr/>
-        </p:nvPicPr>
-        <p:blipFill>
-          <a:blip r:embed="rId4"/>
-          <a:stretch>
-            <a:fillRect/>
-          </a:stretch>
-        </p:blipFill>
-        <p:spPr>
-          <a:xfrm>
-            <a:off x="3263089" y="787400"/>
-            <a:ext cx="2922621" cy="1981200"/>
-          </a:xfrm>
-          <a:prstGeom prst="rect">
-            <a:avLst/>
-          </a:prstGeom>
-        </p:spPr>
-      </p:pic>
-      <p:pic>
-        <p:nvPicPr>
-          <p:cNvPr id="12" name="Picture 11">
-            <a:extLst>
-              <a:ext uri="{FF2B5EF4-FFF2-40B4-BE49-F238E27FC236}">
-                <a16:creationId xmlns:a16="http://schemas.microsoft.com/office/drawing/2014/main" id="{31FE8E0F-F681-3F4A-A536-2366CF09DBE2}"/>
-              </a:ext>
-            </a:extLst>
-          </p:cNvPr>
-          <p:cNvPicPr>
-            <a:picLocks noChangeAspect="1"/>
-          </p:cNvPicPr>
-          <p:nvPr/>
-        </p:nvPicPr>
-        <p:blipFill>
-          <a:blip r:embed="rId5"/>
-          <a:stretch>
-            <a:fillRect/>
-          </a:stretch>
-        </p:blipFill>
-        <p:spPr>
-          <a:xfrm>
-            <a:off x="5002950" y="3866300"/>
-            <a:ext cx="38100" cy="25400"/>
+            <a:off x="1809750" y="1524000"/>
+            <a:ext cx="5524500" cy="3810000"/>
           </a:xfrm>
           <a:prstGeom prst="rect">
             <a:avLst/>
@@ -10022,965 +6084,7 @@
     </p:spTree>
     <p:extLst>
       <p:ext uri="{BB962C8B-B14F-4D97-AF65-F5344CB8AC3E}">
-        <p14:creationId xmlns:p14="http://schemas.microsoft.com/office/powerpoint/2010/main" val="3977553218"/>
-      </p:ext>
-    </p:extLst>
-  </p:cSld>
-  <p:clrMapOvr>
-    <a:masterClrMapping/>
-  </p:clrMapOvr>
-  <p:timing>
-    <p:tnLst>
-      <p:par>
-        <p:cTn id="1" dur="indefinite" restart="never" nodeType="tmRoot">
-          <p:childTnLst>
-            <p:seq concurrent="1" nextAc="seek">
-              <p:cTn id="2" dur="indefinite" nodeType="mainSeq">
-                <p:childTnLst>
-                  <p:par>
-                    <p:cTn id="3" fill="hold">
-                      <p:stCondLst>
-                        <p:cond delay="indefinite"/>
-                      </p:stCondLst>
-                      <p:childTnLst>
-                        <p:par>
-                          <p:cTn id="4" fill="hold">
-                            <p:stCondLst>
-                              <p:cond delay="0"/>
-                            </p:stCondLst>
-                            <p:childTnLst>
-                              <p:par>
-                                <p:cTn id="5" presetID="1" presetClass="entr" presetSubtype="0" fill="hold" nodeType="clickEffect">
-                                  <p:stCondLst>
-                                    <p:cond delay="0"/>
-                                  </p:stCondLst>
-                                  <p:childTnLst>
-                                    <p:set>
-                                      <p:cBhvr>
-                                        <p:cTn id="6" dur="1" fill="hold">
-                                          <p:stCondLst>
-                                            <p:cond delay="0"/>
-                                          </p:stCondLst>
-                                        </p:cTn>
-                                        <p:tgtEl>
-                                          <p:spTgt spid="8"/>
-                                        </p:tgtEl>
-                                        <p:attrNameLst>
-                                          <p:attrName>style.visibility</p:attrName>
-                                        </p:attrNameLst>
-                                      </p:cBhvr>
-                                      <p:to>
-                                        <p:strVal val="visible"/>
-                                      </p:to>
-                                    </p:set>
-                                  </p:childTnLst>
-                                </p:cTn>
-                              </p:par>
-                              <p:par>
-                                <p:cTn id="7" presetID="1" presetClass="entr" presetSubtype="0" fill="hold" nodeType="withEffect">
-                                  <p:stCondLst>
-                                    <p:cond delay="0"/>
-                                  </p:stCondLst>
-                                  <p:childTnLst>
-                                    <p:set>
-                                      <p:cBhvr>
-                                        <p:cTn id="8" dur="1" fill="hold">
-                                          <p:stCondLst>
-                                            <p:cond delay="0"/>
-                                          </p:stCondLst>
-                                        </p:cTn>
-                                        <p:tgtEl>
-                                          <p:spTgt spid="6"/>
-                                        </p:tgtEl>
-                                        <p:attrNameLst>
-                                          <p:attrName>style.visibility</p:attrName>
-                                        </p:attrNameLst>
-                                      </p:cBhvr>
-                                      <p:to>
-                                        <p:strVal val="visible"/>
-                                      </p:to>
-                                    </p:set>
-                                  </p:childTnLst>
-                                </p:cTn>
-                              </p:par>
-                            </p:childTnLst>
-                          </p:cTn>
-                        </p:par>
-                      </p:childTnLst>
-                    </p:cTn>
-                  </p:par>
-                </p:childTnLst>
-              </p:cTn>
-              <p:prevCondLst>
-                <p:cond evt="onPrev" delay="0">
-                  <p:tgtEl>
-                    <p:sldTgt/>
-                  </p:tgtEl>
-                </p:cond>
-              </p:prevCondLst>
-              <p:nextCondLst>
-                <p:cond evt="onNext" delay="0">
-                  <p:tgtEl>
-                    <p:sldTgt/>
-                  </p:tgtEl>
-                </p:cond>
-              </p:nextCondLst>
-            </p:seq>
-          </p:childTnLst>
-        </p:cTn>
-      </p:par>
-    </p:tnLst>
-  </p:timing>
-</p:sld>
-</file>
-
-<file path=ppt/slides/slide17.xml><?xml version="1.0" encoding="utf-8"?>
-<p:sld xmlns:a="http://schemas.openxmlformats.org/drawingml/2006/main" xmlns:r="http://schemas.openxmlformats.org/officeDocument/2006/relationships" xmlns:p="http://schemas.openxmlformats.org/presentationml/2006/main">
-  <p:cSld>
-    <p:spTree>
-      <p:nvGrpSpPr>
-        <p:cNvPr id="1" name=""/>
-        <p:cNvGrpSpPr/>
-        <p:nvPr/>
-      </p:nvGrpSpPr>
-      <p:grpSpPr>
-        <a:xfrm>
-          <a:off x="0" y="0"/>
-          <a:ext cx="0" cy="0"/>
-          <a:chOff x="0" y="0"/>
-          <a:chExt cx="0" cy="0"/>
-        </a:xfrm>
-      </p:grpSpPr>
-      <p:sp>
-        <p:nvSpPr>
-          <p:cNvPr id="2" name="Title 1">
-            <a:extLst>
-              <a:ext uri="{FF2B5EF4-FFF2-40B4-BE49-F238E27FC236}">
-                <a16:creationId xmlns:a16="http://schemas.microsoft.com/office/drawing/2014/main" id="{3C7E67AC-19A8-A84A-AD29-CE9094C8D37C}"/>
-              </a:ext>
-            </a:extLst>
-          </p:cNvPr>
-          <p:cNvSpPr>
-            <a:spLocks noGrp="1"/>
-          </p:cNvSpPr>
-          <p:nvPr>
-            <p:ph type="title"/>
-          </p:nvPr>
-        </p:nvSpPr>
-        <p:spPr/>
-        <p:txBody>
-          <a:bodyPr/>
-          <a:lstStyle/>
-          <a:p>
-            <a:r>
-              <a:rPr lang="en-US" dirty="0"/>
-              <a:t>Generating a Synthetic Response Data</a:t>
-            </a:r>
-          </a:p>
-        </p:txBody>
-      </p:sp>
-      <p:sp>
-        <p:nvSpPr>
-          <p:cNvPr id="4" name="Content Placeholder 3">
-            <a:extLst>
-              <a:ext uri="{FF2B5EF4-FFF2-40B4-BE49-F238E27FC236}">
-                <a16:creationId xmlns:a16="http://schemas.microsoft.com/office/drawing/2014/main" id="{467EA42C-8833-EF4C-974C-06FAC4D63BBB}"/>
-              </a:ext>
-            </a:extLst>
-          </p:cNvPr>
-          <p:cNvSpPr>
-            <a:spLocks noGrp="1"/>
-          </p:cNvSpPr>
-          <p:nvPr>
-            <p:ph idx="1"/>
-          </p:nvPr>
-        </p:nvSpPr>
-        <p:spPr/>
-        <p:txBody>
-          <a:bodyPr/>
-          <a:lstStyle/>
-          <a:p>
-            <a:pPr marL="0" indent="0">
-              <a:buNone/>
-            </a:pPr>
-            <a:r>
-              <a:rPr lang="en-US" sz="2000" dirty="0">
-                <a:latin typeface="Courier New" panose="02070309020205020404" pitchFamily="49" charset="0"/>
-                <a:cs typeface="Courier New" panose="02070309020205020404" pitchFamily="49" charset="0"/>
-              </a:rPr>
-              <a:t>def </a:t>
-            </a:r>
-            <a:r>
-              <a:rPr lang="en-US" sz="2000" dirty="0" err="1">
-                <a:latin typeface="Courier New" panose="02070309020205020404" pitchFamily="49" charset="0"/>
-                <a:cs typeface="Courier New" panose="02070309020205020404" pitchFamily="49" charset="0"/>
-              </a:rPr>
-              <a:t>generateData</a:t>
-            </a:r>
-            <a:r>
-              <a:rPr lang="en-US" sz="2000" dirty="0">
-                <a:latin typeface="Courier New" panose="02070309020205020404" pitchFamily="49" charset="0"/>
-                <a:cs typeface="Courier New" panose="02070309020205020404" pitchFamily="49" charset="0"/>
-              </a:rPr>
-              <a:t>(</a:t>
-            </a:r>
-            <a:r>
-              <a:rPr lang="en-US" sz="2000" dirty="0" err="1">
-                <a:latin typeface="Courier New" panose="02070309020205020404" pitchFamily="49" charset="0"/>
-                <a:cs typeface="Courier New" panose="02070309020205020404" pitchFamily="49" charset="0"/>
-              </a:rPr>
-              <a:t>y_obs</a:t>
-            </a:r>
-            <a:r>
-              <a:rPr lang="en-US" sz="2000" dirty="0">
-                <a:latin typeface="Courier New" panose="02070309020205020404" pitchFamily="49" charset="0"/>
-                <a:cs typeface="Courier New" panose="02070309020205020404" pitchFamily="49" charset="0"/>
-              </a:rPr>
-              <a:t>, </a:t>
-            </a:r>
-            <a:r>
-              <a:rPr lang="en-US" sz="2000" dirty="0" err="1">
-                <a:latin typeface="Courier New" panose="02070309020205020404" pitchFamily="49" charset="0"/>
-                <a:cs typeface="Courier New" panose="02070309020205020404" pitchFamily="49" charset="0"/>
-              </a:rPr>
-              <a:t>y_fit</a:t>
-            </a:r>
-            <a:r>
-              <a:rPr lang="en-US" sz="2000" dirty="0">
-                <a:latin typeface="Courier New" panose="02070309020205020404" pitchFamily="49" charset="0"/>
-                <a:cs typeface="Courier New" panose="02070309020205020404" pitchFamily="49" charset="0"/>
-              </a:rPr>
-              <a:t>):</a:t>
-            </a:r>
-          </a:p>
-          <a:p>
-            <a:pPr marL="0" indent="0">
-              <a:buNone/>
-            </a:pPr>
-            <a:r>
-              <a:rPr lang="en-US" sz="2000" dirty="0">
-                <a:latin typeface="Courier New" panose="02070309020205020404" pitchFamily="49" charset="0"/>
-                <a:cs typeface="Courier New" panose="02070309020205020404" pitchFamily="49" charset="0"/>
-              </a:rPr>
-              <a:t>    """</a:t>
-            </a:r>
-          </a:p>
-          <a:p>
-            <a:pPr marL="0" indent="0">
-              <a:buNone/>
-            </a:pPr>
-            <a:r>
-              <a:rPr lang="en-US" sz="2000" dirty="0">
-                <a:latin typeface="Courier New" panose="02070309020205020404" pitchFamily="49" charset="0"/>
-                <a:cs typeface="Courier New" panose="02070309020205020404" pitchFamily="49" charset="0"/>
-              </a:rPr>
-              <a:t>    :</a:t>
-            </a:r>
-            <a:r>
-              <a:rPr lang="en-US" sz="2000" dirty="0" err="1">
-                <a:latin typeface="Courier New" panose="02070309020205020404" pitchFamily="49" charset="0"/>
-                <a:cs typeface="Courier New" panose="02070309020205020404" pitchFamily="49" charset="0"/>
-              </a:rPr>
-              <a:t>param</a:t>
-            </a:r>
-            <a:r>
-              <a:rPr lang="en-US" sz="2000" dirty="0">
-                <a:latin typeface="Courier New" panose="02070309020205020404" pitchFamily="49" charset="0"/>
-                <a:cs typeface="Courier New" panose="02070309020205020404" pitchFamily="49" charset="0"/>
-              </a:rPr>
-              <a:t> </a:t>
-            </a:r>
-            <a:r>
-              <a:rPr lang="en-US" sz="2000" dirty="0" err="1">
-                <a:latin typeface="Courier New" panose="02070309020205020404" pitchFamily="49" charset="0"/>
-                <a:cs typeface="Courier New" panose="02070309020205020404" pitchFamily="49" charset="0"/>
-              </a:rPr>
-              <a:t>np.array</a:t>
-            </a:r>
-            <a:r>
-              <a:rPr lang="en-US" sz="2000" dirty="0">
-                <a:latin typeface="Courier New" panose="02070309020205020404" pitchFamily="49" charset="0"/>
-                <a:cs typeface="Courier New" panose="02070309020205020404" pitchFamily="49" charset="0"/>
-              </a:rPr>
-              <a:t> </a:t>
-            </a:r>
-            <a:r>
-              <a:rPr lang="en-US" sz="2000" dirty="0" err="1">
-                <a:latin typeface="Courier New" panose="02070309020205020404" pitchFamily="49" charset="0"/>
-                <a:cs typeface="Courier New" panose="02070309020205020404" pitchFamily="49" charset="0"/>
-              </a:rPr>
-              <a:t>y_obs</a:t>
-            </a:r>
-            <a:endParaRPr lang="en-US" sz="2000" dirty="0">
-              <a:latin typeface="Courier New" panose="02070309020205020404" pitchFamily="49" charset="0"/>
-              <a:cs typeface="Courier New" panose="02070309020205020404" pitchFamily="49" charset="0"/>
-            </a:endParaRPr>
-          </a:p>
-          <a:p>
-            <a:pPr marL="0" indent="0">
-              <a:buNone/>
-            </a:pPr>
-            <a:r>
-              <a:rPr lang="en-US" sz="2000" dirty="0">
-                <a:latin typeface="Courier New" panose="02070309020205020404" pitchFamily="49" charset="0"/>
-                <a:cs typeface="Courier New" panose="02070309020205020404" pitchFamily="49" charset="0"/>
-              </a:rPr>
-              <a:t>    :</a:t>
-            </a:r>
-            <a:r>
-              <a:rPr lang="en-US" sz="2000" dirty="0" err="1">
-                <a:latin typeface="Courier New" panose="02070309020205020404" pitchFamily="49" charset="0"/>
-                <a:cs typeface="Courier New" panose="02070309020205020404" pitchFamily="49" charset="0"/>
-              </a:rPr>
-              <a:t>param</a:t>
-            </a:r>
-            <a:r>
-              <a:rPr lang="en-US" sz="2000" dirty="0">
-                <a:latin typeface="Courier New" panose="02070309020205020404" pitchFamily="49" charset="0"/>
-                <a:cs typeface="Courier New" panose="02070309020205020404" pitchFamily="49" charset="0"/>
-              </a:rPr>
-              <a:t> </a:t>
-            </a:r>
-            <a:r>
-              <a:rPr lang="en-US" sz="2000" dirty="0" err="1">
-                <a:latin typeface="Courier New" panose="02070309020205020404" pitchFamily="49" charset="0"/>
-                <a:cs typeface="Courier New" panose="02070309020205020404" pitchFamily="49" charset="0"/>
-              </a:rPr>
-              <a:t>np.array</a:t>
-            </a:r>
-            <a:r>
-              <a:rPr lang="en-US" sz="2000" dirty="0">
-                <a:latin typeface="Courier New" panose="02070309020205020404" pitchFamily="49" charset="0"/>
-                <a:cs typeface="Courier New" panose="02070309020205020404" pitchFamily="49" charset="0"/>
-              </a:rPr>
-              <a:t> </a:t>
-            </a:r>
-            <a:r>
-              <a:rPr lang="en-US" sz="2000" dirty="0" err="1">
-                <a:latin typeface="Courier New" panose="02070309020205020404" pitchFamily="49" charset="0"/>
-                <a:cs typeface="Courier New" panose="02070309020205020404" pitchFamily="49" charset="0"/>
-              </a:rPr>
-              <a:t>y_fit</a:t>
-            </a:r>
-            <a:endParaRPr lang="en-US" sz="2000" dirty="0">
-              <a:latin typeface="Courier New" panose="02070309020205020404" pitchFamily="49" charset="0"/>
-              <a:cs typeface="Courier New" panose="02070309020205020404" pitchFamily="49" charset="0"/>
-            </a:endParaRPr>
-          </a:p>
-          <a:p>
-            <a:pPr marL="0" indent="0">
-              <a:buNone/>
-            </a:pPr>
-            <a:r>
-              <a:rPr lang="en-US" sz="2000" dirty="0">
-                <a:latin typeface="Courier New" panose="02070309020205020404" pitchFamily="49" charset="0"/>
-                <a:cs typeface="Courier New" panose="02070309020205020404" pitchFamily="49" charset="0"/>
-              </a:rPr>
-              <a:t>    :return </a:t>
-            </a:r>
-            <a:r>
-              <a:rPr lang="en-US" sz="2000" dirty="0" err="1">
-                <a:latin typeface="Courier New" panose="02070309020205020404" pitchFamily="49" charset="0"/>
-                <a:cs typeface="Courier New" panose="02070309020205020404" pitchFamily="49" charset="0"/>
-              </a:rPr>
-              <a:t>np.array</a:t>
-            </a:r>
-            <a:r>
-              <a:rPr lang="en-US" sz="2000" dirty="0">
-                <a:latin typeface="Courier New" panose="02070309020205020404" pitchFamily="49" charset="0"/>
-                <a:cs typeface="Courier New" panose="02070309020205020404" pitchFamily="49" charset="0"/>
-              </a:rPr>
-              <a:t>: bootstrap data</a:t>
-            </a:r>
-          </a:p>
-          <a:p>
-            <a:pPr marL="0" indent="0">
-              <a:buNone/>
-            </a:pPr>
-            <a:r>
-              <a:rPr lang="en-US" sz="2000" dirty="0">
-                <a:latin typeface="Courier New" panose="02070309020205020404" pitchFamily="49" charset="0"/>
-                <a:cs typeface="Courier New" panose="02070309020205020404" pitchFamily="49" charset="0"/>
-              </a:rPr>
-              <a:t>    """</a:t>
-            </a:r>
-          </a:p>
-          <a:p>
-            <a:pPr marL="0" indent="0">
-              <a:buNone/>
-            </a:pPr>
-            <a:r>
-              <a:rPr lang="en-US" sz="2000" dirty="0">
-                <a:latin typeface="Courier New" panose="02070309020205020404" pitchFamily="49" charset="0"/>
-                <a:cs typeface="Courier New" panose="02070309020205020404" pitchFamily="49" charset="0"/>
-              </a:rPr>
-              <a:t>    residuals = </a:t>
-            </a:r>
-            <a:r>
-              <a:rPr lang="en-US" sz="2000" dirty="0" err="1">
-                <a:latin typeface="Courier New" panose="02070309020205020404" pitchFamily="49" charset="0"/>
-                <a:cs typeface="Courier New" panose="02070309020205020404" pitchFamily="49" charset="0"/>
-              </a:rPr>
-              <a:t>y_obs</a:t>
-            </a:r>
-            <a:r>
-              <a:rPr lang="en-US" sz="2000" dirty="0">
-                <a:latin typeface="Courier New" panose="02070309020205020404" pitchFamily="49" charset="0"/>
-                <a:cs typeface="Courier New" panose="02070309020205020404" pitchFamily="49" charset="0"/>
-              </a:rPr>
-              <a:t> - </a:t>
-            </a:r>
-            <a:r>
-              <a:rPr lang="en-US" sz="2000" dirty="0" err="1">
-                <a:latin typeface="Courier New" panose="02070309020205020404" pitchFamily="49" charset="0"/>
-                <a:cs typeface="Courier New" panose="02070309020205020404" pitchFamily="49" charset="0"/>
-              </a:rPr>
-              <a:t>y_fit</a:t>
-            </a:r>
-            <a:endParaRPr lang="en-US" sz="2000" dirty="0">
-              <a:latin typeface="Courier New" panose="02070309020205020404" pitchFamily="49" charset="0"/>
-              <a:cs typeface="Courier New" panose="02070309020205020404" pitchFamily="49" charset="0"/>
-            </a:endParaRPr>
-          </a:p>
-          <a:p>
-            <a:pPr marL="0" indent="0">
-              <a:buNone/>
-            </a:pPr>
-            <a:r>
-              <a:rPr lang="en-US" sz="2000" dirty="0">
-                <a:latin typeface="Courier New" panose="02070309020205020404" pitchFamily="49" charset="0"/>
-                <a:cs typeface="Courier New" panose="02070309020205020404" pitchFamily="49" charset="0"/>
-              </a:rPr>
-              <a:t>    length = </a:t>
-            </a:r>
-            <a:r>
-              <a:rPr lang="en-US" sz="2000" dirty="0" err="1">
-                <a:latin typeface="Courier New" panose="02070309020205020404" pitchFamily="49" charset="0"/>
-                <a:cs typeface="Courier New" panose="02070309020205020404" pitchFamily="49" charset="0"/>
-              </a:rPr>
-              <a:t>len</a:t>
-            </a:r>
-            <a:r>
-              <a:rPr lang="en-US" sz="2000" dirty="0">
-                <a:latin typeface="Courier New" panose="02070309020205020404" pitchFamily="49" charset="0"/>
-                <a:cs typeface="Courier New" panose="02070309020205020404" pitchFamily="49" charset="0"/>
-              </a:rPr>
-              <a:t>(</a:t>
-            </a:r>
-            <a:r>
-              <a:rPr lang="en-US" sz="2000" dirty="0" err="1">
-                <a:latin typeface="Courier New" panose="02070309020205020404" pitchFamily="49" charset="0"/>
-                <a:cs typeface="Courier New" panose="02070309020205020404" pitchFamily="49" charset="0"/>
-              </a:rPr>
-              <a:t>y_obs</a:t>
-            </a:r>
-            <a:r>
-              <a:rPr lang="en-US" sz="2000" dirty="0">
-                <a:latin typeface="Courier New" panose="02070309020205020404" pitchFamily="49" charset="0"/>
-                <a:cs typeface="Courier New" panose="02070309020205020404" pitchFamily="49" charset="0"/>
-              </a:rPr>
-              <a:t>)</a:t>
-            </a:r>
-          </a:p>
-          <a:p>
-            <a:pPr marL="0" indent="0">
-              <a:buNone/>
-            </a:pPr>
-            <a:r>
-              <a:rPr lang="en-US" sz="2000" dirty="0">
-                <a:latin typeface="Courier New" panose="02070309020205020404" pitchFamily="49" charset="0"/>
-                <a:cs typeface="Courier New" panose="02070309020205020404" pitchFamily="49" charset="0"/>
-              </a:rPr>
-              <a:t>    residuals = </a:t>
-            </a:r>
-            <a:r>
-              <a:rPr lang="en-US" sz="2000" dirty="0" err="1">
-                <a:latin typeface="Courier New" panose="02070309020205020404" pitchFamily="49" charset="0"/>
-                <a:cs typeface="Courier New" panose="02070309020205020404" pitchFamily="49" charset="0"/>
-              </a:rPr>
-              <a:t>residuals.reshape</a:t>
-            </a:r>
-            <a:r>
-              <a:rPr lang="en-US" sz="2000" dirty="0">
-                <a:latin typeface="Courier New" panose="02070309020205020404" pitchFamily="49" charset="0"/>
-                <a:cs typeface="Courier New" panose="02070309020205020404" pitchFamily="49" charset="0"/>
-              </a:rPr>
-              <a:t>(length)</a:t>
-            </a:r>
-          </a:p>
-          <a:p>
-            <a:pPr marL="0" indent="0">
-              <a:buNone/>
-            </a:pPr>
-            <a:r>
-              <a:rPr lang="en-US" sz="2000" dirty="0">
-                <a:latin typeface="Courier New" panose="02070309020205020404" pitchFamily="49" charset="0"/>
-                <a:cs typeface="Courier New" panose="02070309020205020404" pitchFamily="49" charset="0"/>
-              </a:rPr>
-              <a:t>    samples = </a:t>
-            </a:r>
-            <a:r>
-              <a:rPr lang="en-US" sz="2000" dirty="0" err="1">
-                <a:latin typeface="Courier New" panose="02070309020205020404" pitchFamily="49" charset="0"/>
-                <a:cs typeface="Courier New" panose="02070309020205020404" pitchFamily="49" charset="0"/>
-              </a:rPr>
-              <a:t>np.random.randint</a:t>
-            </a:r>
-            <a:r>
-              <a:rPr lang="en-US" sz="2000" dirty="0">
-                <a:latin typeface="Courier New" panose="02070309020205020404" pitchFamily="49" charset="0"/>
-                <a:cs typeface="Courier New" panose="02070309020205020404" pitchFamily="49" charset="0"/>
-              </a:rPr>
-              <a:t>(0, length</a:t>
-            </a:r>
-            <a:r>
-              <a:rPr lang="en-US" sz="2000">
-                <a:latin typeface="Courier New" panose="02070309020205020404" pitchFamily="49" charset="0"/>
-                <a:cs typeface="Courier New" panose="02070309020205020404" pitchFamily="49" charset="0"/>
-              </a:rPr>
-              <a:t>, length)</a:t>
-            </a:r>
-            <a:endParaRPr lang="en-US" sz="2000" dirty="0">
-              <a:latin typeface="Courier New" panose="02070309020205020404" pitchFamily="49" charset="0"/>
-              <a:cs typeface="Courier New" panose="02070309020205020404" pitchFamily="49" charset="0"/>
-            </a:endParaRPr>
-          </a:p>
-          <a:p>
-            <a:pPr marL="0" indent="0">
-              <a:buNone/>
-            </a:pPr>
-            <a:r>
-              <a:rPr lang="en-US" sz="2000" dirty="0">
-                <a:latin typeface="Courier New" panose="02070309020205020404" pitchFamily="49" charset="0"/>
-                <a:cs typeface="Courier New" panose="02070309020205020404" pitchFamily="49" charset="0"/>
-              </a:rPr>
-              <a:t>    result = </a:t>
-            </a:r>
-            <a:r>
-              <a:rPr lang="en-US" sz="2000" dirty="0" err="1">
-                <a:latin typeface="Courier New" panose="02070309020205020404" pitchFamily="49" charset="0"/>
-                <a:cs typeface="Courier New" panose="02070309020205020404" pitchFamily="49" charset="0"/>
-              </a:rPr>
-              <a:t>y_fit</a:t>
-            </a:r>
-            <a:r>
-              <a:rPr lang="en-US" sz="2000" dirty="0">
-                <a:latin typeface="Courier New" panose="02070309020205020404" pitchFamily="49" charset="0"/>
-                <a:cs typeface="Courier New" panose="02070309020205020404" pitchFamily="49" charset="0"/>
-              </a:rPr>
-              <a:t> + residuals[samples]</a:t>
-            </a:r>
-          </a:p>
-          <a:p>
-            <a:pPr marL="0" indent="0">
-              <a:buNone/>
-            </a:pPr>
-            <a:r>
-              <a:rPr lang="en-US" sz="2000" dirty="0">
-                <a:latin typeface="Courier New" panose="02070309020205020404" pitchFamily="49" charset="0"/>
-                <a:cs typeface="Courier New" panose="02070309020205020404" pitchFamily="49" charset="0"/>
-              </a:rPr>
-              <a:t>    result = </a:t>
-            </a:r>
-            <a:r>
-              <a:rPr lang="en-US" sz="2000" dirty="0" err="1">
-                <a:latin typeface="Courier New" panose="02070309020205020404" pitchFamily="49" charset="0"/>
-                <a:cs typeface="Courier New" panose="02070309020205020404" pitchFamily="49" charset="0"/>
-              </a:rPr>
-              <a:t>result.reshape</a:t>
-            </a:r>
-            <a:r>
-              <a:rPr lang="en-US" sz="2000" dirty="0">
-                <a:latin typeface="Courier New" panose="02070309020205020404" pitchFamily="49" charset="0"/>
-                <a:cs typeface="Courier New" panose="02070309020205020404" pitchFamily="49" charset="0"/>
-              </a:rPr>
-              <a:t>(length)</a:t>
-            </a:r>
-          </a:p>
-          <a:p>
-            <a:pPr marL="0" indent="0">
-              <a:buNone/>
-            </a:pPr>
-            <a:r>
-              <a:rPr lang="en-US" sz="2000" dirty="0">
-                <a:latin typeface="Courier New" panose="02070309020205020404" pitchFamily="49" charset="0"/>
-                <a:cs typeface="Courier New" panose="02070309020205020404" pitchFamily="49" charset="0"/>
-              </a:rPr>
-              <a:t>    return result</a:t>
-            </a:r>
-          </a:p>
-        </p:txBody>
-      </p:sp>
-      <p:sp>
-        <p:nvSpPr>
-          <p:cNvPr id="3" name="Slide Number Placeholder 2">
-            <a:extLst>
-              <a:ext uri="{FF2B5EF4-FFF2-40B4-BE49-F238E27FC236}">
-                <a16:creationId xmlns:a16="http://schemas.microsoft.com/office/drawing/2014/main" id="{9726B264-DF07-A34E-A052-73194C3256CB}"/>
-              </a:ext>
-            </a:extLst>
-          </p:cNvPr>
-          <p:cNvSpPr>
-            <a:spLocks noGrp="1"/>
-          </p:cNvSpPr>
-          <p:nvPr>
-            <p:ph type="sldNum" sz="quarter" idx="11"/>
-          </p:nvPr>
-        </p:nvSpPr>
-        <p:spPr/>
-        <p:txBody>
-          <a:bodyPr/>
-          <a:lstStyle/>
-          <a:p>
-            <a:pPr>
-              <a:defRPr/>
-            </a:pPr>
-            <a:fld id="{2E4304A7-0FB2-4094-BC1E-DB17183AD0C1}" type="slidenum">
-              <a:rPr lang="en-US" altLang="x-none" smtClean="0"/>
-              <a:pPr>
-                <a:defRPr/>
-              </a:pPr>
-              <a:t>17</a:t>
-            </a:fld>
-            <a:endParaRPr lang="en-US" altLang="x-none"/>
-          </a:p>
-        </p:txBody>
-      </p:sp>
-    </p:spTree>
-    <p:extLst>
-      <p:ext uri="{BB962C8B-B14F-4D97-AF65-F5344CB8AC3E}">
-        <p14:creationId xmlns:p14="http://schemas.microsoft.com/office/powerpoint/2010/main" val="2147730144"/>
-      </p:ext>
-    </p:extLst>
-  </p:cSld>
-  <p:clrMapOvr>
-    <a:masterClrMapping/>
-  </p:clrMapOvr>
-</p:sld>
-</file>
-
-<file path=ppt/slides/slide18.xml><?xml version="1.0" encoding="utf-8"?>
-<p:sld xmlns:a="http://schemas.openxmlformats.org/drawingml/2006/main" xmlns:r="http://schemas.openxmlformats.org/officeDocument/2006/relationships" xmlns:p="http://schemas.openxmlformats.org/presentationml/2006/main">
-  <p:cSld>
-    <p:spTree>
-      <p:nvGrpSpPr>
-        <p:cNvPr id="1" name=""/>
-        <p:cNvGrpSpPr/>
-        <p:nvPr/>
-      </p:nvGrpSpPr>
-      <p:grpSpPr>
-        <a:xfrm>
-          <a:off x="0" y="0"/>
-          <a:ext cx="0" cy="0"/>
-          <a:chOff x="0" y="0"/>
-          <a:chExt cx="0" cy="0"/>
-        </a:xfrm>
-      </p:grpSpPr>
-      <p:sp>
-        <p:nvSpPr>
-          <p:cNvPr id="2" name="Title 1">
-            <a:extLst>
-              <a:ext uri="{FF2B5EF4-FFF2-40B4-BE49-F238E27FC236}">
-                <a16:creationId xmlns:a16="http://schemas.microsoft.com/office/drawing/2014/main" id="{59D8CD8E-D28D-BA48-91E1-D41F2631C049}"/>
-              </a:ext>
-            </a:extLst>
-          </p:cNvPr>
-          <p:cNvSpPr>
-            <a:spLocks noGrp="1"/>
-          </p:cNvSpPr>
-          <p:nvPr>
-            <p:ph type="title"/>
-          </p:nvPr>
-        </p:nvSpPr>
-        <p:spPr/>
-        <p:txBody>
-          <a:bodyPr/>
-          <a:lstStyle/>
-          <a:p>
-            <a:r>
-              <a:rPr lang="en-US" dirty="0"/>
-              <a:t>Exercise</a:t>
-            </a:r>
-          </a:p>
-        </p:txBody>
-      </p:sp>
-      <mc:AlternateContent xmlns:mc="http://schemas.openxmlformats.org/markup-compatibility/2006" xmlns:a14="http://schemas.microsoft.com/office/drawing/2010/main">
-        <mc:Choice Requires="a14">
-          <p:sp>
-            <p:nvSpPr>
-              <p:cNvPr id="4" name="Content Placeholder 3">
-                <a:extLst>
-                  <a:ext uri="{FF2B5EF4-FFF2-40B4-BE49-F238E27FC236}">
-                    <a16:creationId xmlns:a16="http://schemas.microsoft.com/office/drawing/2014/main" id="{5B44CA9C-E409-3C40-8632-4F324145E8F9}"/>
-                  </a:ext>
-                </a:extLst>
-              </p:cNvPr>
-              <p:cNvSpPr>
-                <a:spLocks noGrp="1"/>
-              </p:cNvSpPr>
-              <p:nvPr>
-                <p:ph idx="1"/>
-              </p:nvPr>
-            </p:nvSpPr>
-            <p:spPr/>
-            <p:txBody>
-              <a:bodyPr/>
-              <a:lstStyle/>
-              <a:p>
-                <a:r>
-                  <a:rPr lang="en-US" dirty="0"/>
-                  <a:t>Create synthetic observations as before for A-&gt;B-&gt;C</a:t>
-                </a:r>
-              </a:p>
-              <a:p>
-                <a:pPr lvl="1"/>
-                <a:r>
-                  <a:rPr lang="en-US" dirty="0"/>
-                  <a:t>Use </a:t>
-                </a:r>
-                <a14:m>
-                  <m:oMath xmlns:m="http://schemas.openxmlformats.org/officeDocument/2006/math">
-                    <m:r>
-                      <a:rPr lang="en-US" i="1">
-                        <a:latin typeface="Cambria Math" panose="02040503050406030204" pitchFamily="18" charset="0"/>
-                      </a:rPr>
-                      <m:t>𝜎</m:t>
-                    </m:r>
-                    <m:r>
-                      <a:rPr lang="en-US" i="1">
-                        <a:latin typeface="Cambria Math" panose="02040503050406030204" pitchFamily="18" charset="0"/>
-                      </a:rPr>
-                      <m:t>=0.5</m:t>
-                    </m:r>
-                  </m:oMath>
-                </a14:m>
-                <a:endParaRPr lang="en-US" dirty="0"/>
-              </a:p>
-              <a:p>
-                <a:r>
-                  <a:rPr lang="en-US" dirty="0"/>
-                  <a:t>Do a fit (differential evolution) for the entire data. </a:t>
-                </a:r>
-              </a:p>
-              <a:p>
-                <a:r>
-                  <a:rPr lang="en-US" dirty="0"/>
-                  <a:t>Do bootstrapping on the fitted model</a:t>
-                </a:r>
-              </a:p>
-            </p:txBody>
-          </p:sp>
-        </mc:Choice>
-        <mc:Fallback xmlns="">
-          <p:sp>
-            <p:nvSpPr>
-              <p:cNvPr id="4" name="Content Placeholder 3">
-                <a:extLst>
-                  <a:ext uri="{FF2B5EF4-FFF2-40B4-BE49-F238E27FC236}">
-                    <a16:creationId xmlns:a16="http://schemas.microsoft.com/office/drawing/2014/main" id="{5B44CA9C-E409-3C40-8632-4F324145E8F9}"/>
-                  </a:ext>
-                </a:extLst>
-              </p:cNvPr>
-              <p:cNvSpPr>
-                <a:spLocks noGrp="1" noRot="1" noChangeAspect="1" noMove="1" noResize="1" noEditPoints="1" noAdjustHandles="1" noChangeArrowheads="1" noChangeShapeType="1" noTextEdit="1"/>
-              </p:cNvSpPr>
-              <p:nvPr>
-                <p:ph idx="1"/>
-              </p:nvPr>
-            </p:nvSpPr>
-            <p:spPr>
-              <a:blipFill>
-                <a:blip r:embed="rId2"/>
-                <a:stretch>
-                  <a:fillRect l="-1389" t="-1667"/>
-                </a:stretch>
-              </a:blipFill>
-            </p:spPr>
-            <p:txBody>
-              <a:bodyPr/>
-              <a:lstStyle/>
-              <a:p>
-                <a:r>
-                  <a:rPr lang="en-US">
-                    <a:noFill/>
-                  </a:rPr>
-                  <a:t> </a:t>
-                </a:r>
-              </a:p>
-            </p:txBody>
-          </p:sp>
-        </mc:Fallback>
-      </mc:AlternateContent>
-      <p:sp>
-        <p:nvSpPr>
-          <p:cNvPr id="3" name="Slide Number Placeholder 2">
-            <a:extLst>
-              <a:ext uri="{FF2B5EF4-FFF2-40B4-BE49-F238E27FC236}">
-                <a16:creationId xmlns:a16="http://schemas.microsoft.com/office/drawing/2014/main" id="{1F4F2996-EDB7-B54F-96E0-7945BA027B0A}"/>
-              </a:ext>
-            </a:extLst>
-          </p:cNvPr>
-          <p:cNvSpPr>
-            <a:spLocks noGrp="1"/>
-          </p:cNvSpPr>
-          <p:nvPr>
-            <p:ph type="sldNum" sz="quarter" idx="11"/>
-          </p:nvPr>
-        </p:nvSpPr>
-        <p:spPr/>
-        <p:txBody>
-          <a:bodyPr/>
-          <a:lstStyle/>
-          <a:p>
-            <a:pPr>
-              <a:defRPr/>
-            </a:pPr>
-            <a:fld id="{2E4304A7-0FB2-4094-BC1E-DB17183AD0C1}" type="slidenum">
-              <a:rPr lang="en-US" altLang="x-none" smtClean="0"/>
-              <a:pPr>
-                <a:defRPr/>
-              </a:pPr>
-              <a:t>18</a:t>
-            </a:fld>
-            <a:endParaRPr lang="en-US" altLang="x-none"/>
-          </a:p>
-        </p:txBody>
-      </p:sp>
-    </p:spTree>
-    <p:extLst>
-      <p:ext uri="{BB962C8B-B14F-4D97-AF65-F5344CB8AC3E}">
-        <p14:creationId xmlns:p14="http://schemas.microsoft.com/office/powerpoint/2010/main" val="2093438422"/>
-      </p:ext>
-    </p:extLst>
-  </p:cSld>
-  <p:clrMapOvr>
-    <a:masterClrMapping/>
-  </p:clrMapOvr>
-</p:sld>
-</file>
-
-<file path=ppt/slides/slide2.xml><?xml version="1.0" encoding="utf-8"?>
-<p:sld xmlns:a="http://schemas.openxmlformats.org/drawingml/2006/main" xmlns:r="http://schemas.openxmlformats.org/officeDocument/2006/relationships" xmlns:p="http://schemas.openxmlformats.org/presentationml/2006/main">
-  <p:cSld>
-    <p:spTree>
-      <p:nvGrpSpPr>
-        <p:cNvPr id="1" name=""/>
-        <p:cNvGrpSpPr/>
-        <p:nvPr/>
-      </p:nvGrpSpPr>
-      <p:grpSpPr>
-        <a:xfrm>
-          <a:off x="0" y="0"/>
-          <a:ext cx="0" cy="0"/>
-          <a:chOff x="0" y="0"/>
-          <a:chExt cx="0" cy="0"/>
-        </a:xfrm>
-      </p:grpSpPr>
-      <p:sp>
-        <p:nvSpPr>
-          <p:cNvPr id="2" name="Title 1"/>
-          <p:cNvSpPr>
-            <a:spLocks noGrp="1"/>
-          </p:cNvSpPr>
-          <p:nvPr>
-            <p:ph type="title"/>
-          </p:nvPr>
-        </p:nvSpPr>
-        <p:spPr>
-          <a:xfrm>
-            <a:off x="209100" y="457200"/>
-            <a:ext cx="5582099" cy="994172"/>
-          </a:xfrm>
-        </p:spPr>
-        <p:txBody>
-          <a:bodyPr/>
-          <a:lstStyle/>
-          <a:p>
-            <a:r>
-              <a:rPr lang="en-US" dirty="0"/>
-              <a:t>Model Fitting Work flow</a:t>
-            </a:r>
-          </a:p>
-        </p:txBody>
-      </p:sp>
-      <p:pic>
-        <p:nvPicPr>
-          <p:cNvPr id="4" name="Picture 3"/>
-          <p:cNvPicPr>
-            <a:picLocks noChangeAspect="1"/>
-          </p:cNvPicPr>
-          <p:nvPr/>
-        </p:nvPicPr>
-        <p:blipFill>
-          <a:blip r:embed="rId2"/>
-          <a:stretch>
-            <a:fillRect/>
-          </a:stretch>
-        </p:blipFill>
-        <p:spPr>
-          <a:xfrm>
-            <a:off x="2678655" y="1975376"/>
-            <a:ext cx="3297890" cy="3891996"/>
-          </a:xfrm>
-          <a:prstGeom prst="rect">
-            <a:avLst/>
-          </a:prstGeom>
-        </p:spPr>
-      </p:pic>
-      <p:sp>
-        <p:nvSpPr>
-          <p:cNvPr id="3" name="Oval 2">
-            <a:extLst>
-              <a:ext uri="{FF2B5EF4-FFF2-40B4-BE49-F238E27FC236}">
-                <a16:creationId xmlns:a16="http://schemas.microsoft.com/office/drawing/2014/main" id="{3143BE90-BB6D-3B45-8113-801A04CBFCF7}"/>
-              </a:ext>
-            </a:extLst>
-          </p:cNvPr>
-          <p:cNvSpPr/>
-          <p:nvPr/>
-        </p:nvSpPr>
-        <p:spPr>
-          <a:xfrm>
-            <a:off x="3810000" y="3429000"/>
-            <a:ext cx="2166545" cy="759106"/>
-          </a:xfrm>
-          <a:prstGeom prst="ellipse">
-            <a:avLst/>
-          </a:prstGeom>
-          <a:noFill/>
-          <a:ln w="38100">
-            <a:solidFill>
-              <a:srgbClr val="FF0000"/>
-            </a:solidFill>
-          </a:ln>
-        </p:spPr>
-        <p:style>
-          <a:lnRef idx="1">
-            <a:schemeClr val="accent1"/>
-          </a:lnRef>
-          <a:fillRef idx="3">
-            <a:schemeClr val="accent1"/>
-          </a:fillRef>
-          <a:effectRef idx="2">
-            <a:schemeClr val="accent1"/>
-          </a:effectRef>
-          <a:fontRef idx="minor">
-            <a:schemeClr val="lt1"/>
-          </a:fontRef>
-        </p:style>
-        <p:txBody>
-          <a:bodyPr rtlCol="0" anchor="ctr"/>
-          <a:lstStyle/>
-          <a:p>
-            <a:pPr algn="ctr"/>
-            <a:endParaRPr lang="en-US"/>
-          </a:p>
-        </p:txBody>
-      </p:sp>
-    </p:spTree>
-    <p:extLst>
-      <p:ext uri="{BB962C8B-B14F-4D97-AF65-F5344CB8AC3E}">
-        <p14:creationId xmlns:p14="http://schemas.microsoft.com/office/powerpoint/2010/main" val="638748524"/>
+        <p14:creationId xmlns:p14="http://schemas.microsoft.com/office/powerpoint/2010/main" val="1583946782"/>
       </p:ext>
     </p:extLst>
   </p:cSld>

--- a/lecture_12/crossvalidation/12_Model_Fitting_Dealing_With_Uncertainty.pptx
+++ b/lecture_12/crossvalidation/12_Model_Fitting_Dealing_With_Uncertainty.pptx
@@ -305,7 +305,7 @@
               <a:pPr>
                 <a:defRPr/>
               </a:pPr>
-              <a:t>1/18/21</a:t>
+              <a:t>1/23/21</a:t>
             </a:fld>
             <a:endParaRPr lang="en-US" altLang="x-none"/>
           </a:p>
@@ -514,7 +514,7 @@
               <a:pPr>
                 <a:defRPr/>
               </a:pPr>
-              <a:t>1/18/21</a:t>
+              <a:t>1/23/21</a:t>
             </a:fld>
             <a:endParaRPr lang="en-US" altLang="x-none"/>
           </a:p>
@@ -5071,7 +5071,7 @@
               <a:rPr lang="en-US" altLang="en-US" sz="2800" b="1" u="sng" dirty="0">
                 <a:ea typeface="ＭＳ Ｐゴシック" panose="020B0600070205080204" pitchFamily="34" charset="-128"/>
               </a:rPr>
-              <a:t>Lecture 9: Model Fitting-Dealing With Uncertainty</a:t>
+              <a:t>Lecture 12: Model Fitting-Dealing With Uncertainty</a:t>
             </a:r>
             <a:br>
               <a:rPr lang="en-US" altLang="en-US" b="1" dirty="0">
